--- a/CHILDREN/Zwischenkolloquien/2. Zwischentreffen Präsentation.pptx
+++ b/CHILDREN/Zwischenkolloquien/2. Zwischentreffen Präsentation.pptx
@@ -5,7 +5,7 @@
     <p:sldMasterId id="2147483724" r:id="rId1"/>
   </p:sldMasterIdLst>
   <p:notesMasterIdLst>
-    <p:notesMasterId r:id="rId9"/>
+    <p:notesMasterId r:id="rId20"/>
   </p:notesMasterIdLst>
   <p:sldIdLst>
     <p:sldId id="266" r:id="rId2"/>
@@ -15,6 +15,17 @@
     <p:sldId id="447" r:id="rId6"/>
     <p:sldId id="448" r:id="rId7"/>
     <p:sldId id="446" r:id="rId8"/>
+    <p:sldId id="450" r:id="rId9"/>
+    <p:sldId id="451" r:id="rId10"/>
+    <p:sldId id="452" r:id="rId11"/>
+    <p:sldId id="453" r:id="rId12"/>
+    <p:sldId id="454" r:id="rId13"/>
+    <p:sldId id="455" r:id="rId14"/>
+    <p:sldId id="460" r:id="rId15"/>
+    <p:sldId id="456" r:id="rId16"/>
+    <p:sldId id="459" r:id="rId17"/>
+    <p:sldId id="457" r:id="rId18"/>
+    <p:sldId id="458" r:id="rId19"/>
   </p:sldIdLst>
   <p:sldSz cx="9144000" cy="6858000" type="screen4x3"/>
   <p:notesSz cx="6662738" cy="9866313"/>
@@ -270,7 +281,7 @@
           <a:p>
             <a:fld id="{5CD3B52D-4AE8-4F20-9361-9A887E295763}" type="datetimeFigureOut">
               <a:rPr lang="de-DE" smtClean="0"/>
-              <a:t>24.01.2020</a:t>
+              <a:t>24.01.20</a:t>
             </a:fld>
             <a:endParaRPr lang="de-DE"/>
           </a:p>
@@ -1734,7 +1745,7 @@
               <a:pPr>
                 <a:defRPr/>
               </a:pPr>
-              <a:t>24.01.2020</a:t>
+              <a:t>24.01.20</a:t>
             </a:fld>
             <a:endParaRPr lang="de-DE"/>
           </a:p>
@@ -1955,7 +1966,7 @@
               <a:pPr>
                 <a:defRPr/>
               </a:pPr>
-              <a:t>24.01.2020</a:t>
+              <a:t>24.01.20</a:t>
             </a:fld>
             <a:endParaRPr lang="de-DE"/>
           </a:p>
@@ -2428,7 +2439,7 @@
               <a:pPr>
                 <a:defRPr/>
               </a:pPr>
-              <a:t>24.01.2020</a:t>
+              <a:t>24.01.20</a:t>
             </a:fld>
             <a:endParaRPr lang="de-DE"/>
           </a:p>
@@ -2756,7 +2767,7 @@
               <a:pPr>
                 <a:defRPr/>
               </a:pPr>
-              <a:t>24.01.2020</a:t>
+              <a:t>24.01.20</a:t>
             </a:fld>
             <a:endParaRPr lang="de-DE"/>
           </a:p>
@@ -3223,7 +3234,7 @@
               <a:pPr>
                 <a:defRPr/>
               </a:pPr>
-              <a:t>24.01.2020</a:t>
+              <a:t>24.01.20</a:t>
             </a:fld>
             <a:endParaRPr lang="de-DE"/>
           </a:p>
@@ -3383,7 +3394,7 @@
               <a:pPr>
                 <a:defRPr/>
               </a:pPr>
-              <a:t>24.01.2020</a:t>
+              <a:t>24.01.20</a:t>
             </a:fld>
             <a:endParaRPr lang="de-DE"/>
           </a:p>
@@ -3521,7 +3532,7 @@
               <a:pPr>
                 <a:defRPr/>
               </a:pPr>
-              <a:t>24.01.2020</a:t>
+              <a:t>24.01.20</a:t>
             </a:fld>
             <a:endParaRPr lang="de-DE"/>
           </a:p>
@@ -3839,7 +3850,7 @@
               <a:pPr>
                 <a:defRPr/>
               </a:pPr>
-              <a:t>24.01.2020</a:t>
+              <a:t>24.01.20</a:t>
             </a:fld>
             <a:endParaRPr lang="de-DE"/>
           </a:p>
@@ -4135,7 +4146,7 @@
               <a:pPr>
                 <a:defRPr/>
               </a:pPr>
-              <a:t>24.01.2020</a:t>
+              <a:t>24.01.20</a:t>
             </a:fld>
             <a:endParaRPr lang="de-DE"/>
           </a:p>
@@ -4373,7 +4384,7 @@
               <a:pPr>
                 <a:defRPr/>
               </a:pPr>
-              <a:t>24.01.2020</a:t>
+              <a:t>24.01.20</a:t>
             </a:fld>
             <a:endParaRPr lang="de-DE"/>
           </a:p>
@@ -5245,6 +5256,3708 @@
 </p:sld>
 </file>
 
+<file path=ppt/slides/slide10.xml><?xml version="1.0" encoding="utf-8"?>
+<p:sld xmlns:a="http://schemas.openxmlformats.org/drawingml/2006/main" xmlns:r="http://schemas.openxmlformats.org/officeDocument/2006/relationships" xmlns:p="http://schemas.openxmlformats.org/presentationml/2006/main">
+  <p:cSld>
+    <p:spTree>
+      <p:nvGrpSpPr>
+        <p:cNvPr id="1" name=""/>
+        <p:cNvGrpSpPr/>
+        <p:nvPr/>
+      </p:nvGrpSpPr>
+      <p:grpSpPr>
+        <a:xfrm>
+          <a:off x="0" y="0"/>
+          <a:ext cx="0" cy="0"/>
+          <a:chOff x="0" y="0"/>
+          <a:chExt cx="0" cy="0"/>
+        </a:xfrm>
+      </p:grpSpPr>
+      <p:sp>
+        <p:nvSpPr>
+          <p:cNvPr id="4" name="Foliennummernplatzhalter 3">
+            <a:extLst>
+              <a:ext uri="{FF2B5EF4-FFF2-40B4-BE49-F238E27FC236}">
+                <a16:creationId xmlns:a16="http://schemas.microsoft.com/office/drawing/2014/main" id="{67A2795B-758A-6E48-9F84-286DE6C07FB2}"/>
+              </a:ext>
+            </a:extLst>
+          </p:cNvPr>
+          <p:cNvSpPr>
+            <a:spLocks noGrp="1"/>
+          </p:cNvSpPr>
+          <p:nvPr>
+            <p:ph type="sldNum" sz="quarter" idx="10"/>
+          </p:nvPr>
+        </p:nvSpPr>
+        <p:spPr/>
+        <p:txBody>
+          <a:bodyPr/>
+          <a:lstStyle/>
+          <a:p>
+            <a:pPr>
+              <a:defRPr/>
+            </a:pPr>
+            <a:r>
+              <a:rPr lang="de-DE"/>
+              <a:t># </a:t>
+            </a:r>
+            <a:fld id="{13E65572-ACAF-4AE3-9CF9-738FD15A433F}" type="slidenum">
+              <a:rPr lang="de-DE" smtClean="0"/>
+              <a:pPr>
+                <a:defRPr/>
+              </a:pPr>
+              <a:t>10</a:t>
+            </a:fld>
+            <a:endParaRPr lang="de-DE"/>
+          </a:p>
+        </p:txBody>
+      </p:sp>
+      <p:sp>
+        <p:nvSpPr>
+          <p:cNvPr id="5" name="Datumsplatzhalter 4">
+            <a:extLst>
+              <a:ext uri="{FF2B5EF4-FFF2-40B4-BE49-F238E27FC236}">
+                <a16:creationId xmlns:a16="http://schemas.microsoft.com/office/drawing/2014/main" id="{51344ECB-40B4-994F-9587-C6D4E87497AE}"/>
+              </a:ext>
+            </a:extLst>
+          </p:cNvPr>
+          <p:cNvSpPr>
+            <a:spLocks noGrp="1"/>
+          </p:cNvSpPr>
+          <p:nvPr>
+            <p:ph type="dt" sz="half" idx="11"/>
+          </p:nvPr>
+        </p:nvSpPr>
+        <p:spPr/>
+        <p:txBody>
+          <a:bodyPr/>
+          <a:lstStyle/>
+          <a:p>
+            <a:pPr lvl="0">
+              <a:defRPr/>
+            </a:pPr>
+            <a:r>
+              <a:rPr lang="de-DE" altLang="de-DE" dirty="0"/>
+              <a:t>27.01.2020</a:t>
+            </a:r>
+          </a:p>
+        </p:txBody>
+      </p:sp>
+      <p:sp>
+        <p:nvSpPr>
+          <p:cNvPr id="7" name="Rectangle 2">
+            <a:extLst>
+              <a:ext uri="{FF2B5EF4-FFF2-40B4-BE49-F238E27FC236}">
+                <a16:creationId xmlns:a16="http://schemas.microsoft.com/office/drawing/2014/main" id="{5CA85E95-336B-504C-A3D2-3F9C51AFC2CF}"/>
+              </a:ext>
+            </a:extLst>
+          </p:cNvPr>
+          <p:cNvSpPr>
+            <a:spLocks noGrp="1" noChangeArrowheads="1"/>
+          </p:cNvSpPr>
+          <p:nvPr>
+            <p:ph type="title"/>
+          </p:nvPr>
+        </p:nvSpPr>
+        <p:spPr>
+          <a:xfrm>
+            <a:off x="2078038" y="398446"/>
+            <a:ext cx="3941762" cy="457200"/>
+          </a:xfrm>
+        </p:spPr>
+        <p:txBody>
+          <a:bodyPr/>
+          <a:lstStyle/>
+          <a:p>
+            <a:pPr eaLnBrk="1" hangingPunct="1"/>
+            <a:r>
+              <a:rPr lang="en-US" altLang="de-DE" sz="2400" b="1" dirty="0">
+                <a:solidFill>
+                  <a:srgbClr val="006229"/>
+                </a:solidFill>
+              </a:rPr>
+              <a:t>4. Treatment-</a:t>
+            </a:r>
+            <a:r>
+              <a:rPr lang="en-US" altLang="de-DE" sz="2400" b="1" dirty="0" err="1">
+                <a:solidFill>
+                  <a:srgbClr val="006229"/>
+                </a:solidFill>
+              </a:rPr>
+              <a:t>Analyse</a:t>
+            </a:r>
+            <a:r>
+              <a:rPr lang="en-US" altLang="de-DE" sz="2400" b="1" dirty="0">
+                <a:solidFill>
+                  <a:srgbClr val="006229"/>
+                </a:solidFill>
+              </a:rPr>
+              <a:t>: </a:t>
+            </a:r>
+            <a:r>
+              <a:rPr lang="en-US" altLang="de-DE" sz="2400" b="1" dirty="0" err="1">
+                <a:solidFill>
+                  <a:srgbClr val="006229"/>
+                </a:solidFill>
+              </a:rPr>
+              <a:t>Entdeckerfonds</a:t>
+            </a:r>
+            <a:endParaRPr lang="de-DE" altLang="de-DE" sz="2400" b="1" dirty="0">
+              <a:solidFill>
+                <a:srgbClr val="006229"/>
+              </a:solidFill>
+            </a:endParaRPr>
+          </a:p>
+        </p:txBody>
+      </p:sp>
+      <p:sp>
+        <p:nvSpPr>
+          <p:cNvPr id="11" name="Rectangle 3">
+            <a:extLst>
+              <a:ext uri="{FF2B5EF4-FFF2-40B4-BE49-F238E27FC236}">
+                <a16:creationId xmlns:a16="http://schemas.microsoft.com/office/drawing/2014/main" id="{39E3DFAA-C637-F541-8F52-B49E7D67E82D}"/>
+              </a:ext>
+            </a:extLst>
+          </p:cNvPr>
+          <p:cNvSpPr txBox="1">
+            <a:spLocks noChangeArrowheads="1"/>
+          </p:cNvSpPr>
+          <p:nvPr/>
+        </p:nvSpPr>
+        <p:spPr bwMode="auto">
+          <a:xfrm>
+            <a:off x="791902" y="1535069"/>
+            <a:ext cx="7560195" cy="4574784"/>
+          </a:xfrm>
+          <a:prstGeom prst="rect">
+            <a:avLst/>
+          </a:prstGeom>
+          <a:noFill/>
+          <a:ln>
+            <a:noFill/>
+          </a:ln>
+          <a:extLst>
+            <a:ext uri="{909E8E84-426E-40DD-AFC4-6F175D3DCCD1}">
+              <a14:hiddenFill xmlns:a14="http://schemas.microsoft.com/office/drawing/2010/main">
+                <a:solidFill>
+                  <a:srgbClr val="FFFFFF"/>
+                </a:solidFill>
+              </a14:hiddenFill>
+            </a:ext>
+            <a:ext uri="{91240B29-F687-4F45-9708-019B960494DF}">
+              <a14:hiddenLine xmlns:a14="http://schemas.microsoft.com/office/drawing/2010/main" w="9525">
+                <a:solidFill>
+                  <a:srgbClr val="000000"/>
+                </a:solidFill>
+                <a:miter lim="800000"/>
+                <a:headEnd/>
+                <a:tailEnd/>
+              </a14:hiddenLine>
+            </a:ext>
+          </a:extLst>
+        </p:spPr>
+        <p:txBody>
+          <a:bodyPr vert="horz" wrap="square" lIns="91440" tIns="45720" rIns="91440" bIns="45720" numCol="1" anchor="t" anchorCtr="0" compatLnSpc="1">
+            <a:prstTxWarp prst="textNoShape">
+              <a:avLst/>
+            </a:prstTxWarp>
+          </a:bodyPr>
+          <a:lstStyle>
+            <a:lvl1pPr marL="342900" indent="-342900" algn="l" rtl="0" eaLnBrk="0" fontAlgn="base" hangingPunct="0">
+              <a:spcBef>
+                <a:spcPct val="20000"/>
+              </a:spcBef>
+              <a:spcAft>
+                <a:spcPct val="0"/>
+              </a:spcAft>
+              <a:buClr>
+                <a:srgbClr val="009900"/>
+              </a:buClr>
+              <a:buFont typeface="Wingdings" pitchFamily="2" charset="2"/>
+              <a:defRPr sz="2400">
+                <a:solidFill>
+                  <a:srgbClr val="006C30"/>
+                </a:solidFill>
+                <a:latin typeface="+mn-lt"/>
+                <a:ea typeface="+mn-ea"/>
+                <a:cs typeface="+mn-cs"/>
+              </a:defRPr>
+            </a:lvl1pPr>
+            <a:lvl2pPr marL="742950" indent="-285750" algn="l" rtl="0" eaLnBrk="0" fontAlgn="base" hangingPunct="0">
+              <a:lnSpc>
+                <a:spcPct val="140000"/>
+              </a:lnSpc>
+              <a:spcBef>
+                <a:spcPct val="20000"/>
+              </a:spcBef>
+              <a:spcAft>
+                <a:spcPct val="0"/>
+              </a:spcAft>
+              <a:buClr>
+                <a:srgbClr val="006600"/>
+              </a:buClr>
+              <a:buFont typeface="Times" pitchFamily="-44" charset="0"/>
+              <a:buChar char="•"/>
+              <a:defRPr sz="1600">
+                <a:solidFill>
+                  <a:srgbClr val="006C30"/>
+                </a:solidFill>
+                <a:latin typeface="+mn-lt"/>
+              </a:defRPr>
+            </a:lvl2pPr>
+            <a:lvl3pPr marL="1143000" indent="-228600" algn="l" rtl="0" eaLnBrk="0" fontAlgn="base" hangingPunct="0">
+              <a:spcBef>
+                <a:spcPct val="20000"/>
+              </a:spcBef>
+              <a:spcAft>
+                <a:spcPct val="0"/>
+              </a:spcAft>
+              <a:buClr>
+                <a:srgbClr val="006600"/>
+              </a:buClr>
+              <a:buFont typeface="LMU CompatilFact" pitchFamily="2" charset="0"/>
+              <a:buChar char="–"/>
+              <a:defRPr sz="1600">
+                <a:solidFill>
+                  <a:srgbClr val="006C30"/>
+                </a:solidFill>
+                <a:latin typeface="+mn-lt"/>
+              </a:defRPr>
+            </a:lvl3pPr>
+            <a:lvl4pPr marL="1562100" indent="-228600" algn="l" rtl="0" eaLnBrk="0" fontAlgn="base" hangingPunct="0">
+              <a:spcBef>
+                <a:spcPct val="20000"/>
+              </a:spcBef>
+              <a:spcAft>
+                <a:spcPct val="0"/>
+              </a:spcAft>
+              <a:buClr>
+                <a:srgbClr val="006600"/>
+              </a:buClr>
+              <a:buChar char="-"/>
+              <a:defRPr sz="1600">
+                <a:solidFill>
+                  <a:srgbClr val="006C30"/>
+                </a:solidFill>
+                <a:latin typeface="+mn-lt"/>
+              </a:defRPr>
+            </a:lvl4pPr>
+            <a:lvl5pPr marL="1981200" indent="-228600" algn="l" rtl="0" eaLnBrk="0" fontAlgn="base" hangingPunct="0">
+              <a:spcBef>
+                <a:spcPct val="20000"/>
+              </a:spcBef>
+              <a:spcAft>
+                <a:spcPct val="0"/>
+              </a:spcAft>
+              <a:defRPr sz="1600">
+                <a:solidFill>
+                  <a:srgbClr val="006C30"/>
+                </a:solidFill>
+                <a:latin typeface="+mn-lt"/>
+              </a:defRPr>
+            </a:lvl5pPr>
+            <a:lvl6pPr marL="2438400" indent="-228600" algn="l" rtl="0" fontAlgn="base">
+              <a:spcBef>
+                <a:spcPct val="20000"/>
+              </a:spcBef>
+              <a:spcAft>
+                <a:spcPct val="0"/>
+              </a:spcAft>
+              <a:defRPr sz="1600">
+                <a:solidFill>
+                  <a:srgbClr val="006C30"/>
+                </a:solidFill>
+                <a:latin typeface="+mn-lt"/>
+              </a:defRPr>
+            </a:lvl6pPr>
+            <a:lvl7pPr marL="2895600" indent="-228600" algn="l" rtl="0" fontAlgn="base">
+              <a:spcBef>
+                <a:spcPct val="20000"/>
+              </a:spcBef>
+              <a:spcAft>
+                <a:spcPct val="0"/>
+              </a:spcAft>
+              <a:defRPr sz="1600">
+                <a:solidFill>
+                  <a:srgbClr val="006C30"/>
+                </a:solidFill>
+                <a:latin typeface="+mn-lt"/>
+              </a:defRPr>
+            </a:lvl7pPr>
+            <a:lvl8pPr marL="3352800" indent="-228600" algn="l" rtl="0" fontAlgn="base">
+              <a:spcBef>
+                <a:spcPct val="20000"/>
+              </a:spcBef>
+              <a:spcAft>
+                <a:spcPct val="0"/>
+              </a:spcAft>
+              <a:defRPr sz="1600">
+                <a:solidFill>
+                  <a:srgbClr val="006C30"/>
+                </a:solidFill>
+                <a:latin typeface="+mn-lt"/>
+              </a:defRPr>
+            </a:lvl8pPr>
+            <a:lvl9pPr marL="3810000" indent="-228600" algn="l" rtl="0" fontAlgn="base">
+              <a:spcBef>
+                <a:spcPct val="20000"/>
+              </a:spcBef>
+              <a:spcAft>
+                <a:spcPct val="0"/>
+              </a:spcAft>
+              <a:defRPr sz="1600">
+                <a:solidFill>
+                  <a:srgbClr val="006C30"/>
+                </a:solidFill>
+                <a:latin typeface="+mn-lt"/>
+              </a:defRPr>
+            </a:lvl9pPr>
+          </a:lstStyle>
+          <a:p>
+            <a:pPr marL="0" lvl="0" indent="0"/>
+            <a:endParaRPr lang="de-DE" sz="2200" kern="0" dirty="0"/>
+          </a:p>
+        </p:txBody>
+      </p:sp>
+      <p:pic>
+        <p:nvPicPr>
+          <p:cNvPr id="6" name="Grafik 5" descr="Ein Bild, das Text, Karte enthält.&#10;&#10;Automatisch generierte Beschreibung">
+            <a:extLst>
+              <a:ext uri="{FF2B5EF4-FFF2-40B4-BE49-F238E27FC236}">
+                <a16:creationId xmlns:a16="http://schemas.microsoft.com/office/drawing/2014/main" id="{C28E9EEB-786F-E64B-A83C-D0AAF5687E79}"/>
+              </a:ext>
+            </a:extLst>
+          </p:cNvPr>
+          <p:cNvPicPr>
+            <a:picLocks noChangeAspect="1"/>
+          </p:cNvPicPr>
+          <p:nvPr/>
+        </p:nvPicPr>
+        <p:blipFill>
+          <a:blip r:embed="rId2"/>
+          <a:stretch>
+            <a:fillRect/>
+          </a:stretch>
+        </p:blipFill>
+        <p:spPr>
+          <a:xfrm>
+            <a:off x="1391037" y="1405342"/>
+            <a:ext cx="6361926" cy="4849986"/>
+          </a:xfrm>
+          <a:prstGeom prst="rect">
+            <a:avLst/>
+          </a:prstGeom>
+        </p:spPr>
+      </p:pic>
+    </p:spTree>
+    <p:extLst>
+      <p:ext uri="{BB962C8B-B14F-4D97-AF65-F5344CB8AC3E}">
+        <p14:creationId xmlns:p14="http://schemas.microsoft.com/office/powerpoint/2010/main" val="3919638868"/>
+      </p:ext>
+    </p:extLst>
+  </p:cSld>
+  <p:clrMapOvr>
+    <a:masterClrMapping/>
+  </p:clrMapOvr>
+  <p:transition spd="med">
+    <p:fade/>
+  </p:transition>
+</p:sld>
+</file>
+
+<file path=ppt/slides/slide11.xml><?xml version="1.0" encoding="utf-8"?>
+<p:sld xmlns:a="http://schemas.openxmlformats.org/drawingml/2006/main" xmlns:r="http://schemas.openxmlformats.org/officeDocument/2006/relationships" xmlns:p="http://schemas.openxmlformats.org/presentationml/2006/main">
+  <p:cSld>
+    <p:spTree>
+      <p:nvGrpSpPr>
+        <p:cNvPr id="1" name=""/>
+        <p:cNvGrpSpPr/>
+        <p:nvPr/>
+      </p:nvGrpSpPr>
+      <p:grpSpPr>
+        <a:xfrm>
+          <a:off x="0" y="0"/>
+          <a:ext cx="0" cy="0"/>
+          <a:chOff x="0" y="0"/>
+          <a:chExt cx="0" cy="0"/>
+        </a:xfrm>
+      </p:grpSpPr>
+      <p:sp>
+        <p:nvSpPr>
+          <p:cNvPr id="4" name="Foliennummernplatzhalter 3">
+            <a:extLst>
+              <a:ext uri="{FF2B5EF4-FFF2-40B4-BE49-F238E27FC236}">
+                <a16:creationId xmlns:a16="http://schemas.microsoft.com/office/drawing/2014/main" id="{67A2795B-758A-6E48-9F84-286DE6C07FB2}"/>
+              </a:ext>
+            </a:extLst>
+          </p:cNvPr>
+          <p:cNvSpPr>
+            <a:spLocks noGrp="1"/>
+          </p:cNvSpPr>
+          <p:nvPr>
+            <p:ph type="sldNum" sz="quarter" idx="10"/>
+          </p:nvPr>
+        </p:nvSpPr>
+        <p:spPr/>
+        <p:txBody>
+          <a:bodyPr/>
+          <a:lstStyle/>
+          <a:p>
+            <a:pPr>
+              <a:defRPr/>
+            </a:pPr>
+            <a:r>
+              <a:rPr lang="de-DE"/>
+              <a:t># </a:t>
+            </a:r>
+            <a:fld id="{13E65572-ACAF-4AE3-9CF9-738FD15A433F}" type="slidenum">
+              <a:rPr lang="de-DE" smtClean="0"/>
+              <a:pPr>
+                <a:defRPr/>
+              </a:pPr>
+              <a:t>11</a:t>
+            </a:fld>
+            <a:endParaRPr lang="de-DE"/>
+          </a:p>
+        </p:txBody>
+      </p:sp>
+      <p:sp>
+        <p:nvSpPr>
+          <p:cNvPr id="5" name="Datumsplatzhalter 4">
+            <a:extLst>
+              <a:ext uri="{FF2B5EF4-FFF2-40B4-BE49-F238E27FC236}">
+                <a16:creationId xmlns:a16="http://schemas.microsoft.com/office/drawing/2014/main" id="{51344ECB-40B4-994F-9587-C6D4E87497AE}"/>
+              </a:ext>
+            </a:extLst>
+          </p:cNvPr>
+          <p:cNvSpPr>
+            <a:spLocks noGrp="1"/>
+          </p:cNvSpPr>
+          <p:nvPr>
+            <p:ph type="dt" sz="half" idx="11"/>
+          </p:nvPr>
+        </p:nvSpPr>
+        <p:spPr/>
+        <p:txBody>
+          <a:bodyPr/>
+          <a:lstStyle/>
+          <a:p>
+            <a:pPr lvl="0">
+              <a:defRPr/>
+            </a:pPr>
+            <a:r>
+              <a:rPr lang="de-DE" altLang="de-DE" dirty="0"/>
+              <a:t>27.01.2020</a:t>
+            </a:r>
+          </a:p>
+        </p:txBody>
+      </p:sp>
+      <p:sp>
+        <p:nvSpPr>
+          <p:cNvPr id="7" name="Rectangle 2">
+            <a:extLst>
+              <a:ext uri="{FF2B5EF4-FFF2-40B4-BE49-F238E27FC236}">
+                <a16:creationId xmlns:a16="http://schemas.microsoft.com/office/drawing/2014/main" id="{5CA85E95-336B-504C-A3D2-3F9C51AFC2CF}"/>
+              </a:ext>
+            </a:extLst>
+          </p:cNvPr>
+          <p:cNvSpPr>
+            <a:spLocks noGrp="1" noChangeArrowheads="1"/>
+          </p:cNvSpPr>
+          <p:nvPr>
+            <p:ph type="title"/>
+          </p:nvPr>
+        </p:nvSpPr>
+        <p:spPr>
+          <a:xfrm>
+            <a:off x="2078038" y="398446"/>
+            <a:ext cx="3941762" cy="457200"/>
+          </a:xfrm>
+        </p:spPr>
+        <p:txBody>
+          <a:bodyPr/>
+          <a:lstStyle/>
+          <a:p>
+            <a:pPr eaLnBrk="1" hangingPunct="1"/>
+            <a:r>
+              <a:rPr lang="en-US" altLang="de-DE" sz="2400" b="1" dirty="0">
+                <a:solidFill>
+                  <a:srgbClr val="006229"/>
+                </a:solidFill>
+              </a:rPr>
+              <a:t>4. Treatment-</a:t>
+            </a:r>
+            <a:r>
+              <a:rPr lang="en-US" altLang="de-DE" sz="2400" b="1" dirty="0" err="1">
+                <a:solidFill>
+                  <a:srgbClr val="006229"/>
+                </a:solidFill>
+              </a:rPr>
+              <a:t>Analyse</a:t>
+            </a:r>
+            <a:r>
+              <a:rPr lang="en-US" altLang="de-DE" sz="2400" b="1" dirty="0">
+                <a:solidFill>
+                  <a:srgbClr val="006229"/>
+                </a:solidFill>
+              </a:rPr>
+              <a:t>: </a:t>
+            </a:r>
+            <a:r>
+              <a:rPr lang="en-US" altLang="de-DE" sz="2400" b="1" dirty="0" err="1">
+                <a:solidFill>
+                  <a:srgbClr val="006229"/>
+                </a:solidFill>
+              </a:rPr>
+              <a:t>Entdeckerfonds</a:t>
+            </a:r>
+            <a:endParaRPr lang="de-DE" altLang="de-DE" sz="2400" b="1" dirty="0">
+              <a:solidFill>
+                <a:srgbClr val="006229"/>
+              </a:solidFill>
+            </a:endParaRPr>
+          </a:p>
+        </p:txBody>
+      </p:sp>
+      <p:sp>
+        <p:nvSpPr>
+          <p:cNvPr id="11" name="Rectangle 3">
+            <a:extLst>
+              <a:ext uri="{FF2B5EF4-FFF2-40B4-BE49-F238E27FC236}">
+                <a16:creationId xmlns:a16="http://schemas.microsoft.com/office/drawing/2014/main" id="{39E3DFAA-C637-F541-8F52-B49E7D67E82D}"/>
+              </a:ext>
+            </a:extLst>
+          </p:cNvPr>
+          <p:cNvSpPr txBox="1">
+            <a:spLocks noChangeArrowheads="1"/>
+          </p:cNvSpPr>
+          <p:nvPr/>
+        </p:nvSpPr>
+        <p:spPr bwMode="auto">
+          <a:xfrm>
+            <a:off x="791902" y="1535069"/>
+            <a:ext cx="7560195" cy="4574784"/>
+          </a:xfrm>
+          <a:prstGeom prst="rect">
+            <a:avLst/>
+          </a:prstGeom>
+          <a:noFill/>
+          <a:ln>
+            <a:noFill/>
+          </a:ln>
+          <a:extLst>
+            <a:ext uri="{909E8E84-426E-40DD-AFC4-6F175D3DCCD1}">
+              <a14:hiddenFill xmlns:a14="http://schemas.microsoft.com/office/drawing/2010/main">
+                <a:solidFill>
+                  <a:srgbClr val="FFFFFF"/>
+                </a:solidFill>
+              </a14:hiddenFill>
+            </a:ext>
+            <a:ext uri="{91240B29-F687-4F45-9708-019B960494DF}">
+              <a14:hiddenLine xmlns:a14="http://schemas.microsoft.com/office/drawing/2010/main" w="9525">
+                <a:solidFill>
+                  <a:srgbClr val="000000"/>
+                </a:solidFill>
+                <a:miter lim="800000"/>
+                <a:headEnd/>
+                <a:tailEnd/>
+              </a14:hiddenLine>
+            </a:ext>
+          </a:extLst>
+        </p:spPr>
+        <p:txBody>
+          <a:bodyPr vert="horz" wrap="square" lIns="91440" tIns="45720" rIns="91440" bIns="45720" numCol="1" anchor="t" anchorCtr="0" compatLnSpc="1">
+            <a:prstTxWarp prst="textNoShape">
+              <a:avLst/>
+            </a:prstTxWarp>
+          </a:bodyPr>
+          <a:lstStyle>
+            <a:lvl1pPr marL="342900" indent="-342900" algn="l" rtl="0" eaLnBrk="0" fontAlgn="base" hangingPunct="0">
+              <a:spcBef>
+                <a:spcPct val="20000"/>
+              </a:spcBef>
+              <a:spcAft>
+                <a:spcPct val="0"/>
+              </a:spcAft>
+              <a:buClr>
+                <a:srgbClr val="009900"/>
+              </a:buClr>
+              <a:buFont typeface="Wingdings" pitchFamily="2" charset="2"/>
+              <a:defRPr sz="2400">
+                <a:solidFill>
+                  <a:srgbClr val="006C30"/>
+                </a:solidFill>
+                <a:latin typeface="+mn-lt"/>
+                <a:ea typeface="+mn-ea"/>
+                <a:cs typeface="+mn-cs"/>
+              </a:defRPr>
+            </a:lvl1pPr>
+            <a:lvl2pPr marL="742950" indent="-285750" algn="l" rtl="0" eaLnBrk="0" fontAlgn="base" hangingPunct="0">
+              <a:lnSpc>
+                <a:spcPct val="140000"/>
+              </a:lnSpc>
+              <a:spcBef>
+                <a:spcPct val="20000"/>
+              </a:spcBef>
+              <a:spcAft>
+                <a:spcPct val="0"/>
+              </a:spcAft>
+              <a:buClr>
+                <a:srgbClr val="006600"/>
+              </a:buClr>
+              <a:buFont typeface="Times" pitchFamily="-44" charset="0"/>
+              <a:buChar char="•"/>
+              <a:defRPr sz="1600">
+                <a:solidFill>
+                  <a:srgbClr val="006C30"/>
+                </a:solidFill>
+                <a:latin typeface="+mn-lt"/>
+              </a:defRPr>
+            </a:lvl2pPr>
+            <a:lvl3pPr marL="1143000" indent="-228600" algn="l" rtl="0" eaLnBrk="0" fontAlgn="base" hangingPunct="0">
+              <a:spcBef>
+                <a:spcPct val="20000"/>
+              </a:spcBef>
+              <a:spcAft>
+                <a:spcPct val="0"/>
+              </a:spcAft>
+              <a:buClr>
+                <a:srgbClr val="006600"/>
+              </a:buClr>
+              <a:buFont typeface="LMU CompatilFact" pitchFamily="2" charset="0"/>
+              <a:buChar char="–"/>
+              <a:defRPr sz="1600">
+                <a:solidFill>
+                  <a:srgbClr val="006C30"/>
+                </a:solidFill>
+                <a:latin typeface="+mn-lt"/>
+              </a:defRPr>
+            </a:lvl3pPr>
+            <a:lvl4pPr marL="1562100" indent="-228600" algn="l" rtl="0" eaLnBrk="0" fontAlgn="base" hangingPunct="0">
+              <a:spcBef>
+                <a:spcPct val="20000"/>
+              </a:spcBef>
+              <a:spcAft>
+                <a:spcPct val="0"/>
+              </a:spcAft>
+              <a:buClr>
+                <a:srgbClr val="006600"/>
+              </a:buClr>
+              <a:buChar char="-"/>
+              <a:defRPr sz="1600">
+                <a:solidFill>
+                  <a:srgbClr val="006C30"/>
+                </a:solidFill>
+                <a:latin typeface="+mn-lt"/>
+              </a:defRPr>
+            </a:lvl4pPr>
+            <a:lvl5pPr marL="1981200" indent="-228600" algn="l" rtl="0" eaLnBrk="0" fontAlgn="base" hangingPunct="0">
+              <a:spcBef>
+                <a:spcPct val="20000"/>
+              </a:spcBef>
+              <a:spcAft>
+                <a:spcPct val="0"/>
+              </a:spcAft>
+              <a:defRPr sz="1600">
+                <a:solidFill>
+                  <a:srgbClr val="006C30"/>
+                </a:solidFill>
+                <a:latin typeface="+mn-lt"/>
+              </a:defRPr>
+            </a:lvl5pPr>
+            <a:lvl6pPr marL="2438400" indent="-228600" algn="l" rtl="0" fontAlgn="base">
+              <a:spcBef>
+                <a:spcPct val="20000"/>
+              </a:spcBef>
+              <a:spcAft>
+                <a:spcPct val="0"/>
+              </a:spcAft>
+              <a:defRPr sz="1600">
+                <a:solidFill>
+                  <a:srgbClr val="006C30"/>
+                </a:solidFill>
+                <a:latin typeface="+mn-lt"/>
+              </a:defRPr>
+            </a:lvl6pPr>
+            <a:lvl7pPr marL="2895600" indent="-228600" algn="l" rtl="0" fontAlgn="base">
+              <a:spcBef>
+                <a:spcPct val="20000"/>
+              </a:spcBef>
+              <a:spcAft>
+                <a:spcPct val="0"/>
+              </a:spcAft>
+              <a:defRPr sz="1600">
+                <a:solidFill>
+                  <a:srgbClr val="006C30"/>
+                </a:solidFill>
+                <a:latin typeface="+mn-lt"/>
+              </a:defRPr>
+            </a:lvl7pPr>
+            <a:lvl8pPr marL="3352800" indent="-228600" algn="l" rtl="0" fontAlgn="base">
+              <a:spcBef>
+                <a:spcPct val="20000"/>
+              </a:spcBef>
+              <a:spcAft>
+                <a:spcPct val="0"/>
+              </a:spcAft>
+              <a:defRPr sz="1600">
+                <a:solidFill>
+                  <a:srgbClr val="006C30"/>
+                </a:solidFill>
+                <a:latin typeface="+mn-lt"/>
+              </a:defRPr>
+            </a:lvl8pPr>
+            <a:lvl9pPr marL="3810000" indent="-228600" algn="l" rtl="0" fontAlgn="base">
+              <a:spcBef>
+                <a:spcPct val="20000"/>
+              </a:spcBef>
+              <a:spcAft>
+                <a:spcPct val="0"/>
+              </a:spcAft>
+              <a:defRPr sz="1600">
+                <a:solidFill>
+                  <a:srgbClr val="006C30"/>
+                </a:solidFill>
+                <a:latin typeface="+mn-lt"/>
+              </a:defRPr>
+            </a:lvl9pPr>
+          </a:lstStyle>
+          <a:p>
+            <a:pPr marL="0" lvl="0" indent="0"/>
+            <a:endParaRPr lang="de-DE" sz="2200" kern="0" dirty="0"/>
+          </a:p>
+        </p:txBody>
+      </p:sp>
+      <p:pic>
+        <p:nvPicPr>
+          <p:cNvPr id="3" name="Grafik 2" descr="Ein Bild, das Text enthält.&#10;&#10;Automatisch generierte Beschreibung">
+            <a:extLst>
+              <a:ext uri="{FF2B5EF4-FFF2-40B4-BE49-F238E27FC236}">
+                <a16:creationId xmlns:a16="http://schemas.microsoft.com/office/drawing/2014/main" id="{0EE589CC-33E0-CF45-B6B4-A680CBF42C12}"/>
+              </a:ext>
+            </a:extLst>
+          </p:cNvPr>
+          <p:cNvPicPr>
+            <a:picLocks noChangeAspect="1"/>
+          </p:cNvPicPr>
+          <p:nvPr/>
+        </p:nvPicPr>
+        <p:blipFill>
+          <a:blip r:embed="rId2"/>
+          <a:stretch>
+            <a:fillRect/>
+          </a:stretch>
+        </p:blipFill>
+        <p:spPr>
+          <a:xfrm>
+            <a:off x="1476122" y="1454726"/>
+            <a:ext cx="6191756" cy="4720258"/>
+          </a:xfrm>
+          <a:prstGeom prst="rect">
+            <a:avLst/>
+          </a:prstGeom>
+        </p:spPr>
+      </p:pic>
+    </p:spTree>
+    <p:extLst>
+      <p:ext uri="{BB962C8B-B14F-4D97-AF65-F5344CB8AC3E}">
+        <p14:creationId xmlns:p14="http://schemas.microsoft.com/office/powerpoint/2010/main" val="50961484"/>
+      </p:ext>
+    </p:extLst>
+  </p:cSld>
+  <p:clrMapOvr>
+    <a:masterClrMapping/>
+  </p:clrMapOvr>
+  <p:transition spd="med">
+    <p:fade/>
+  </p:transition>
+</p:sld>
+</file>
+
+<file path=ppt/slides/slide12.xml><?xml version="1.0" encoding="utf-8"?>
+<p:sld xmlns:a="http://schemas.openxmlformats.org/drawingml/2006/main" xmlns:r="http://schemas.openxmlformats.org/officeDocument/2006/relationships" xmlns:p="http://schemas.openxmlformats.org/presentationml/2006/main">
+  <p:cSld>
+    <p:spTree>
+      <p:nvGrpSpPr>
+        <p:cNvPr id="1" name=""/>
+        <p:cNvGrpSpPr/>
+        <p:nvPr/>
+      </p:nvGrpSpPr>
+      <p:grpSpPr>
+        <a:xfrm>
+          <a:off x="0" y="0"/>
+          <a:ext cx="0" cy="0"/>
+          <a:chOff x="0" y="0"/>
+          <a:chExt cx="0" cy="0"/>
+        </a:xfrm>
+      </p:grpSpPr>
+      <p:sp>
+        <p:nvSpPr>
+          <p:cNvPr id="4" name="Foliennummernplatzhalter 3">
+            <a:extLst>
+              <a:ext uri="{FF2B5EF4-FFF2-40B4-BE49-F238E27FC236}">
+                <a16:creationId xmlns:a16="http://schemas.microsoft.com/office/drawing/2014/main" id="{67A2795B-758A-6E48-9F84-286DE6C07FB2}"/>
+              </a:ext>
+            </a:extLst>
+          </p:cNvPr>
+          <p:cNvSpPr>
+            <a:spLocks noGrp="1"/>
+          </p:cNvSpPr>
+          <p:nvPr>
+            <p:ph type="sldNum" sz="quarter" idx="10"/>
+          </p:nvPr>
+        </p:nvSpPr>
+        <p:spPr/>
+        <p:txBody>
+          <a:bodyPr/>
+          <a:lstStyle/>
+          <a:p>
+            <a:pPr>
+              <a:defRPr/>
+            </a:pPr>
+            <a:r>
+              <a:rPr lang="de-DE"/>
+              <a:t># </a:t>
+            </a:r>
+            <a:fld id="{13E65572-ACAF-4AE3-9CF9-738FD15A433F}" type="slidenum">
+              <a:rPr lang="de-DE" smtClean="0"/>
+              <a:pPr>
+                <a:defRPr/>
+              </a:pPr>
+              <a:t>12</a:t>
+            </a:fld>
+            <a:endParaRPr lang="de-DE"/>
+          </a:p>
+        </p:txBody>
+      </p:sp>
+      <p:sp>
+        <p:nvSpPr>
+          <p:cNvPr id="5" name="Datumsplatzhalter 4">
+            <a:extLst>
+              <a:ext uri="{FF2B5EF4-FFF2-40B4-BE49-F238E27FC236}">
+                <a16:creationId xmlns:a16="http://schemas.microsoft.com/office/drawing/2014/main" id="{51344ECB-40B4-994F-9587-C6D4E87497AE}"/>
+              </a:ext>
+            </a:extLst>
+          </p:cNvPr>
+          <p:cNvSpPr>
+            <a:spLocks noGrp="1"/>
+          </p:cNvSpPr>
+          <p:nvPr>
+            <p:ph type="dt" sz="half" idx="11"/>
+          </p:nvPr>
+        </p:nvSpPr>
+        <p:spPr/>
+        <p:txBody>
+          <a:bodyPr/>
+          <a:lstStyle/>
+          <a:p>
+            <a:pPr lvl="0">
+              <a:defRPr/>
+            </a:pPr>
+            <a:r>
+              <a:rPr lang="de-DE" altLang="de-DE" dirty="0"/>
+              <a:t>27.01.2020</a:t>
+            </a:r>
+          </a:p>
+        </p:txBody>
+      </p:sp>
+      <p:sp>
+        <p:nvSpPr>
+          <p:cNvPr id="7" name="Rectangle 2">
+            <a:extLst>
+              <a:ext uri="{FF2B5EF4-FFF2-40B4-BE49-F238E27FC236}">
+                <a16:creationId xmlns:a16="http://schemas.microsoft.com/office/drawing/2014/main" id="{5CA85E95-336B-504C-A3D2-3F9C51AFC2CF}"/>
+              </a:ext>
+            </a:extLst>
+          </p:cNvPr>
+          <p:cNvSpPr>
+            <a:spLocks noGrp="1" noChangeArrowheads="1"/>
+          </p:cNvSpPr>
+          <p:nvPr>
+            <p:ph type="title"/>
+          </p:nvPr>
+        </p:nvSpPr>
+        <p:spPr>
+          <a:xfrm>
+            <a:off x="2078038" y="398446"/>
+            <a:ext cx="3941762" cy="457200"/>
+          </a:xfrm>
+        </p:spPr>
+        <p:txBody>
+          <a:bodyPr/>
+          <a:lstStyle/>
+          <a:p>
+            <a:pPr eaLnBrk="1" hangingPunct="1"/>
+            <a:r>
+              <a:rPr lang="en-US" altLang="de-DE" sz="2400" b="1" dirty="0">
+                <a:solidFill>
+                  <a:srgbClr val="006229"/>
+                </a:solidFill>
+              </a:rPr>
+              <a:t>4. Treatment-</a:t>
+            </a:r>
+            <a:r>
+              <a:rPr lang="en-US" altLang="de-DE" sz="2400" b="1" dirty="0" err="1">
+                <a:solidFill>
+                  <a:srgbClr val="006229"/>
+                </a:solidFill>
+              </a:rPr>
+              <a:t>Analyse</a:t>
+            </a:r>
+            <a:r>
+              <a:rPr lang="en-US" altLang="de-DE" sz="2400" b="1" dirty="0">
+                <a:solidFill>
+                  <a:srgbClr val="006229"/>
+                </a:solidFill>
+              </a:rPr>
+              <a:t>: </a:t>
+            </a:r>
+            <a:r>
+              <a:rPr lang="en-US" altLang="de-DE" sz="2400" b="1" dirty="0" err="1">
+                <a:solidFill>
+                  <a:srgbClr val="006229"/>
+                </a:solidFill>
+              </a:rPr>
+              <a:t>Entdeckerfonds</a:t>
+            </a:r>
+            <a:endParaRPr lang="de-DE" altLang="de-DE" sz="2400" b="1" dirty="0">
+              <a:solidFill>
+                <a:srgbClr val="006229"/>
+              </a:solidFill>
+            </a:endParaRPr>
+          </a:p>
+        </p:txBody>
+      </p:sp>
+      <p:sp>
+        <p:nvSpPr>
+          <p:cNvPr id="11" name="Rectangle 3">
+            <a:extLst>
+              <a:ext uri="{FF2B5EF4-FFF2-40B4-BE49-F238E27FC236}">
+                <a16:creationId xmlns:a16="http://schemas.microsoft.com/office/drawing/2014/main" id="{39E3DFAA-C637-F541-8F52-B49E7D67E82D}"/>
+              </a:ext>
+            </a:extLst>
+          </p:cNvPr>
+          <p:cNvSpPr txBox="1">
+            <a:spLocks noChangeArrowheads="1"/>
+          </p:cNvSpPr>
+          <p:nvPr/>
+        </p:nvSpPr>
+        <p:spPr bwMode="auto">
+          <a:xfrm>
+            <a:off x="791902" y="1535069"/>
+            <a:ext cx="7560195" cy="4574784"/>
+          </a:xfrm>
+          <a:prstGeom prst="rect">
+            <a:avLst/>
+          </a:prstGeom>
+          <a:noFill/>
+          <a:ln>
+            <a:noFill/>
+          </a:ln>
+          <a:extLst>
+            <a:ext uri="{909E8E84-426E-40DD-AFC4-6F175D3DCCD1}">
+              <a14:hiddenFill xmlns:a14="http://schemas.microsoft.com/office/drawing/2010/main">
+                <a:solidFill>
+                  <a:srgbClr val="FFFFFF"/>
+                </a:solidFill>
+              </a14:hiddenFill>
+            </a:ext>
+            <a:ext uri="{91240B29-F687-4F45-9708-019B960494DF}">
+              <a14:hiddenLine xmlns:a14="http://schemas.microsoft.com/office/drawing/2010/main" w="9525">
+                <a:solidFill>
+                  <a:srgbClr val="000000"/>
+                </a:solidFill>
+                <a:miter lim="800000"/>
+                <a:headEnd/>
+                <a:tailEnd/>
+              </a14:hiddenLine>
+            </a:ext>
+          </a:extLst>
+        </p:spPr>
+        <p:txBody>
+          <a:bodyPr vert="horz" wrap="square" lIns="91440" tIns="45720" rIns="91440" bIns="45720" numCol="1" anchor="t" anchorCtr="0" compatLnSpc="1">
+            <a:prstTxWarp prst="textNoShape">
+              <a:avLst/>
+            </a:prstTxWarp>
+          </a:bodyPr>
+          <a:lstStyle>
+            <a:lvl1pPr marL="342900" indent="-342900" algn="l" rtl="0" eaLnBrk="0" fontAlgn="base" hangingPunct="0">
+              <a:spcBef>
+                <a:spcPct val="20000"/>
+              </a:spcBef>
+              <a:spcAft>
+                <a:spcPct val="0"/>
+              </a:spcAft>
+              <a:buClr>
+                <a:srgbClr val="009900"/>
+              </a:buClr>
+              <a:buFont typeface="Wingdings" pitchFamily="2" charset="2"/>
+              <a:defRPr sz="2400">
+                <a:solidFill>
+                  <a:srgbClr val="006C30"/>
+                </a:solidFill>
+                <a:latin typeface="+mn-lt"/>
+                <a:ea typeface="+mn-ea"/>
+                <a:cs typeface="+mn-cs"/>
+              </a:defRPr>
+            </a:lvl1pPr>
+            <a:lvl2pPr marL="742950" indent="-285750" algn="l" rtl="0" eaLnBrk="0" fontAlgn="base" hangingPunct="0">
+              <a:lnSpc>
+                <a:spcPct val="140000"/>
+              </a:lnSpc>
+              <a:spcBef>
+                <a:spcPct val="20000"/>
+              </a:spcBef>
+              <a:spcAft>
+                <a:spcPct val="0"/>
+              </a:spcAft>
+              <a:buClr>
+                <a:srgbClr val="006600"/>
+              </a:buClr>
+              <a:buFont typeface="Times" pitchFamily="-44" charset="0"/>
+              <a:buChar char="•"/>
+              <a:defRPr sz="1600">
+                <a:solidFill>
+                  <a:srgbClr val="006C30"/>
+                </a:solidFill>
+                <a:latin typeface="+mn-lt"/>
+              </a:defRPr>
+            </a:lvl2pPr>
+            <a:lvl3pPr marL="1143000" indent="-228600" algn="l" rtl="0" eaLnBrk="0" fontAlgn="base" hangingPunct="0">
+              <a:spcBef>
+                <a:spcPct val="20000"/>
+              </a:spcBef>
+              <a:spcAft>
+                <a:spcPct val="0"/>
+              </a:spcAft>
+              <a:buClr>
+                <a:srgbClr val="006600"/>
+              </a:buClr>
+              <a:buFont typeface="LMU CompatilFact" pitchFamily="2" charset="0"/>
+              <a:buChar char="–"/>
+              <a:defRPr sz="1600">
+                <a:solidFill>
+                  <a:srgbClr val="006C30"/>
+                </a:solidFill>
+                <a:latin typeface="+mn-lt"/>
+              </a:defRPr>
+            </a:lvl3pPr>
+            <a:lvl4pPr marL="1562100" indent="-228600" algn="l" rtl="0" eaLnBrk="0" fontAlgn="base" hangingPunct="0">
+              <a:spcBef>
+                <a:spcPct val="20000"/>
+              </a:spcBef>
+              <a:spcAft>
+                <a:spcPct val="0"/>
+              </a:spcAft>
+              <a:buClr>
+                <a:srgbClr val="006600"/>
+              </a:buClr>
+              <a:buChar char="-"/>
+              <a:defRPr sz="1600">
+                <a:solidFill>
+                  <a:srgbClr val="006C30"/>
+                </a:solidFill>
+                <a:latin typeface="+mn-lt"/>
+              </a:defRPr>
+            </a:lvl4pPr>
+            <a:lvl5pPr marL="1981200" indent="-228600" algn="l" rtl="0" eaLnBrk="0" fontAlgn="base" hangingPunct="0">
+              <a:spcBef>
+                <a:spcPct val="20000"/>
+              </a:spcBef>
+              <a:spcAft>
+                <a:spcPct val="0"/>
+              </a:spcAft>
+              <a:defRPr sz="1600">
+                <a:solidFill>
+                  <a:srgbClr val="006C30"/>
+                </a:solidFill>
+                <a:latin typeface="+mn-lt"/>
+              </a:defRPr>
+            </a:lvl5pPr>
+            <a:lvl6pPr marL="2438400" indent="-228600" algn="l" rtl="0" fontAlgn="base">
+              <a:spcBef>
+                <a:spcPct val="20000"/>
+              </a:spcBef>
+              <a:spcAft>
+                <a:spcPct val="0"/>
+              </a:spcAft>
+              <a:defRPr sz="1600">
+                <a:solidFill>
+                  <a:srgbClr val="006C30"/>
+                </a:solidFill>
+                <a:latin typeface="+mn-lt"/>
+              </a:defRPr>
+            </a:lvl6pPr>
+            <a:lvl7pPr marL="2895600" indent="-228600" algn="l" rtl="0" fontAlgn="base">
+              <a:spcBef>
+                <a:spcPct val="20000"/>
+              </a:spcBef>
+              <a:spcAft>
+                <a:spcPct val="0"/>
+              </a:spcAft>
+              <a:defRPr sz="1600">
+                <a:solidFill>
+                  <a:srgbClr val="006C30"/>
+                </a:solidFill>
+                <a:latin typeface="+mn-lt"/>
+              </a:defRPr>
+            </a:lvl7pPr>
+            <a:lvl8pPr marL="3352800" indent="-228600" algn="l" rtl="0" fontAlgn="base">
+              <a:spcBef>
+                <a:spcPct val="20000"/>
+              </a:spcBef>
+              <a:spcAft>
+                <a:spcPct val="0"/>
+              </a:spcAft>
+              <a:defRPr sz="1600">
+                <a:solidFill>
+                  <a:srgbClr val="006C30"/>
+                </a:solidFill>
+                <a:latin typeface="+mn-lt"/>
+              </a:defRPr>
+            </a:lvl8pPr>
+            <a:lvl9pPr marL="3810000" indent="-228600" algn="l" rtl="0" fontAlgn="base">
+              <a:spcBef>
+                <a:spcPct val="20000"/>
+              </a:spcBef>
+              <a:spcAft>
+                <a:spcPct val="0"/>
+              </a:spcAft>
+              <a:defRPr sz="1600">
+                <a:solidFill>
+                  <a:srgbClr val="006C30"/>
+                </a:solidFill>
+                <a:latin typeface="+mn-lt"/>
+              </a:defRPr>
+            </a:lvl9pPr>
+          </a:lstStyle>
+          <a:p>
+            <a:pPr marL="0" lvl="0" indent="0"/>
+            <a:r>
+              <a:rPr lang="de-DE" sz="2200" kern="0" dirty="0"/>
+              <a:t>Anpassung der Treatment- und Kontrollgruppe:</a:t>
+            </a:r>
+          </a:p>
+          <a:p>
+            <a:pPr lvl="0">
+              <a:buFontTx/>
+              <a:buChar char="-"/>
+            </a:pPr>
+            <a:r>
+              <a:rPr lang="de-DE" sz="2200" kern="0" dirty="0"/>
+              <a:t>Problem: Die Zusammensetzung der Treatment- und Kontrollgruppe verändert sich über die Zeit</a:t>
+            </a:r>
+          </a:p>
+          <a:p>
+            <a:pPr lvl="0">
+              <a:buFont typeface="Wingdings" pitchFamily="2" charset="2"/>
+              <a:buChar char="à"/>
+            </a:pPr>
+            <a:r>
+              <a:rPr lang="de-DE" sz="2200" kern="0" dirty="0"/>
+              <a:t>Alle Einrichtungen, die im Beobachtungszeitraum von der Kontroll- in die Treatment gewechselt sind, wurden entfernt</a:t>
+            </a:r>
+          </a:p>
+          <a:p>
+            <a:pPr lvl="0">
+              <a:buFont typeface="Wingdings" pitchFamily="2" charset="2"/>
+              <a:buChar char="à"/>
+            </a:pPr>
+            <a:r>
+              <a:rPr lang="de-DE" sz="2200" kern="0" dirty="0"/>
+              <a:t>Modifizierte Kontrollgruppe: Einrichtungen, die nie am Entdeckerfonds teilgenommen haben</a:t>
+            </a:r>
+          </a:p>
+          <a:p>
+            <a:pPr lvl="0">
+              <a:buFontTx/>
+              <a:buChar char="-"/>
+            </a:pPr>
+            <a:r>
+              <a:rPr lang="de-DE" sz="2200" kern="0" dirty="0"/>
+              <a:t>Empirische Methode: Difference-in-Differences Estimator</a:t>
+            </a:r>
+          </a:p>
+          <a:p>
+            <a:pPr lvl="0">
+              <a:buFontTx/>
+              <a:buChar char="-"/>
+            </a:pPr>
+            <a:endParaRPr lang="de-DE" sz="2200" kern="0" dirty="0"/>
+          </a:p>
+          <a:p>
+            <a:pPr marL="0" lvl="0" indent="0"/>
+            <a:endParaRPr lang="de-DE" sz="2200" kern="0" dirty="0"/>
+          </a:p>
+        </p:txBody>
+      </p:sp>
+    </p:spTree>
+    <p:extLst>
+      <p:ext uri="{BB962C8B-B14F-4D97-AF65-F5344CB8AC3E}">
+        <p14:creationId xmlns:p14="http://schemas.microsoft.com/office/powerpoint/2010/main" val="2457234382"/>
+      </p:ext>
+    </p:extLst>
+  </p:cSld>
+  <p:clrMapOvr>
+    <a:masterClrMapping/>
+  </p:clrMapOvr>
+  <p:transition spd="med">
+    <p:fade/>
+  </p:transition>
+</p:sld>
+</file>
+
+<file path=ppt/slides/slide13.xml><?xml version="1.0" encoding="utf-8"?>
+<p:sld xmlns:a="http://schemas.openxmlformats.org/drawingml/2006/main" xmlns:r="http://schemas.openxmlformats.org/officeDocument/2006/relationships" xmlns:p="http://schemas.openxmlformats.org/presentationml/2006/main">
+  <p:cSld>
+    <p:spTree>
+      <p:nvGrpSpPr>
+        <p:cNvPr id="1" name=""/>
+        <p:cNvGrpSpPr/>
+        <p:nvPr/>
+      </p:nvGrpSpPr>
+      <p:grpSpPr>
+        <a:xfrm>
+          <a:off x="0" y="0"/>
+          <a:ext cx="0" cy="0"/>
+          <a:chOff x="0" y="0"/>
+          <a:chExt cx="0" cy="0"/>
+        </a:xfrm>
+      </p:grpSpPr>
+      <p:sp>
+        <p:nvSpPr>
+          <p:cNvPr id="4" name="Foliennummernplatzhalter 3">
+            <a:extLst>
+              <a:ext uri="{FF2B5EF4-FFF2-40B4-BE49-F238E27FC236}">
+                <a16:creationId xmlns:a16="http://schemas.microsoft.com/office/drawing/2014/main" id="{67A2795B-758A-6E48-9F84-286DE6C07FB2}"/>
+              </a:ext>
+            </a:extLst>
+          </p:cNvPr>
+          <p:cNvSpPr>
+            <a:spLocks noGrp="1"/>
+          </p:cNvSpPr>
+          <p:nvPr>
+            <p:ph type="sldNum" sz="quarter" idx="10"/>
+          </p:nvPr>
+        </p:nvSpPr>
+        <p:spPr/>
+        <p:txBody>
+          <a:bodyPr/>
+          <a:lstStyle/>
+          <a:p>
+            <a:pPr>
+              <a:defRPr/>
+            </a:pPr>
+            <a:r>
+              <a:rPr lang="de-DE"/>
+              <a:t># </a:t>
+            </a:r>
+            <a:fld id="{13E65572-ACAF-4AE3-9CF9-738FD15A433F}" type="slidenum">
+              <a:rPr lang="de-DE" smtClean="0"/>
+              <a:pPr>
+                <a:defRPr/>
+              </a:pPr>
+              <a:t>13</a:t>
+            </a:fld>
+            <a:endParaRPr lang="de-DE"/>
+          </a:p>
+        </p:txBody>
+      </p:sp>
+      <p:sp>
+        <p:nvSpPr>
+          <p:cNvPr id="5" name="Datumsplatzhalter 4">
+            <a:extLst>
+              <a:ext uri="{FF2B5EF4-FFF2-40B4-BE49-F238E27FC236}">
+                <a16:creationId xmlns:a16="http://schemas.microsoft.com/office/drawing/2014/main" id="{51344ECB-40B4-994F-9587-C6D4E87497AE}"/>
+              </a:ext>
+            </a:extLst>
+          </p:cNvPr>
+          <p:cNvSpPr>
+            <a:spLocks noGrp="1"/>
+          </p:cNvSpPr>
+          <p:nvPr>
+            <p:ph type="dt" sz="half" idx="11"/>
+          </p:nvPr>
+        </p:nvSpPr>
+        <p:spPr/>
+        <p:txBody>
+          <a:bodyPr/>
+          <a:lstStyle/>
+          <a:p>
+            <a:pPr lvl="0">
+              <a:defRPr/>
+            </a:pPr>
+            <a:r>
+              <a:rPr lang="de-DE" altLang="de-DE" dirty="0"/>
+              <a:t>27.01.2020</a:t>
+            </a:r>
+          </a:p>
+        </p:txBody>
+      </p:sp>
+      <p:sp>
+        <p:nvSpPr>
+          <p:cNvPr id="7" name="Rectangle 2">
+            <a:extLst>
+              <a:ext uri="{FF2B5EF4-FFF2-40B4-BE49-F238E27FC236}">
+                <a16:creationId xmlns:a16="http://schemas.microsoft.com/office/drawing/2014/main" id="{5CA85E95-336B-504C-A3D2-3F9C51AFC2CF}"/>
+              </a:ext>
+            </a:extLst>
+          </p:cNvPr>
+          <p:cNvSpPr>
+            <a:spLocks noGrp="1" noChangeArrowheads="1"/>
+          </p:cNvSpPr>
+          <p:nvPr>
+            <p:ph type="title"/>
+          </p:nvPr>
+        </p:nvSpPr>
+        <p:spPr>
+          <a:xfrm>
+            <a:off x="2078038" y="398446"/>
+            <a:ext cx="3941762" cy="457200"/>
+          </a:xfrm>
+        </p:spPr>
+        <p:txBody>
+          <a:bodyPr/>
+          <a:lstStyle/>
+          <a:p>
+            <a:pPr eaLnBrk="1" hangingPunct="1"/>
+            <a:r>
+              <a:rPr lang="en-US" altLang="de-DE" sz="2400" b="1" dirty="0">
+                <a:solidFill>
+                  <a:srgbClr val="006229"/>
+                </a:solidFill>
+              </a:rPr>
+              <a:t>4. Treatment-</a:t>
+            </a:r>
+            <a:r>
+              <a:rPr lang="en-US" altLang="de-DE" sz="2400" b="1" dirty="0" err="1">
+                <a:solidFill>
+                  <a:srgbClr val="006229"/>
+                </a:solidFill>
+              </a:rPr>
+              <a:t>Analyse</a:t>
+            </a:r>
+            <a:r>
+              <a:rPr lang="en-US" altLang="de-DE" sz="2400" b="1" dirty="0">
+                <a:solidFill>
+                  <a:srgbClr val="006229"/>
+                </a:solidFill>
+              </a:rPr>
+              <a:t>: </a:t>
+            </a:r>
+            <a:r>
+              <a:rPr lang="en-US" altLang="de-DE" sz="2400" b="1" dirty="0" err="1">
+                <a:solidFill>
+                  <a:srgbClr val="006229"/>
+                </a:solidFill>
+              </a:rPr>
+              <a:t>Entdeckerfonds</a:t>
+            </a:r>
+            <a:endParaRPr lang="de-DE" altLang="de-DE" sz="2400" b="1" dirty="0">
+              <a:solidFill>
+                <a:srgbClr val="006229"/>
+              </a:solidFill>
+            </a:endParaRPr>
+          </a:p>
+        </p:txBody>
+      </p:sp>
+      <p:sp>
+        <p:nvSpPr>
+          <p:cNvPr id="11" name="Rectangle 3">
+            <a:extLst>
+              <a:ext uri="{FF2B5EF4-FFF2-40B4-BE49-F238E27FC236}">
+                <a16:creationId xmlns:a16="http://schemas.microsoft.com/office/drawing/2014/main" id="{39E3DFAA-C637-F541-8F52-B49E7D67E82D}"/>
+              </a:ext>
+            </a:extLst>
+          </p:cNvPr>
+          <p:cNvSpPr txBox="1">
+            <a:spLocks noChangeArrowheads="1"/>
+          </p:cNvSpPr>
+          <p:nvPr/>
+        </p:nvSpPr>
+        <p:spPr bwMode="auto">
+          <a:xfrm>
+            <a:off x="791902" y="1535069"/>
+            <a:ext cx="7560195" cy="4574784"/>
+          </a:xfrm>
+          <a:prstGeom prst="rect">
+            <a:avLst/>
+          </a:prstGeom>
+          <a:noFill/>
+          <a:ln>
+            <a:noFill/>
+          </a:ln>
+          <a:extLst>
+            <a:ext uri="{909E8E84-426E-40DD-AFC4-6F175D3DCCD1}">
+              <a14:hiddenFill xmlns:a14="http://schemas.microsoft.com/office/drawing/2010/main">
+                <a:solidFill>
+                  <a:srgbClr val="FFFFFF"/>
+                </a:solidFill>
+              </a14:hiddenFill>
+            </a:ext>
+            <a:ext uri="{91240B29-F687-4F45-9708-019B960494DF}">
+              <a14:hiddenLine xmlns:a14="http://schemas.microsoft.com/office/drawing/2010/main" w="9525">
+                <a:solidFill>
+                  <a:srgbClr val="000000"/>
+                </a:solidFill>
+                <a:miter lim="800000"/>
+                <a:headEnd/>
+                <a:tailEnd/>
+              </a14:hiddenLine>
+            </a:ext>
+          </a:extLst>
+        </p:spPr>
+        <p:txBody>
+          <a:bodyPr vert="horz" wrap="square" lIns="91440" tIns="45720" rIns="91440" bIns="45720" numCol="1" anchor="t" anchorCtr="0" compatLnSpc="1">
+            <a:prstTxWarp prst="textNoShape">
+              <a:avLst/>
+            </a:prstTxWarp>
+          </a:bodyPr>
+          <a:lstStyle>
+            <a:lvl1pPr marL="342900" indent="-342900" algn="l" rtl="0" eaLnBrk="0" fontAlgn="base" hangingPunct="0">
+              <a:spcBef>
+                <a:spcPct val="20000"/>
+              </a:spcBef>
+              <a:spcAft>
+                <a:spcPct val="0"/>
+              </a:spcAft>
+              <a:buClr>
+                <a:srgbClr val="009900"/>
+              </a:buClr>
+              <a:buFont typeface="Wingdings" pitchFamily="2" charset="2"/>
+              <a:defRPr sz="2400">
+                <a:solidFill>
+                  <a:srgbClr val="006C30"/>
+                </a:solidFill>
+                <a:latin typeface="+mn-lt"/>
+                <a:ea typeface="+mn-ea"/>
+                <a:cs typeface="+mn-cs"/>
+              </a:defRPr>
+            </a:lvl1pPr>
+            <a:lvl2pPr marL="742950" indent="-285750" algn="l" rtl="0" eaLnBrk="0" fontAlgn="base" hangingPunct="0">
+              <a:lnSpc>
+                <a:spcPct val="140000"/>
+              </a:lnSpc>
+              <a:spcBef>
+                <a:spcPct val="20000"/>
+              </a:spcBef>
+              <a:spcAft>
+                <a:spcPct val="0"/>
+              </a:spcAft>
+              <a:buClr>
+                <a:srgbClr val="006600"/>
+              </a:buClr>
+              <a:buFont typeface="Times" pitchFamily="-44" charset="0"/>
+              <a:buChar char="•"/>
+              <a:defRPr sz="1600">
+                <a:solidFill>
+                  <a:srgbClr val="006C30"/>
+                </a:solidFill>
+                <a:latin typeface="+mn-lt"/>
+              </a:defRPr>
+            </a:lvl2pPr>
+            <a:lvl3pPr marL="1143000" indent="-228600" algn="l" rtl="0" eaLnBrk="0" fontAlgn="base" hangingPunct="0">
+              <a:spcBef>
+                <a:spcPct val="20000"/>
+              </a:spcBef>
+              <a:spcAft>
+                <a:spcPct val="0"/>
+              </a:spcAft>
+              <a:buClr>
+                <a:srgbClr val="006600"/>
+              </a:buClr>
+              <a:buFont typeface="LMU CompatilFact" pitchFamily="2" charset="0"/>
+              <a:buChar char="–"/>
+              <a:defRPr sz="1600">
+                <a:solidFill>
+                  <a:srgbClr val="006C30"/>
+                </a:solidFill>
+                <a:latin typeface="+mn-lt"/>
+              </a:defRPr>
+            </a:lvl3pPr>
+            <a:lvl4pPr marL="1562100" indent="-228600" algn="l" rtl="0" eaLnBrk="0" fontAlgn="base" hangingPunct="0">
+              <a:spcBef>
+                <a:spcPct val="20000"/>
+              </a:spcBef>
+              <a:spcAft>
+                <a:spcPct val="0"/>
+              </a:spcAft>
+              <a:buClr>
+                <a:srgbClr val="006600"/>
+              </a:buClr>
+              <a:buChar char="-"/>
+              <a:defRPr sz="1600">
+                <a:solidFill>
+                  <a:srgbClr val="006C30"/>
+                </a:solidFill>
+                <a:latin typeface="+mn-lt"/>
+              </a:defRPr>
+            </a:lvl4pPr>
+            <a:lvl5pPr marL="1981200" indent="-228600" algn="l" rtl="0" eaLnBrk="0" fontAlgn="base" hangingPunct="0">
+              <a:spcBef>
+                <a:spcPct val="20000"/>
+              </a:spcBef>
+              <a:spcAft>
+                <a:spcPct val="0"/>
+              </a:spcAft>
+              <a:defRPr sz="1600">
+                <a:solidFill>
+                  <a:srgbClr val="006C30"/>
+                </a:solidFill>
+                <a:latin typeface="+mn-lt"/>
+              </a:defRPr>
+            </a:lvl5pPr>
+            <a:lvl6pPr marL="2438400" indent="-228600" algn="l" rtl="0" fontAlgn="base">
+              <a:spcBef>
+                <a:spcPct val="20000"/>
+              </a:spcBef>
+              <a:spcAft>
+                <a:spcPct val="0"/>
+              </a:spcAft>
+              <a:defRPr sz="1600">
+                <a:solidFill>
+                  <a:srgbClr val="006C30"/>
+                </a:solidFill>
+                <a:latin typeface="+mn-lt"/>
+              </a:defRPr>
+            </a:lvl6pPr>
+            <a:lvl7pPr marL="2895600" indent="-228600" algn="l" rtl="0" fontAlgn="base">
+              <a:spcBef>
+                <a:spcPct val="20000"/>
+              </a:spcBef>
+              <a:spcAft>
+                <a:spcPct val="0"/>
+              </a:spcAft>
+              <a:defRPr sz="1600">
+                <a:solidFill>
+                  <a:srgbClr val="006C30"/>
+                </a:solidFill>
+                <a:latin typeface="+mn-lt"/>
+              </a:defRPr>
+            </a:lvl7pPr>
+            <a:lvl8pPr marL="3352800" indent="-228600" algn="l" rtl="0" fontAlgn="base">
+              <a:spcBef>
+                <a:spcPct val="20000"/>
+              </a:spcBef>
+              <a:spcAft>
+                <a:spcPct val="0"/>
+              </a:spcAft>
+              <a:defRPr sz="1600">
+                <a:solidFill>
+                  <a:srgbClr val="006C30"/>
+                </a:solidFill>
+                <a:latin typeface="+mn-lt"/>
+              </a:defRPr>
+            </a:lvl8pPr>
+            <a:lvl9pPr marL="3810000" indent="-228600" algn="l" rtl="0" fontAlgn="base">
+              <a:spcBef>
+                <a:spcPct val="20000"/>
+              </a:spcBef>
+              <a:spcAft>
+                <a:spcPct val="0"/>
+              </a:spcAft>
+              <a:defRPr sz="1600">
+                <a:solidFill>
+                  <a:srgbClr val="006C30"/>
+                </a:solidFill>
+                <a:latin typeface="+mn-lt"/>
+              </a:defRPr>
+            </a:lvl9pPr>
+          </a:lstStyle>
+          <a:p>
+            <a:pPr marL="0" lvl="0" indent="0"/>
+            <a:endParaRPr lang="de-DE" sz="2200" kern="0" dirty="0"/>
+          </a:p>
+        </p:txBody>
+      </p:sp>
+      <p:pic>
+        <p:nvPicPr>
+          <p:cNvPr id="3" name="Grafik 2" descr="Ein Bild, das Text, Karte enthält.&#10;&#10;Automatisch generierte Beschreibung">
+            <a:extLst>
+              <a:ext uri="{FF2B5EF4-FFF2-40B4-BE49-F238E27FC236}">
+                <a16:creationId xmlns:a16="http://schemas.microsoft.com/office/drawing/2014/main" id="{F2FB4CB6-B1E6-8E49-A3C5-4921D0199041}"/>
+              </a:ext>
+            </a:extLst>
+          </p:cNvPr>
+          <p:cNvPicPr>
+            <a:picLocks noChangeAspect="1"/>
+          </p:cNvPicPr>
+          <p:nvPr/>
+        </p:nvPicPr>
+        <p:blipFill>
+          <a:blip r:embed="rId2"/>
+          <a:stretch>
+            <a:fillRect/>
+          </a:stretch>
+        </p:blipFill>
+        <p:spPr>
+          <a:xfrm>
+            <a:off x="1298862" y="1407152"/>
+            <a:ext cx="6336519" cy="4830618"/>
+          </a:xfrm>
+          <a:prstGeom prst="rect">
+            <a:avLst/>
+          </a:prstGeom>
+        </p:spPr>
+      </p:pic>
+    </p:spTree>
+    <p:extLst>
+      <p:ext uri="{BB962C8B-B14F-4D97-AF65-F5344CB8AC3E}">
+        <p14:creationId xmlns:p14="http://schemas.microsoft.com/office/powerpoint/2010/main" val="2065808548"/>
+      </p:ext>
+    </p:extLst>
+  </p:cSld>
+  <p:clrMapOvr>
+    <a:masterClrMapping/>
+  </p:clrMapOvr>
+  <p:transition spd="med">
+    <p:fade/>
+  </p:transition>
+</p:sld>
+</file>
+
+<file path=ppt/slides/slide14.xml><?xml version="1.0" encoding="utf-8"?>
+<p:sld xmlns:a="http://schemas.openxmlformats.org/drawingml/2006/main" xmlns:r="http://schemas.openxmlformats.org/officeDocument/2006/relationships" xmlns:p="http://schemas.openxmlformats.org/presentationml/2006/main">
+  <p:cSld>
+    <p:spTree>
+      <p:nvGrpSpPr>
+        <p:cNvPr id="1" name=""/>
+        <p:cNvGrpSpPr/>
+        <p:nvPr/>
+      </p:nvGrpSpPr>
+      <p:grpSpPr>
+        <a:xfrm>
+          <a:off x="0" y="0"/>
+          <a:ext cx="0" cy="0"/>
+          <a:chOff x="0" y="0"/>
+          <a:chExt cx="0" cy="0"/>
+        </a:xfrm>
+      </p:grpSpPr>
+      <p:sp>
+        <p:nvSpPr>
+          <p:cNvPr id="4" name="Foliennummernplatzhalter 3">
+            <a:extLst>
+              <a:ext uri="{FF2B5EF4-FFF2-40B4-BE49-F238E27FC236}">
+                <a16:creationId xmlns:a16="http://schemas.microsoft.com/office/drawing/2014/main" id="{67A2795B-758A-6E48-9F84-286DE6C07FB2}"/>
+              </a:ext>
+            </a:extLst>
+          </p:cNvPr>
+          <p:cNvSpPr>
+            <a:spLocks noGrp="1"/>
+          </p:cNvSpPr>
+          <p:nvPr>
+            <p:ph type="sldNum" sz="quarter" idx="10"/>
+          </p:nvPr>
+        </p:nvSpPr>
+        <p:spPr/>
+        <p:txBody>
+          <a:bodyPr/>
+          <a:lstStyle/>
+          <a:p>
+            <a:pPr>
+              <a:defRPr/>
+            </a:pPr>
+            <a:r>
+              <a:rPr lang="de-DE"/>
+              <a:t># </a:t>
+            </a:r>
+            <a:fld id="{13E65572-ACAF-4AE3-9CF9-738FD15A433F}" type="slidenum">
+              <a:rPr lang="de-DE" smtClean="0"/>
+              <a:pPr>
+                <a:defRPr/>
+              </a:pPr>
+              <a:t>14</a:t>
+            </a:fld>
+            <a:endParaRPr lang="de-DE"/>
+          </a:p>
+        </p:txBody>
+      </p:sp>
+      <p:sp>
+        <p:nvSpPr>
+          <p:cNvPr id="5" name="Datumsplatzhalter 4">
+            <a:extLst>
+              <a:ext uri="{FF2B5EF4-FFF2-40B4-BE49-F238E27FC236}">
+                <a16:creationId xmlns:a16="http://schemas.microsoft.com/office/drawing/2014/main" id="{51344ECB-40B4-994F-9587-C6D4E87497AE}"/>
+              </a:ext>
+            </a:extLst>
+          </p:cNvPr>
+          <p:cNvSpPr>
+            <a:spLocks noGrp="1"/>
+          </p:cNvSpPr>
+          <p:nvPr>
+            <p:ph type="dt" sz="half" idx="11"/>
+          </p:nvPr>
+        </p:nvSpPr>
+        <p:spPr/>
+        <p:txBody>
+          <a:bodyPr/>
+          <a:lstStyle/>
+          <a:p>
+            <a:pPr lvl="0">
+              <a:defRPr/>
+            </a:pPr>
+            <a:r>
+              <a:rPr lang="de-DE" altLang="de-DE" dirty="0"/>
+              <a:t>27.01.2020</a:t>
+            </a:r>
+          </a:p>
+        </p:txBody>
+      </p:sp>
+      <p:sp>
+        <p:nvSpPr>
+          <p:cNvPr id="7" name="Rectangle 2">
+            <a:extLst>
+              <a:ext uri="{FF2B5EF4-FFF2-40B4-BE49-F238E27FC236}">
+                <a16:creationId xmlns:a16="http://schemas.microsoft.com/office/drawing/2014/main" id="{5CA85E95-336B-504C-A3D2-3F9C51AFC2CF}"/>
+              </a:ext>
+            </a:extLst>
+          </p:cNvPr>
+          <p:cNvSpPr>
+            <a:spLocks noGrp="1" noChangeArrowheads="1"/>
+          </p:cNvSpPr>
+          <p:nvPr>
+            <p:ph type="title"/>
+          </p:nvPr>
+        </p:nvSpPr>
+        <p:spPr>
+          <a:xfrm>
+            <a:off x="2078038" y="398446"/>
+            <a:ext cx="3941762" cy="457200"/>
+          </a:xfrm>
+        </p:spPr>
+        <p:txBody>
+          <a:bodyPr/>
+          <a:lstStyle/>
+          <a:p>
+            <a:pPr eaLnBrk="1" hangingPunct="1"/>
+            <a:r>
+              <a:rPr lang="en-US" altLang="de-DE" sz="2400" b="1" dirty="0">
+                <a:solidFill>
+                  <a:srgbClr val="006229"/>
+                </a:solidFill>
+              </a:rPr>
+              <a:t>4. Treatment-</a:t>
+            </a:r>
+            <a:r>
+              <a:rPr lang="en-US" altLang="de-DE" sz="2400" b="1" dirty="0" err="1">
+                <a:solidFill>
+                  <a:srgbClr val="006229"/>
+                </a:solidFill>
+              </a:rPr>
+              <a:t>Analyse</a:t>
+            </a:r>
+            <a:r>
+              <a:rPr lang="en-US" altLang="de-DE" sz="2400" b="1" dirty="0">
+                <a:solidFill>
+                  <a:srgbClr val="006229"/>
+                </a:solidFill>
+              </a:rPr>
+              <a:t>: </a:t>
+            </a:r>
+            <a:r>
+              <a:rPr lang="en-US" altLang="de-DE" sz="2400" b="1" dirty="0" err="1">
+                <a:solidFill>
+                  <a:srgbClr val="006229"/>
+                </a:solidFill>
+              </a:rPr>
+              <a:t>Entdeckerfonds</a:t>
+            </a:r>
+            <a:endParaRPr lang="de-DE" altLang="de-DE" sz="2400" b="1" dirty="0">
+              <a:solidFill>
+                <a:srgbClr val="006229"/>
+              </a:solidFill>
+            </a:endParaRPr>
+          </a:p>
+        </p:txBody>
+      </p:sp>
+      <p:sp>
+        <p:nvSpPr>
+          <p:cNvPr id="11" name="Rectangle 3">
+            <a:extLst>
+              <a:ext uri="{FF2B5EF4-FFF2-40B4-BE49-F238E27FC236}">
+                <a16:creationId xmlns:a16="http://schemas.microsoft.com/office/drawing/2014/main" id="{39E3DFAA-C637-F541-8F52-B49E7D67E82D}"/>
+              </a:ext>
+            </a:extLst>
+          </p:cNvPr>
+          <p:cNvSpPr txBox="1">
+            <a:spLocks noChangeArrowheads="1"/>
+          </p:cNvSpPr>
+          <p:nvPr/>
+        </p:nvSpPr>
+        <p:spPr bwMode="auto">
+          <a:xfrm>
+            <a:off x="791902" y="1535069"/>
+            <a:ext cx="7560195" cy="4574784"/>
+          </a:xfrm>
+          <a:prstGeom prst="rect">
+            <a:avLst/>
+          </a:prstGeom>
+          <a:noFill/>
+          <a:ln>
+            <a:noFill/>
+          </a:ln>
+          <a:extLst>
+            <a:ext uri="{909E8E84-426E-40DD-AFC4-6F175D3DCCD1}">
+              <a14:hiddenFill xmlns:a14="http://schemas.microsoft.com/office/drawing/2010/main">
+                <a:solidFill>
+                  <a:srgbClr val="FFFFFF"/>
+                </a:solidFill>
+              </a14:hiddenFill>
+            </a:ext>
+            <a:ext uri="{91240B29-F687-4F45-9708-019B960494DF}">
+              <a14:hiddenLine xmlns:a14="http://schemas.microsoft.com/office/drawing/2010/main" w="9525">
+                <a:solidFill>
+                  <a:srgbClr val="000000"/>
+                </a:solidFill>
+                <a:miter lim="800000"/>
+                <a:headEnd/>
+                <a:tailEnd/>
+              </a14:hiddenLine>
+            </a:ext>
+          </a:extLst>
+        </p:spPr>
+        <p:txBody>
+          <a:bodyPr vert="horz" wrap="square" lIns="91440" tIns="45720" rIns="91440" bIns="45720" numCol="1" anchor="t" anchorCtr="0" compatLnSpc="1">
+            <a:prstTxWarp prst="textNoShape">
+              <a:avLst/>
+            </a:prstTxWarp>
+          </a:bodyPr>
+          <a:lstStyle>
+            <a:lvl1pPr marL="342900" indent="-342900" algn="l" rtl="0" eaLnBrk="0" fontAlgn="base" hangingPunct="0">
+              <a:spcBef>
+                <a:spcPct val="20000"/>
+              </a:spcBef>
+              <a:spcAft>
+                <a:spcPct val="0"/>
+              </a:spcAft>
+              <a:buClr>
+                <a:srgbClr val="009900"/>
+              </a:buClr>
+              <a:buFont typeface="Wingdings" pitchFamily="2" charset="2"/>
+              <a:defRPr sz="2400">
+                <a:solidFill>
+                  <a:srgbClr val="006C30"/>
+                </a:solidFill>
+                <a:latin typeface="+mn-lt"/>
+                <a:ea typeface="+mn-ea"/>
+                <a:cs typeface="+mn-cs"/>
+              </a:defRPr>
+            </a:lvl1pPr>
+            <a:lvl2pPr marL="742950" indent="-285750" algn="l" rtl="0" eaLnBrk="0" fontAlgn="base" hangingPunct="0">
+              <a:lnSpc>
+                <a:spcPct val="140000"/>
+              </a:lnSpc>
+              <a:spcBef>
+                <a:spcPct val="20000"/>
+              </a:spcBef>
+              <a:spcAft>
+                <a:spcPct val="0"/>
+              </a:spcAft>
+              <a:buClr>
+                <a:srgbClr val="006600"/>
+              </a:buClr>
+              <a:buFont typeface="Times" pitchFamily="-44" charset="0"/>
+              <a:buChar char="•"/>
+              <a:defRPr sz="1600">
+                <a:solidFill>
+                  <a:srgbClr val="006C30"/>
+                </a:solidFill>
+                <a:latin typeface="+mn-lt"/>
+              </a:defRPr>
+            </a:lvl2pPr>
+            <a:lvl3pPr marL="1143000" indent="-228600" algn="l" rtl="0" eaLnBrk="0" fontAlgn="base" hangingPunct="0">
+              <a:spcBef>
+                <a:spcPct val="20000"/>
+              </a:spcBef>
+              <a:spcAft>
+                <a:spcPct val="0"/>
+              </a:spcAft>
+              <a:buClr>
+                <a:srgbClr val="006600"/>
+              </a:buClr>
+              <a:buFont typeface="LMU CompatilFact" pitchFamily="2" charset="0"/>
+              <a:buChar char="–"/>
+              <a:defRPr sz="1600">
+                <a:solidFill>
+                  <a:srgbClr val="006C30"/>
+                </a:solidFill>
+                <a:latin typeface="+mn-lt"/>
+              </a:defRPr>
+            </a:lvl3pPr>
+            <a:lvl4pPr marL="1562100" indent="-228600" algn="l" rtl="0" eaLnBrk="0" fontAlgn="base" hangingPunct="0">
+              <a:spcBef>
+                <a:spcPct val="20000"/>
+              </a:spcBef>
+              <a:spcAft>
+                <a:spcPct val="0"/>
+              </a:spcAft>
+              <a:buClr>
+                <a:srgbClr val="006600"/>
+              </a:buClr>
+              <a:buChar char="-"/>
+              <a:defRPr sz="1600">
+                <a:solidFill>
+                  <a:srgbClr val="006C30"/>
+                </a:solidFill>
+                <a:latin typeface="+mn-lt"/>
+              </a:defRPr>
+            </a:lvl4pPr>
+            <a:lvl5pPr marL="1981200" indent="-228600" algn="l" rtl="0" eaLnBrk="0" fontAlgn="base" hangingPunct="0">
+              <a:spcBef>
+                <a:spcPct val="20000"/>
+              </a:spcBef>
+              <a:spcAft>
+                <a:spcPct val="0"/>
+              </a:spcAft>
+              <a:defRPr sz="1600">
+                <a:solidFill>
+                  <a:srgbClr val="006C30"/>
+                </a:solidFill>
+                <a:latin typeface="+mn-lt"/>
+              </a:defRPr>
+            </a:lvl5pPr>
+            <a:lvl6pPr marL="2438400" indent="-228600" algn="l" rtl="0" fontAlgn="base">
+              <a:spcBef>
+                <a:spcPct val="20000"/>
+              </a:spcBef>
+              <a:spcAft>
+                <a:spcPct val="0"/>
+              </a:spcAft>
+              <a:defRPr sz="1600">
+                <a:solidFill>
+                  <a:srgbClr val="006C30"/>
+                </a:solidFill>
+                <a:latin typeface="+mn-lt"/>
+              </a:defRPr>
+            </a:lvl6pPr>
+            <a:lvl7pPr marL="2895600" indent="-228600" algn="l" rtl="0" fontAlgn="base">
+              <a:spcBef>
+                <a:spcPct val="20000"/>
+              </a:spcBef>
+              <a:spcAft>
+                <a:spcPct val="0"/>
+              </a:spcAft>
+              <a:defRPr sz="1600">
+                <a:solidFill>
+                  <a:srgbClr val="006C30"/>
+                </a:solidFill>
+                <a:latin typeface="+mn-lt"/>
+              </a:defRPr>
+            </a:lvl7pPr>
+            <a:lvl8pPr marL="3352800" indent="-228600" algn="l" rtl="0" fontAlgn="base">
+              <a:spcBef>
+                <a:spcPct val="20000"/>
+              </a:spcBef>
+              <a:spcAft>
+                <a:spcPct val="0"/>
+              </a:spcAft>
+              <a:defRPr sz="1600">
+                <a:solidFill>
+                  <a:srgbClr val="006C30"/>
+                </a:solidFill>
+                <a:latin typeface="+mn-lt"/>
+              </a:defRPr>
+            </a:lvl8pPr>
+            <a:lvl9pPr marL="3810000" indent="-228600" algn="l" rtl="0" fontAlgn="base">
+              <a:spcBef>
+                <a:spcPct val="20000"/>
+              </a:spcBef>
+              <a:spcAft>
+                <a:spcPct val="0"/>
+              </a:spcAft>
+              <a:defRPr sz="1600">
+                <a:solidFill>
+                  <a:srgbClr val="006C30"/>
+                </a:solidFill>
+                <a:latin typeface="+mn-lt"/>
+              </a:defRPr>
+            </a:lvl9pPr>
+          </a:lstStyle>
+          <a:p>
+            <a:pPr marL="0" lvl="0" indent="0"/>
+            <a:endParaRPr lang="de-DE" sz="2200" kern="0" dirty="0"/>
+          </a:p>
+        </p:txBody>
+      </p:sp>
+      <p:pic>
+        <p:nvPicPr>
+          <p:cNvPr id="6" name="Grafik 5">
+            <a:extLst>
+              <a:ext uri="{FF2B5EF4-FFF2-40B4-BE49-F238E27FC236}">
+                <a16:creationId xmlns:a16="http://schemas.microsoft.com/office/drawing/2014/main" id="{9D8B1038-5B1D-7F45-8118-3ABE80089397}"/>
+              </a:ext>
+            </a:extLst>
+          </p:cNvPr>
+          <p:cNvPicPr>
+            <a:picLocks noChangeAspect="1"/>
+          </p:cNvPicPr>
+          <p:nvPr/>
+        </p:nvPicPr>
+        <p:blipFill>
+          <a:blip r:embed="rId2"/>
+          <a:stretch>
+            <a:fillRect/>
+          </a:stretch>
+        </p:blipFill>
+        <p:spPr>
+          <a:xfrm>
+            <a:off x="1625600" y="1650761"/>
+            <a:ext cx="5892800" cy="4343400"/>
+          </a:xfrm>
+          <a:prstGeom prst="rect">
+            <a:avLst/>
+          </a:prstGeom>
+        </p:spPr>
+      </p:pic>
+    </p:spTree>
+    <p:extLst>
+      <p:ext uri="{BB962C8B-B14F-4D97-AF65-F5344CB8AC3E}">
+        <p14:creationId xmlns:p14="http://schemas.microsoft.com/office/powerpoint/2010/main" val="1870853812"/>
+      </p:ext>
+    </p:extLst>
+  </p:cSld>
+  <p:clrMapOvr>
+    <a:masterClrMapping/>
+  </p:clrMapOvr>
+  <p:transition spd="med">
+    <p:fade/>
+  </p:transition>
+</p:sld>
+</file>
+
+<file path=ppt/slides/slide15.xml><?xml version="1.0" encoding="utf-8"?>
+<p:sld xmlns:a="http://schemas.openxmlformats.org/drawingml/2006/main" xmlns:r="http://schemas.openxmlformats.org/officeDocument/2006/relationships" xmlns:p="http://schemas.openxmlformats.org/presentationml/2006/main">
+  <p:cSld>
+    <p:spTree>
+      <p:nvGrpSpPr>
+        <p:cNvPr id="1" name=""/>
+        <p:cNvGrpSpPr/>
+        <p:nvPr/>
+      </p:nvGrpSpPr>
+      <p:grpSpPr>
+        <a:xfrm>
+          <a:off x="0" y="0"/>
+          <a:ext cx="0" cy="0"/>
+          <a:chOff x="0" y="0"/>
+          <a:chExt cx="0" cy="0"/>
+        </a:xfrm>
+      </p:grpSpPr>
+      <p:sp>
+        <p:nvSpPr>
+          <p:cNvPr id="4" name="Foliennummernplatzhalter 3">
+            <a:extLst>
+              <a:ext uri="{FF2B5EF4-FFF2-40B4-BE49-F238E27FC236}">
+                <a16:creationId xmlns:a16="http://schemas.microsoft.com/office/drawing/2014/main" id="{67A2795B-758A-6E48-9F84-286DE6C07FB2}"/>
+              </a:ext>
+            </a:extLst>
+          </p:cNvPr>
+          <p:cNvSpPr>
+            <a:spLocks noGrp="1"/>
+          </p:cNvSpPr>
+          <p:nvPr>
+            <p:ph type="sldNum" sz="quarter" idx="10"/>
+          </p:nvPr>
+        </p:nvSpPr>
+        <p:spPr/>
+        <p:txBody>
+          <a:bodyPr/>
+          <a:lstStyle/>
+          <a:p>
+            <a:pPr>
+              <a:defRPr/>
+            </a:pPr>
+            <a:r>
+              <a:rPr lang="de-DE"/>
+              <a:t># </a:t>
+            </a:r>
+            <a:fld id="{13E65572-ACAF-4AE3-9CF9-738FD15A433F}" type="slidenum">
+              <a:rPr lang="de-DE" smtClean="0"/>
+              <a:pPr>
+                <a:defRPr/>
+              </a:pPr>
+              <a:t>15</a:t>
+            </a:fld>
+            <a:endParaRPr lang="de-DE"/>
+          </a:p>
+        </p:txBody>
+      </p:sp>
+      <p:sp>
+        <p:nvSpPr>
+          <p:cNvPr id="5" name="Datumsplatzhalter 4">
+            <a:extLst>
+              <a:ext uri="{FF2B5EF4-FFF2-40B4-BE49-F238E27FC236}">
+                <a16:creationId xmlns:a16="http://schemas.microsoft.com/office/drawing/2014/main" id="{51344ECB-40B4-994F-9587-C6D4E87497AE}"/>
+              </a:ext>
+            </a:extLst>
+          </p:cNvPr>
+          <p:cNvSpPr>
+            <a:spLocks noGrp="1"/>
+          </p:cNvSpPr>
+          <p:nvPr>
+            <p:ph type="dt" sz="half" idx="11"/>
+          </p:nvPr>
+        </p:nvSpPr>
+        <p:spPr/>
+        <p:txBody>
+          <a:bodyPr/>
+          <a:lstStyle/>
+          <a:p>
+            <a:pPr lvl="0">
+              <a:defRPr/>
+            </a:pPr>
+            <a:r>
+              <a:rPr lang="de-DE" altLang="de-DE" dirty="0"/>
+              <a:t>27.01.2020</a:t>
+            </a:r>
+          </a:p>
+        </p:txBody>
+      </p:sp>
+      <p:sp>
+        <p:nvSpPr>
+          <p:cNvPr id="7" name="Rectangle 2">
+            <a:extLst>
+              <a:ext uri="{FF2B5EF4-FFF2-40B4-BE49-F238E27FC236}">
+                <a16:creationId xmlns:a16="http://schemas.microsoft.com/office/drawing/2014/main" id="{5CA85E95-336B-504C-A3D2-3F9C51AFC2CF}"/>
+              </a:ext>
+            </a:extLst>
+          </p:cNvPr>
+          <p:cNvSpPr>
+            <a:spLocks noGrp="1" noChangeArrowheads="1"/>
+          </p:cNvSpPr>
+          <p:nvPr>
+            <p:ph type="title"/>
+          </p:nvPr>
+        </p:nvSpPr>
+        <p:spPr>
+          <a:xfrm>
+            <a:off x="2078038" y="398446"/>
+            <a:ext cx="3941762" cy="457200"/>
+          </a:xfrm>
+        </p:spPr>
+        <p:txBody>
+          <a:bodyPr/>
+          <a:lstStyle/>
+          <a:p>
+            <a:pPr eaLnBrk="1" hangingPunct="1"/>
+            <a:r>
+              <a:rPr lang="en-US" altLang="de-DE" sz="2400" b="1" dirty="0">
+                <a:solidFill>
+                  <a:srgbClr val="006229"/>
+                </a:solidFill>
+              </a:rPr>
+              <a:t>4. Treatment-</a:t>
+            </a:r>
+            <a:r>
+              <a:rPr lang="en-US" altLang="de-DE" sz="2400" b="1" dirty="0" err="1">
+                <a:solidFill>
+                  <a:srgbClr val="006229"/>
+                </a:solidFill>
+              </a:rPr>
+              <a:t>Analyse</a:t>
+            </a:r>
+            <a:r>
+              <a:rPr lang="en-US" altLang="de-DE" sz="2400" b="1" dirty="0">
+                <a:solidFill>
+                  <a:srgbClr val="006229"/>
+                </a:solidFill>
+              </a:rPr>
+              <a:t>: </a:t>
+            </a:r>
+            <a:r>
+              <a:rPr lang="en-US" altLang="de-DE" sz="2400" b="1" dirty="0" err="1">
+                <a:solidFill>
+                  <a:srgbClr val="006229"/>
+                </a:solidFill>
+              </a:rPr>
+              <a:t>Entdeckerfonds</a:t>
+            </a:r>
+            <a:endParaRPr lang="de-DE" altLang="de-DE" sz="2400" b="1" dirty="0">
+              <a:solidFill>
+                <a:srgbClr val="006229"/>
+              </a:solidFill>
+            </a:endParaRPr>
+          </a:p>
+        </p:txBody>
+      </p:sp>
+      <p:sp>
+        <p:nvSpPr>
+          <p:cNvPr id="11" name="Rectangle 3">
+            <a:extLst>
+              <a:ext uri="{FF2B5EF4-FFF2-40B4-BE49-F238E27FC236}">
+                <a16:creationId xmlns:a16="http://schemas.microsoft.com/office/drawing/2014/main" id="{39E3DFAA-C637-F541-8F52-B49E7D67E82D}"/>
+              </a:ext>
+            </a:extLst>
+          </p:cNvPr>
+          <p:cNvSpPr txBox="1">
+            <a:spLocks noChangeArrowheads="1"/>
+          </p:cNvSpPr>
+          <p:nvPr/>
+        </p:nvSpPr>
+        <p:spPr bwMode="auto">
+          <a:xfrm>
+            <a:off x="791902" y="1535069"/>
+            <a:ext cx="7560195" cy="4574784"/>
+          </a:xfrm>
+          <a:prstGeom prst="rect">
+            <a:avLst/>
+          </a:prstGeom>
+          <a:noFill/>
+          <a:ln>
+            <a:noFill/>
+          </a:ln>
+          <a:extLst>
+            <a:ext uri="{909E8E84-426E-40DD-AFC4-6F175D3DCCD1}">
+              <a14:hiddenFill xmlns:a14="http://schemas.microsoft.com/office/drawing/2010/main">
+                <a:solidFill>
+                  <a:srgbClr val="FFFFFF"/>
+                </a:solidFill>
+              </a14:hiddenFill>
+            </a:ext>
+            <a:ext uri="{91240B29-F687-4F45-9708-019B960494DF}">
+              <a14:hiddenLine xmlns:a14="http://schemas.microsoft.com/office/drawing/2010/main" w="9525">
+                <a:solidFill>
+                  <a:srgbClr val="000000"/>
+                </a:solidFill>
+                <a:miter lim="800000"/>
+                <a:headEnd/>
+                <a:tailEnd/>
+              </a14:hiddenLine>
+            </a:ext>
+          </a:extLst>
+        </p:spPr>
+        <p:txBody>
+          <a:bodyPr vert="horz" wrap="square" lIns="91440" tIns="45720" rIns="91440" bIns="45720" numCol="1" anchor="t" anchorCtr="0" compatLnSpc="1">
+            <a:prstTxWarp prst="textNoShape">
+              <a:avLst/>
+            </a:prstTxWarp>
+          </a:bodyPr>
+          <a:lstStyle>
+            <a:lvl1pPr marL="342900" indent="-342900" algn="l" rtl="0" eaLnBrk="0" fontAlgn="base" hangingPunct="0">
+              <a:spcBef>
+                <a:spcPct val="20000"/>
+              </a:spcBef>
+              <a:spcAft>
+                <a:spcPct val="0"/>
+              </a:spcAft>
+              <a:buClr>
+                <a:srgbClr val="009900"/>
+              </a:buClr>
+              <a:buFont typeface="Wingdings" pitchFamily="2" charset="2"/>
+              <a:defRPr sz="2400">
+                <a:solidFill>
+                  <a:srgbClr val="006C30"/>
+                </a:solidFill>
+                <a:latin typeface="+mn-lt"/>
+                <a:ea typeface="+mn-ea"/>
+                <a:cs typeface="+mn-cs"/>
+              </a:defRPr>
+            </a:lvl1pPr>
+            <a:lvl2pPr marL="742950" indent="-285750" algn="l" rtl="0" eaLnBrk="0" fontAlgn="base" hangingPunct="0">
+              <a:lnSpc>
+                <a:spcPct val="140000"/>
+              </a:lnSpc>
+              <a:spcBef>
+                <a:spcPct val="20000"/>
+              </a:spcBef>
+              <a:spcAft>
+                <a:spcPct val="0"/>
+              </a:spcAft>
+              <a:buClr>
+                <a:srgbClr val="006600"/>
+              </a:buClr>
+              <a:buFont typeface="Times" pitchFamily="-44" charset="0"/>
+              <a:buChar char="•"/>
+              <a:defRPr sz="1600">
+                <a:solidFill>
+                  <a:srgbClr val="006C30"/>
+                </a:solidFill>
+                <a:latin typeface="+mn-lt"/>
+              </a:defRPr>
+            </a:lvl2pPr>
+            <a:lvl3pPr marL="1143000" indent="-228600" algn="l" rtl="0" eaLnBrk="0" fontAlgn="base" hangingPunct="0">
+              <a:spcBef>
+                <a:spcPct val="20000"/>
+              </a:spcBef>
+              <a:spcAft>
+                <a:spcPct val="0"/>
+              </a:spcAft>
+              <a:buClr>
+                <a:srgbClr val="006600"/>
+              </a:buClr>
+              <a:buFont typeface="LMU CompatilFact" pitchFamily="2" charset="0"/>
+              <a:buChar char="–"/>
+              <a:defRPr sz="1600">
+                <a:solidFill>
+                  <a:srgbClr val="006C30"/>
+                </a:solidFill>
+                <a:latin typeface="+mn-lt"/>
+              </a:defRPr>
+            </a:lvl3pPr>
+            <a:lvl4pPr marL="1562100" indent="-228600" algn="l" rtl="0" eaLnBrk="0" fontAlgn="base" hangingPunct="0">
+              <a:spcBef>
+                <a:spcPct val="20000"/>
+              </a:spcBef>
+              <a:spcAft>
+                <a:spcPct val="0"/>
+              </a:spcAft>
+              <a:buClr>
+                <a:srgbClr val="006600"/>
+              </a:buClr>
+              <a:buChar char="-"/>
+              <a:defRPr sz="1600">
+                <a:solidFill>
+                  <a:srgbClr val="006C30"/>
+                </a:solidFill>
+                <a:latin typeface="+mn-lt"/>
+              </a:defRPr>
+            </a:lvl4pPr>
+            <a:lvl5pPr marL="1981200" indent="-228600" algn="l" rtl="0" eaLnBrk="0" fontAlgn="base" hangingPunct="0">
+              <a:spcBef>
+                <a:spcPct val="20000"/>
+              </a:spcBef>
+              <a:spcAft>
+                <a:spcPct val="0"/>
+              </a:spcAft>
+              <a:defRPr sz="1600">
+                <a:solidFill>
+                  <a:srgbClr val="006C30"/>
+                </a:solidFill>
+                <a:latin typeface="+mn-lt"/>
+              </a:defRPr>
+            </a:lvl5pPr>
+            <a:lvl6pPr marL="2438400" indent="-228600" algn="l" rtl="0" fontAlgn="base">
+              <a:spcBef>
+                <a:spcPct val="20000"/>
+              </a:spcBef>
+              <a:spcAft>
+                <a:spcPct val="0"/>
+              </a:spcAft>
+              <a:defRPr sz="1600">
+                <a:solidFill>
+                  <a:srgbClr val="006C30"/>
+                </a:solidFill>
+                <a:latin typeface="+mn-lt"/>
+              </a:defRPr>
+            </a:lvl6pPr>
+            <a:lvl7pPr marL="2895600" indent="-228600" algn="l" rtl="0" fontAlgn="base">
+              <a:spcBef>
+                <a:spcPct val="20000"/>
+              </a:spcBef>
+              <a:spcAft>
+                <a:spcPct val="0"/>
+              </a:spcAft>
+              <a:defRPr sz="1600">
+                <a:solidFill>
+                  <a:srgbClr val="006C30"/>
+                </a:solidFill>
+                <a:latin typeface="+mn-lt"/>
+              </a:defRPr>
+            </a:lvl7pPr>
+            <a:lvl8pPr marL="3352800" indent="-228600" algn="l" rtl="0" fontAlgn="base">
+              <a:spcBef>
+                <a:spcPct val="20000"/>
+              </a:spcBef>
+              <a:spcAft>
+                <a:spcPct val="0"/>
+              </a:spcAft>
+              <a:defRPr sz="1600">
+                <a:solidFill>
+                  <a:srgbClr val="006C30"/>
+                </a:solidFill>
+                <a:latin typeface="+mn-lt"/>
+              </a:defRPr>
+            </a:lvl8pPr>
+            <a:lvl9pPr marL="3810000" indent="-228600" algn="l" rtl="0" fontAlgn="base">
+              <a:spcBef>
+                <a:spcPct val="20000"/>
+              </a:spcBef>
+              <a:spcAft>
+                <a:spcPct val="0"/>
+              </a:spcAft>
+              <a:defRPr sz="1600">
+                <a:solidFill>
+                  <a:srgbClr val="006C30"/>
+                </a:solidFill>
+                <a:latin typeface="+mn-lt"/>
+              </a:defRPr>
+            </a:lvl9pPr>
+          </a:lstStyle>
+          <a:p>
+            <a:pPr marL="0" lvl="0" indent="0"/>
+            <a:endParaRPr lang="de-DE" sz="2200" kern="0" dirty="0"/>
+          </a:p>
+        </p:txBody>
+      </p:sp>
+      <p:pic>
+        <p:nvPicPr>
+          <p:cNvPr id="3" name="Grafik 2">
+            <a:extLst>
+              <a:ext uri="{FF2B5EF4-FFF2-40B4-BE49-F238E27FC236}">
+                <a16:creationId xmlns:a16="http://schemas.microsoft.com/office/drawing/2014/main" id="{90115504-46E0-024F-A3C0-6444CC18C5F7}"/>
+              </a:ext>
+            </a:extLst>
+          </p:cNvPr>
+          <p:cNvPicPr>
+            <a:picLocks noChangeAspect="1"/>
+          </p:cNvPicPr>
+          <p:nvPr/>
+        </p:nvPicPr>
+        <p:blipFill>
+          <a:blip r:embed="rId2"/>
+          <a:stretch>
+            <a:fillRect/>
+          </a:stretch>
+        </p:blipFill>
+        <p:spPr>
+          <a:xfrm>
+            <a:off x="1375897" y="1395167"/>
+            <a:ext cx="6392205" cy="4873070"/>
+          </a:xfrm>
+          <a:prstGeom prst="rect">
+            <a:avLst/>
+          </a:prstGeom>
+        </p:spPr>
+      </p:pic>
+    </p:spTree>
+    <p:extLst>
+      <p:ext uri="{BB962C8B-B14F-4D97-AF65-F5344CB8AC3E}">
+        <p14:creationId xmlns:p14="http://schemas.microsoft.com/office/powerpoint/2010/main" val="4195781747"/>
+      </p:ext>
+    </p:extLst>
+  </p:cSld>
+  <p:clrMapOvr>
+    <a:masterClrMapping/>
+  </p:clrMapOvr>
+  <p:transition spd="med">
+    <p:fade/>
+  </p:transition>
+</p:sld>
+</file>
+
+<file path=ppt/slides/slide16.xml><?xml version="1.0" encoding="utf-8"?>
+<p:sld xmlns:a="http://schemas.openxmlformats.org/drawingml/2006/main" xmlns:r="http://schemas.openxmlformats.org/officeDocument/2006/relationships" xmlns:p="http://schemas.openxmlformats.org/presentationml/2006/main">
+  <p:cSld>
+    <p:spTree>
+      <p:nvGrpSpPr>
+        <p:cNvPr id="1" name=""/>
+        <p:cNvGrpSpPr/>
+        <p:nvPr/>
+      </p:nvGrpSpPr>
+      <p:grpSpPr>
+        <a:xfrm>
+          <a:off x="0" y="0"/>
+          <a:ext cx="0" cy="0"/>
+          <a:chOff x="0" y="0"/>
+          <a:chExt cx="0" cy="0"/>
+        </a:xfrm>
+      </p:grpSpPr>
+      <p:sp>
+        <p:nvSpPr>
+          <p:cNvPr id="4" name="Foliennummernplatzhalter 3">
+            <a:extLst>
+              <a:ext uri="{FF2B5EF4-FFF2-40B4-BE49-F238E27FC236}">
+                <a16:creationId xmlns:a16="http://schemas.microsoft.com/office/drawing/2014/main" id="{67A2795B-758A-6E48-9F84-286DE6C07FB2}"/>
+              </a:ext>
+            </a:extLst>
+          </p:cNvPr>
+          <p:cNvSpPr>
+            <a:spLocks noGrp="1"/>
+          </p:cNvSpPr>
+          <p:nvPr>
+            <p:ph type="sldNum" sz="quarter" idx="10"/>
+          </p:nvPr>
+        </p:nvSpPr>
+        <p:spPr/>
+        <p:txBody>
+          <a:bodyPr/>
+          <a:lstStyle/>
+          <a:p>
+            <a:pPr>
+              <a:defRPr/>
+            </a:pPr>
+            <a:r>
+              <a:rPr lang="de-DE"/>
+              <a:t># </a:t>
+            </a:r>
+            <a:fld id="{13E65572-ACAF-4AE3-9CF9-738FD15A433F}" type="slidenum">
+              <a:rPr lang="de-DE" smtClean="0"/>
+              <a:pPr>
+                <a:defRPr/>
+              </a:pPr>
+              <a:t>16</a:t>
+            </a:fld>
+            <a:endParaRPr lang="de-DE"/>
+          </a:p>
+        </p:txBody>
+      </p:sp>
+      <p:sp>
+        <p:nvSpPr>
+          <p:cNvPr id="5" name="Datumsplatzhalter 4">
+            <a:extLst>
+              <a:ext uri="{FF2B5EF4-FFF2-40B4-BE49-F238E27FC236}">
+                <a16:creationId xmlns:a16="http://schemas.microsoft.com/office/drawing/2014/main" id="{51344ECB-40B4-994F-9587-C6D4E87497AE}"/>
+              </a:ext>
+            </a:extLst>
+          </p:cNvPr>
+          <p:cNvSpPr>
+            <a:spLocks noGrp="1"/>
+          </p:cNvSpPr>
+          <p:nvPr>
+            <p:ph type="dt" sz="half" idx="11"/>
+          </p:nvPr>
+        </p:nvSpPr>
+        <p:spPr/>
+        <p:txBody>
+          <a:bodyPr/>
+          <a:lstStyle/>
+          <a:p>
+            <a:pPr lvl="0">
+              <a:defRPr/>
+            </a:pPr>
+            <a:r>
+              <a:rPr lang="de-DE" altLang="de-DE" dirty="0"/>
+              <a:t>27.01.2020</a:t>
+            </a:r>
+          </a:p>
+        </p:txBody>
+      </p:sp>
+      <p:sp>
+        <p:nvSpPr>
+          <p:cNvPr id="7" name="Rectangle 2">
+            <a:extLst>
+              <a:ext uri="{FF2B5EF4-FFF2-40B4-BE49-F238E27FC236}">
+                <a16:creationId xmlns:a16="http://schemas.microsoft.com/office/drawing/2014/main" id="{5CA85E95-336B-504C-A3D2-3F9C51AFC2CF}"/>
+              </a:ext>
+            </a:extLst>
+          </p:cNvPr>
+          <p:cNvSpPr>
+            <a:spLocks noGrp="1" noChangeArrowheads="1"/>
+          </p:cNvSpPr>
+          <p:nvPr>
+            <p:ph type="title"/>
+          </p:nvPr>
+        </p:nvSpPr>
+        <p:spPr>
+          <a:xfrm>
+            <a:off x="2078038" y="398446"/>
+            <a:ext cx="3941762" cy="457200"/>
+          </a:xfrm>
+        </p:spPr>
+        <p:txBody>
+          <a:bodyPr/>
+          <a:lstStyle/>
+          <a:p>
+            <a:pPr eaLnBrk="1" hangingPunct="1"/>
+            <a:r>
+              <a:rPr lang="en-US" altLang="de-DE" sz="2400" b="1" dirty="0">
+                <a:solidFill>
+                  <a:srgbClr val="006229"/>
+                </a:solidFill>
+              </a:rPr>
+              <a:t>4. Treatment-</a:t>
+            </a:r>
+            <a:r>
+              <a:rPr lang="en-US" altLang="de-DE" sz="2400" b="1" dirty="0" err="1">
+                <a:solidFill>
+                  <a:srgbClr val="006229"/>
+                </a:solidFill>
+              </a:rPr>
+              <a:t>Analyse</a:t>
+            </a:r>
+            <a:r>
+              <a:rPr lang="en-US" altLang="de-DE" sz="2400" b="1" dirty="0">
+                <a:solidFill>
+                  <a:srgbClr val="006229"/>
+                </a:solidFill>
+              </a:rPr>
+              <a:t>: </a:t>
+            </a:r>
+            <a:r>
+              <a:rPr lang="en-US" altLang="de-DE" sz="2400" b="1" dirty="0" err="1">
+                <a:solidFill>
+                  <a:srgbClr val="006229"/>
+                </a:solidFill>
+              </a:rPr>
+              <a:t>Entdeckerfonds</a:t>
+            </a:r>
+            <a:endParaRPr lang="de-DE" altLang="de-DE" sz="2400" b="1" dirty="0">
+              <a:solidFill>
+                <a:srgbClr val="006229"/>
+              </a:solidFill>
+            </a:endParaRPr>
+          </a:p>
+        </p:txBody>
+      </p:sp>
+      <p:sp>
+        <p:nvSpPr>
+          <p:cNvPr id="11" name="Rectangle 3">
+            <a:extLst>
+              <a:ext uri="{FF2B5EF4-FFF2-40B4-BE49-F238E27FC236}">
+                <a16:creationId xmlns:a16="http://schemas.microsoft.com/office/drawing/2014/main" id="{39E3DFAA-C637-F541-8F52-B49E7D67E82D}"/>
+              </a:ext>
+            </a:extLst>
+          </p:cNvPr>
+          <p:cNvSpPr txBox="1">
+            <a:spLocks noChangeArrowheads="1"/>
+          </p:cNvSpPr>
+          <p:nvPr/>
+        </p:nvSpPr>
+        <p:spPr bwMode="auto">
+          <a:xfrm>
+            <a:off x="791902" y="1535069"/>
+            <a:ext cx="7560195" cy="4574784"/>
+          </a:xfrm>
+          <a:prstGeom prst="rect">
+            <a:avLst/>
+          </a:prstGeom>
+          <a:noFill/>
+          <a:ln>
+            <a:noFill/>
+          </a:ln>
+          <a:extLst>
+            <a:ext uri="{909E8E84-426E-40DD-AFC4-6F175D3DCCD1}">
+              <a14:hiddenFill xmlns:a14="http://schemas.microsoft.com/office/drawing/2010/main">
+                <a:solidFill>
+                  <a:srgbClr val="FFFFFF"/>
+                </a:solidFill>
+              </a14:hiddenFill>
+            </a:ext>
+            <a:ext uri="{91240B29-F687-4F45-9708-019B960494DF}">
+              <a14:hiddenLine xmlns:a14="http://schemas.microsoft.com/office/drawing/2010/main" w="9525">
+                <a:solidFill>
+                  <a:srgbClr val="000000"/>
+                </a:solidFill>
+                <a:miter lim="800000"/>
+                <a:headEnd/>
+                <a:tailEnd/>
+              </a14:hiddenLine>
+            </a:ext>
+          </a:extLst>
+        </p:spPr>
+        <p:txBody>
+          <a:bodyPr vert="horz" wrap="square" lIns="91440" tIns="45720" rIns="91440" bIns="45720" numCol="1" anchor="t" anchorCtr="0" compatLnSpc="1">
+            <a:prstTxWarp prst="textNoShape">
+              <a:avLst/>
+            </a:prstTxWarp>
+          </a:bodyPr>
+          <a:lstStyle>
+            <a:lvl1pPr marL="342900" indent="-342900" algn="l" rtl="0" eaLnBrk="0" fontAlgn="base" hangingPunct="0">
+              <a:spcBef>
+                <a:spcPct val="20000"/>
+              </a:spcBef>
+              <a:spcAft>
+                <a:spcPct val="0"/>
+              </a:spcAft>
+              <a:buClr>
+                <a:srgbClr val="009900"/>
+              </a:buClr>
+              <a:buFont typeface="Wingdings" pitchFamily="2" charset="2"/>
+              <a:defRPr sz="2400">
+                <a:solidFill>
+                  <a:srgbClr val="006C30"/>
+                </a:solidFill>
+                <a:latin typeface="+mn-lt"/>
+                <a:ea typeface="+mn-ea"/>
+                <a:cs typeface="+mn-cs"/>
+              </a:defRPr>
+            </a:lvl1pPr>
+            <a:lvl2pPr marL="742950" indent="-285750" algn="l" rtl="0" eaLnBrk="0" fontAlgn="base" hangingPunct="0">
+              <a:lnSpc>
+                <a:spcPct val="140000"/>
+              </a:lnSpc>
+              <a:spcBef>
+                <a:spcPct val="20000"/>
+              </a:spcBef>
+              <a:spcAft>
+                <a:spcPct val="0"/>
+              </a:spcAft>
+              <a:buClr>
+                <a:srgbClr val="006600"/>
+              </a:buClr>
+              <a:buFont typeface="Times" pitchFamily="-44" charset="0"/>
+              <a:buChar char="•"/>
+              <a:defRPr sz="1600">
+                <a:solidFill>
+                  <a:srgbClr val="006C30"/>
+                </a:solidFill>
+                <a:latin typeface="+mn-lt"/>
+              </a:defRPr>
+            </a:lvl2pPr>
+            <a:lvl3pPr marL="1143000" indent="-228600" algn="l" rtl="0" eaLnBrk="0" fontAlgn="base" hangingPunct="0">
+              <a:spcBef>
+                <a:spcPct val="20000"/>
+              </a:spcBef>
+              <a:spcAft>
+                <a:spcPct val="0"/>
+              </a:spcAft>
+              <a:buClr>
+                <a:srgbClr val="006600"/>
+              </a:buClr>
+              <a:buFont typeface="LMU CompatilFact" pitchFamily="2" charset="0"/>
+              <a:buChar char="–"/>
+              <a:defRPr sz="1600">
+                <a:solidFill>
+                  <a:srgbClr val="006C30"/>
+                </a:solidFill>
+                <a:latin typeface="+mn-lt"/>
+              </a:defRPr>
+            </a:lvl3pPr>
+            <a:lvl4pPr marL="1562100" indent="-228600" algn="l" rtl="0" eaLnBrk="0" fontAlgn="base" hangingPunct="0">
+              <a:spcBef>
+                <a:spcPct val="20000"/>
+              </a:spcBef>
+              <a:spcAft>
+                <a:spcPct val="0"/>
+              </a:spcAft>
+              <a:buClr>
+                <a:srgbClr val="006600"/>
+              </a:buClr>
+              <a:buChar char="-"/>
+              <a:defRPr sz="1600">
+                <a:solidFill>
+                  <a:srgbClr val="006C30"/>
+                </a:solidFill>
+                <a:latin typeface="+mn-lt"/>
+              </a:defRPr>
+            </a:lvl4pPr>
+            <a:lvl5pPr marL="1981200" indent="-228600" algn="l" rtl="0" eaLnBrk="0" fontAlgn="base" hangingPunct="0">
+              <a:spcBef>
+                <a:spcPct val="20000"/>
+              </a:spcBef>
+              <a:spcAft>
+                <a:spcPct val="0"/>
+              </a:spcAft>
+              <a:defRPr sz="1600">
+                <a:solidFill>
+                  <a:srgbClr val="006C30"/>
+                </a:solidFill>
+                <a:latin typeface="+mn-lt"/>
+              </a:defRPr>
+            </a:lvl5pPr>
+            <a:lvl6pPr marL="2438400" indent="-228600" algn="l" rtl="0" fontAlgn="base">
+              <a:spcBef>
+                <a:spcPct val="20000"/>
+              </a:spcBef>
+              <a:spcAft>
+                <a:spcPct val="0"/>
+              </a:spcAft>
+              <a:defRPr sz="1600">
+                <a:solidFill>
+                  <a:srgbClr val="006C30"/>
+                </a:solidFill>
+                <a:latin typeface="+mn-lt"/>
+              </a:defRPr>
+            </a:lvl6pPr>
+            <a:lvl7pPr marL="2895600" indent="-228600" algn="l" rtl="0" fontAlgn="base">
+              <a:spcBef>
+                <a:spcPct val="20000"/>
+              </a:spcBef>
+              <a:spcAft>
+                <a:spcPct val="0"/>
+              </a:spcAft>
+              <a:defRPr sz="1600">
+                <a:solidFill>
+                  <a:srgbClr val="006C30"/>
+                </a:solidFill>
+                <a:latin typeface="+mn-lt"/>
+              </a:defRPr>
+            </a:lvl7pPr>
+            <a:lvl8pPr marL="3352800" indent="-228600" algn="l" rtl="0" fontAlgn="base">
+              <a:spcBef>
+                <a:spcPct val="20000"/>
+              </a:spcBef>
+              <a:spcAft>
+                <a:spcPct val="0"/>
+              </a:spcAft>
+              <a:defRPr sz="1600">
+                <a:solidFill>
+                  <a:srgbClr val="006C30"/>
+                </a:solidFill>
+                <a:latin typeface="+mn-lt"/>
+              </a:defRPr>
+            </a:lvl8pPr>
+            <a:lvl9pPr marL="3810000" indent="-228600" algn="l" rtl="0" fontAlgn="base">
+              <a:spcBef>
+                <a:spcPct val="20000"/>
+              </a:spcBef>
+              <a:spcAft>
+                <a:spcPct val="0"/>
+              </a:spcAft>
+              <a:defRPr sz="1600">
+                <a:solidFill>
+                  <a:srgbClr val="006C30"/>
+                </a:solidFill>
+                <a:latin typeface="+mn-lt"/>
+              </a:defRPr>
+            </a:lvl9pPr>
+          </a:lstStyle>
+          <a:p>
+            <a:pPr marL="0" lvl="0" indent="0"/>
+            <a:endParaRPr lang="de-DE" sz="2200" kern="0" dirty="0"/>
+          </a:p>
+        </p:txBody>
+      </p:sp>
+      <p:pic>
+        <p:nvPicPr>
+          <p:cNvPr id="6" name="Grafik 5">
+            <a:extLst>
+              <a:ext uri="{FF2B5EF4-FFF2-40B4-BE49-F238E27FC236}">
+                <a16:creationId xmlns:a16="http://schemas.microsoft.com/office/drawing/2014/main" id="{29FAA5F3-7370-CE4C-A0C6-CD0F18481D04}"/>
+              </a:ext>
+            </a:extLst>
+          </p:cNvPr>
+          <p:cNvPicPr>
+            <a:picLocks noChangeAspect="1"/>
+          </p:cNvPicPr>
+          <p:nvPr/>
+        </p:nvPicPr>
+        <p:blipFill>
+          <a:blip r:embed="rId2"/>
+          <a:stretch>
+            <a:fillRect/>
+          </a:stretch>
+        </p:blipFill>
+        <p:spPr>
+          <a:xfrm>
+            <a:off x="1321675" y="1344590"/>
+            <a:ext cx="6500648" cy="4955741"/>
+          </a:xfrm>
+          <a:prstGeom prst="rect">
+            <a:avLst/>
+          </a:prstGeom>
+        </p:spPr>
+      </p:pic>
+    </p:spTree>
+    <p:extLst>
+      <p:ext uri="{BB962C8B-B14F-4D97-AF65-F5344CB8AC3E}">
+        <p14:creationId xmlns:p14="http://schemas.microsoft.com/office/powerpoint/2010/main" val="4207841650"/>
+      </p:ext>
+    </p:extLst>
+  </p:cSld>
+  <p:clrMapOvr>
+    <a:masterClrMapping/>
+  </p:clrMapOvr>
+  <p:transition spd="med">
+    <p:fade/>
+  </p:transition>
+</p:sld>
+</file>
+
+<file path=ppt/slides/slide17.xml><?xml version="1.0" encoding="utf-8"?>
+<p:sld xmlns:a="http://schemas.openxmlformats.org/drawingml/2006/main" xmlns:r="http://schemas.openxmlformats.org/officeDocument/2006/relationships" xmlns:p="http://schemas.openxmlformats.org/presentationml/2006/main">
+  <p:cSld>
+    <p:spTree>
+      <p:nvGrpSpPr>
+        <p:cNvPr id="1" name=""/>
+        <p:cNvGrpSpPr/>
+        <p:nvPr/>
+      </p:nvGrpSpPr>
+      <p:grpSpPr>
+        <a:xfrm>
+          <a:off x="0" y="0"/>
+          <a:ext cx="0" cy="0"/>
+          <a:chOff x="0" y="0"/>
+          <a:chExt cx="0" cy="0"/>
+        </a:xfrm>
+      </p:grpSpPr>
+      <p:sp>
+        <p:nvSpPr>
+          <p:cNvPr id="4" name="Foliennummernplatzhalter 3">
+            <a:extLst>
+              <a:ext uri="{FF2B5EF4-FFF2-40B4-BE49-F238E27FC236}">
+                <a16:creationId xmlns:a16="http://schemas.microsoft.com/office/drawing/2014/main" id="{67A2795B-758A-6E48-9F84-286DE6C07FB2}"/>
+              </a:ext>
+            </a:extLst>
+          </p:cNvPr>
+          <p:cNvSpPr>
+            <a:spLocks noGrp="1"/>
+          </p:cNvSpPr>
+          <p:nvPr>
+            <p:ph type="sldNum" sz="quarter" idx="10"/>
+          </p:nvPr>
+        </p:nvSpPr>
+        <p:spPr/>
+        <p:txBody>
+          <a:bodyPr/>
+          <a:lstStyle/>
+          <a:p>
+            <a:pPr>
+              <a:defRPr/>
+            </a:pPr>
+            <a:r>
+              <a:rPr lang="de-DE"/>
+              <a:t># </a:t>
+            </a:r>
+            <a:fld id="{13E65572-ACAF-4AE3-9CF9-738FD15A433F}" type="slidenum">
+              <a:rPr lang="de-DE" smtClean="0"/>
+              <a:pPr>
+                <a:defRPr/>
+              </a:pPr>
+              <a:t>17</a:t>
+            </a:fld>
+            <a:endParaRPr lang="de-DE"/>
+          </a:p>
+        </p:txBody>
+      </p:sp>
+      <p:sp>
+        <p:nvSpPr>
+          <p:cNvPr id="5" name="Datumsplatzhalter 4">
+            <a:extLst>
+              <a:ext uri="{FF2B5EF4-FFF2-40B4-BE49-F238E27FC236}">
+                <a16:creationId xmlns:a16="http://schemas.microsoft.com/office/drawing/2014/main" id="{51344ECB-40B4-994F-9587-C6D4E87497AE}"/>
+              </a:ext>
+            </a:extLst>
+          </p:cNvPr>
+          <p:cNvSpPr>
+            <a:spLocks noGrp="1"/>
+          </p:cNvSpPr>
+          <p:nvPr>
+            <p:ph type="dt" sz="half" idx="11"/>
+          </p:nvPr>
+        </p:nvSpPr>
+        <p:spPr/>
+        <p:txBody>
+          <a:bodyPr/>
+          <a:lstStyle/>
+          <a:p>
+            <a:pPr lvl="0">
+              <a:defRPr/>
+            </a:pPr>
+            <a:r>
+              <a:rPr lang="de-DE" altLang="de-DE" dirty="0"/>
+              <a:t>27.01.2020</a:t>
+            </a:r>
+          </a:p>
+        </p:txBody>
+      </p:sp>
+      <p:sp>
+        <p:nvSpPr>
+          <p:cNvPr id="7" name="Rectangle 2">
+            <a:extLst>
+              <a:ext uri="{FF2B5EF4-FFF2-40B4-BE49-F238E27FC236}">
+                <a16:creationId xmlns:a16="http://schemas.microsoft.com/office/drawing/2014/main" id="{5CA85E95-336B-504C-A3D2-3F9C51AFC2CF}"/>
+              </a:ext>
+            </a:extLst>
+          </p:cNvPr>
+          <p:cNvSpPr>
+            <a:spLocks noGrp="1" noChangeArrowheads="1"/>
+          </p:cNvSpPr>
+          <p:nvPr>
+            <p:ph type="title"/>
+          </p:nvPr>
+        </p:nvSpPr>
+        <p:spPr>
+          <a:xfrm>
+            <a:off x="2078038" y="398446"/>
+            <a:ext cx="3941762" cy="457200"/>
+          </a:xfrm>
+        </p:spPr>
+        <p:txBody>
+          <a:bodyPr/>
+          <a:lstStyle/>
+          <a:p>
+            <a:pPr eaLnBrk="1" hangingPunct="1"/>
+            <a:r>
+              <a:rPr lang="en-US" altLang="de-DE" sz="2400" b="1" dirty="0">
+                <a:solidFill>
+                  <a:srgbClr val="006229"/>
+                </a:solidFill>
+              </a:rPr>
+              <a:t>4. Treatment-</a:t>
+            </a:r>
+            <a:r>
+              <a:rPr lang="en-US" altLang="de-DE" sz="2400" b="1" dirty="0" err="1">
+                <a:solidFill>
+                  <a:srgbClr val="006229"/>
+                </a:solidFill>
+              </a:rPr>
+              <a:t>Analyse</a:t>
+            </a:r>
+            <a:r>
+              <a:rPr lang="en-US" altLang="de-DE" sz="2400" b="1" dirty="0">
+                <a:solidFill>
+                  <a:srgbClr val="006229"/>
+                </a:solidFill>
+              </a:rPr>
+              <a:t>: </a:t>
+            </a:r>
+            <a:r>
+              <a:rPr lang="en-US" altLang="de-DE" sz="2400" b="1" dirty="0" err="1">
+                <a:solidFill>
+                  <a:srgbClr val="006229"/>
+                </a:solidFill>
+              </a:rPr>
+              <a:t>Entdeckerfonds</a:t>
+            </a:r>
+            <a:endParaRPr lang="de-DE" altLang="de-DE" sz="2400" b="1" dirty="0">
+              <a:solidFill>
+                <a:srgbClr val="006229"/>
+              </a:solidFill>
+            </a:endParaRPr>
+          </a:p>
+        </p:txBody>
+      </p:sp>
+      <p:sp>
+        <p:nvSpPr>
+          <p:cNvPr id="11" name="Rectangle 3">
+            <a:extLst>
+              <a:ext uri="{FF2B5EF4-FFF2-40B4-BE49-F238E27FC236}">
+                <a16:creationId xmlns:a16="http://schemas.microsoft.com/office/drawing/2014/main" id="{39E3DFAA-C637-F541-8F52-B49E7D67E82D}"/>
+              </a:ext>
+            </a:extLst>
+          </p:cNvPr>
+          <p:cNvSpPr txBox="1">
+            <a:spLocks noChangeArrowheads="1"/>
+          </p:cNvSpPr>
+          <p:nvPr/>
+        </p:nvSpPr>
+        <p:spPr bwMode="auto">
+          <a:xfrm>
+            <a:off x="791902" y="1535069"/>
+            <a:ext cx="7560195" cy="4574784"/>
+          </a:xfrm>
+          <a:prstGeom prst="rect">
+            <a:avLst/>
+          </a:prstGeom>
+          <a:noFill/>
+          <a:ln>
+            <a:noFill/>
+          </a:ln>
+          <a:extLst>
+            <a:ext uri="{909E8E84-426E-40DD-AFC4-6F175D3DCCD1}">
+              <a14:hiddenFill xmlns:a14="http://schemas.microsoft.com/office/drawing/2010/main">
+                <a:solidFill>
+                  <a:srgbClr val="FFFFFF"/>
+                </a:solidFill>
+              </a14:hiddenFill>
+            </a:ext>
+            <a:ext uri="{91240B29-F687-4F45-9708-019B960494DF}">
+              <a14:hiddenLine xmlns:a14="http://schemas.microsoft.com/office/drawing/2010/main" w="9525">
+                <a:solidFill>
+                  <a:srgbClr val="000000"/>
+                </a:solidFill>
+                <a:miter lim="800000"/>
+                <a:headEnd/>
+                <a:tailEnd/>
+              </a14:hiddenLine>
+            </a:ext>
+          </a:extLst>
+        </p:spPr>
+        <p:txBody>
+          <a:bodyPr vert="horz" wrap="square" lIns="91440" tIns="45720" rIns="91440" bIns="45720" numCol="1" anchor="t" anchorCtr="0" compatLnSpc="1">
+            <a:prstTxWarp prst="textNoShape">
+              <a:avLst/>
+            </a:prstTxWarp>
+          </a:bodyPr>
+          <a:lstStyle>
+            <a:lvl1pPr marL="342900" indent="-342900" algn="l" rtl="0" eaLnBrk="0" fontAlgn="base" hangingPunct="0">
+              <a:spcBef>
+                <a:spcPct val="20000"/>
+              </a:spcBef>
+              <a:spcAft>
+                <a:spcPct val="0"/>
+              </a:spcAft>
+              <a:buClr>
+                <a:srgbClr val="009900"/>
+              </a:buClr>
+              <a:buFont typeface="Wingdings" pitchFamily="2" charset="2"/>
+              <a:defRPr sz="2400">
+                <a:solidFill>
+                  <a:srgbClr val="006C30"/>
+                </a:solidFill>
+                <a:latin typeface="+mn-lt"/>
+                <a:ea typeface="+mn-ea"/>
+                <a:cs typeface="+mn-cs"/>
+              </a:defRPr>
+            </a:lvl1pPr>
+            <a:lvl2pPr marL="742950" indent="-285750" algn="l" rtl="0" eaLnBrk="0" fontAlgn="base" hangingPunct="0">
+              <a:lnSpc>
+                <a:spcPct val="140000"/>
+              </a:lnSpc>
+              <a:spcBef>
+                <a:spcPct val="20000"/>
+              </a:spcBef>
+              <a:spcAft>
+                <a:spcPct val="0"/>
+              </a:spcAft>
+              <a:buClr>
+                <a:srgbClr val="006600"/>
+              </a:buClr>
+              <a:buFont typeface="Times" pitchFamily="-44" charset="0"/>
+              <a:buChar char="•"/>
+              <a:defRPr sz="1600">
+                <a:solidFill>
+                  <a:srgbClr val="006C30"/>
+                </a:solidFill>
+                <a:latin typeface="+mn-lt"/>
+              </a:defRPr>
+            </a:lvl2pPr>
+            <a:lvl3pPr marL="1143000" indent="-228600" algn="l" rtl="0" eaLnBrk="0" fontAlgn="base" hangingPunct="0">
+              <a:spcBef>
+                <a:spcPct val="20000"/>
+              </a:spcBef>
+              <a:spcAft>
+                <a:spcPct val="0"/>
+              </a:spcAft>
+              <a:buClr>
+                <a:srgbClr val="006600"/>
+              </a:buClr>
+              <a:buFont typeface="LMU CompatilFact" pitchFamily="2" charset="0"/>
+              <a:buChar char="–"/>
+              <a:defRPr sz="1600">
+                <a:solidFill>
+                  <a:srgbClr val="006C30"/>
+                </a:solidFill>
+                <a:latin typeface="+mn-lt"/>
+              </a:defRPr>
+            </a:lvl3pPr>
+            <a:lvl4pPr marL="1562100" indent="-228600" algn="l" rtl="0" eaLnBrk="0" fontAlgn="base" hangingPunct="0">
+              <a:spcBef>
+                <a:spcPct val="20000"/>
+              </a:spcBef>
+              <a:spcAft>
+                <a:spcPct val="0"/>
+              </a:spcAft>
+              <a:buClr>
+                <a:srgbClr val="006600"/>
+              </a:buClr>
+              <a:buChar char="-"/>
+              <a:defRPr sz="1600">
+                <a:solidFill>
+                  <a:srgbClr val="006C30"/>
+                </a:solidFill>
+                <a:latin typeface="+mn-lt"/>
+              </a:defRPr>
+            </a:lvl4pPr>
+            <a:lvl5pPr marL="1981200" indent="-228600" algn="l" rtl="0" eaLnBrk="0" fontAlgn="base" hangingPunct="0">
+              <a:spcBef>
+                <a:spcPct val="20000"/>
+              </a:spcBef>
+              <a:spcAft>
+                <a:spcPct val="0"/>
+              </a:spcAft>
+              <a:defRPr sz="1600">
+                <a:solidFill>
+                  <a:srgbClr val="006C30"/>
+                </a:solidFill>
+                <a:latin typeface="+mn-lt"/>
+              </a:defRPr>
+            </a:lvl5pPr>
+            <a:lvl6pPr marL="2438400" indent="-228600" algn="l" rtl="0" fontAlgn="base">
+              <a:spcBef>
+                <a:spcPct val="20000"/>
+              </a:spcBef>
+              <a:spcAft>
+                <a:spcPct val="0"/>
+              </a:spcAft>
+              <a:defRPr sz="1600">
+                <a:solidFill>
+                  <a:srgbClr val="006C30"/>
+                </a:solidFill>
+                <a:latin typeface="+mn-lt"/>
+              </a:defRPr>
+            </a:lvl6pPr>
+            <a:lvl7pPr marL="2895600" indent="-228600" algn="l" rtl="0" fontAlgn="base">
+              <a:spcBef>
+                <a:spcPct val="20000"/>
+              </a:spcBef>
+              <a:spcAft>
+                <a:spcPct val="0"/>
+              </a:spcAft>
+              <a:defRPr sz="1600">
+                <a:solidFill>
+                  <a:srgbClr val="006C30"/>
+                </a:solidFill>
+                <a:latin typeface="+mn-lt"/>
+              </a:defRPr>
+            </a:lvl7pPr>
+            <a:lvl8pPr marL="3352800" indent="-228600" algn="l" rtl="0" fontAlgn="base">
+              <a:spcBef>
+                <a:spcPct val="20000"/>
+              </a:spcBef>
+              <a:spcAft>
+                <a:spcPct val="0"/>
+              </a:spcAft>
+              <a:defRPr sz="1600">
+                <a:solidFill>
+                  <a:srgbClr val="006C30"/>
+                </a:solidFill>
+                <a:latin typeface="+mn-lt"/>
+              </a:defRPr>
+            </a:lvl8pPr>
+            <a:lvl9pPr marL="3810000" indent="-228600" algn="l" rtl="0" fontAlgn="base">
+              <a:spcBef>
+                <a:spcPct val="20000"/>
+              </a:spcBef>
+              <a:spcAft>
+                <a:spcPct val="0"/>
+              </a:spcAft>
+              <a:defRPr sz="1600">
+                <a:solidFill>
+                  <a:srgbClr val="006C30"/>
+                </a:solidFill>
+                <a:latin typeface="+mn-lt"/>
+              </a:defRPr>
+            </a:lvl9pPr>
+          </a:lstStyle>
+          <a:p>
+            <a:pPr marL="0" lvl="0" indent="0"/>
+            <a:endParaRPr lang="de-DE" sz="2200" kern="0" dirty="0"/>
+          </a:p>
+        </p:txBody>
+      </p:sp>
+      <p:pic>
+        <p:nvPicPr>
+          <p:cNvPr id="3" name="Grafik 2">
+            <a:extLst>
+              <a:ext uri="{FF2B5EF4-FFF2-40B4-BE49-F238E27FC236}">
+                <a16:creationId xmlns:a16="http://schemas.microsoft.com/office/drawing/2014/main" id="{401F5076-7D27-934E-BF92-9E12808E51B9}"/>
+              </a:ext>
+            </a:extLst>
+          </p:cNvPr>
+          <p:cNvPicPr>
+            <a:picLocks noChangeAspect="1"/>
+          </p:cNvPicPr>
+          <p:nvPr/>
+        </p:nvPicPr>
+        <p:blipFill>
+          <a:blip r:embed="rId2"/>
+          <a:stretch>
+            <a:fillRect/>
+          </a:stretch>
+        </p:blipFill>
+        <p:spPr>
+          <a:xfrm>
+            <a:off x="1524347" y="1535069"/>
+            <a:ext cx="6095305" cy="4574784"/>
+          </a:xfrm>
+          <a:prstGeom prst="rect">
+            <a:avLst/>
+          </a:prstGeom>
+        </p:spPr>
+      </p:pic>
+    </p:spTree>
+    <p:extLst>
+      <p:ext uri="{BB962C8B-B14F-4D97-AF65-F5344CB8AC3E}">
+        <p14:creationId xmlns:p14="http://schemas.microsoft.com/office/powerpoint/2010/main" val="1036548402"/>
+      </p:ext>
+    </p:extLst>
+  </p:cSld>
+  <p:clrMapOvr>
+    <a:masterClrMapping/>
+  </p:clrMapOvr>
+  <p:transition spd="med">
+    <p:fade/>
+  </p:transition>
+</p:sld>
+</file>
+
+<file path=ppt/slides/slide18.xml><?xml version="1.0" encoding="utf-8"?>
+<p:sld xmlns:a="http://schemas.openxmlformats.org/drawingml/2006/main" xmlns:r="http://schemas.openxmlformats.org/officeDocument/2006/relationships" xmlns:p="http://schemas.openxmlformats.org/presentationml/2006/main">
+  <p:cSld>
+    <p:spTree>
+      <p:nvGrpSpPr>
+        <p:cNvPr id="1" name=""/>
+        <p:cNvGrpSpPr/>
+        <p:nvPr/>
+      </p:nvGrpSpPr>
+      <p:grpSpPr>
+        <a:xfrm>
+          <a:off x="0" y="0"/>
+          <a:ext cx="0" cy="0"/>
+          <a:chOff x="0" y="0"/>
+          <a:chExt cx="0" cy="0"/>
+        </a:xfrm>
+      </p:grpSpPr>
+      <p:sp>
+        <p:nvSpPr>
+          <p:cNvPr id="4" name="Foliennummernplatzhalter 3">
+            <a:extLst>
+              <a:ext uri="{FF2B5EF4-FFF2-40B4-BE49-F238E27FC236}">
+                <a16:creationId xmlns:a16="http://schemas.microsoft.com/office/drawing/2014/main" id="{67A2795B-758A-6E48-9F84-286DE6C07FB2}"/>
+              </a:ext>
+            </a:extLst>
+          </p:cNvPr>
+          <p:cNvSpPr>
+            <a:spLocks noGrp="1"/>
+          </p:cNvSpPr>
+          <p:nvPr>
+            <p:ph type="sldNum" sz="quarter" idx="10"/>
+          </p:nvPr>
+        </p:nvSpPr>
+        <p:spPr/>
+        <p:txBody>
+          <a:bodyPr/>
+          <a:lstStyle/>
+          <a:p>
+            <a:pPr>
+              <a:defRPr/>
+            </a:pPr>
+            <a:r>
+              <a:rPr lang="de-DE"/>
+              <a:t># </a:t>
+            </a:r>
+            <a:fld id="{13E65572-ACAF-4AE3-9CF9-738FD15A433F}" type="slidenum">
+              <a:rPr lang="de-DE" smtClean="0"/>
+              <a:pPr>
+                <a:defRPr/>
+              </a:pPr>
+              <a:t>18</a:t>
+            </a:fld>
+            <a:endParaRPr lang="de-DE"/>
+          </a:p>
+        </p:txBody>
+      </p:sp>
+      <p:sp>
+        <p:nvSpPr>
+          <p:cNvPr id="5" name="Datumsplatzhalter 4">
+            <a:extLst>
+              <a:ext uri="{FF2B5EF4-FFF2-40B4-BE49-F238E27FC236}">
+                <a16:creationId xmlns:a16="http://schemas.microsoft.com/office/drawing/2014/main" id="{51344ECB-40B4-994F-9587-C6D4E87497AE}"/>
+              </a:ext>
+            </a:extLst>
+          </p:cNvPr>
+          <p:cNvSpPr>
+            <a:spLocks noGrp="1"/>
+          </p:cNvSpPr>
+          <p:nvPr>
+            <p:ph type="dt" sz="half" idx="11"/>
+          </p:nvPr>
+        </p:nvSpPr>
+        <p:spPr/>
+        <p:txBody>
+          <a:bodyPr/>
+          <a:lstStyle/>
+          <a:p>
+            <a:pPr lvl="0">
+              <a:defRPr/>
+            </a:pPr>
+            <a:r>
+              <a:rPr lang="de-DE" altLang="de-DE" dirty="0"/>
+              <a:t>27.01.2020</a:t>
+            </a:r>
+          </a:p>
+        </p:txBody>
+      </p:sp>
+      <p:sp>
+        <p:nvSpPr>
+          <p:cNvPr id="7" name="Rectangle 2">
+            <a:extLst>
+              <a:ext uri="{FF2B5EF4-FFF2-40B4-BE49-F238E27FC236}">
+                <a16:creationId xmlns:a16="http://schemas.microsoft.com/office/drawing/2014/main" id="{5CA85E95-336B-504C-A3D2-3F9C51AFC2CF}"/>
+              </a:ext>
+            </a:extLst>
+          </p:cNvPr>
+          <p:cNvSpPr>
+            <a:spLocks noGrp="1" noChangeArrowheads="1"/>
+          </p:cNvSpPr>
+          <p:nvPr>
+            <p:ph type="title"/>
+          </p:nvPr>
+        </p:nvSpPr>
+        <p:spPr>
+          <a:xfrm>
+            <a:off x="2078038" y="398446"/>
+            <a:ext cx="3941762" cy="457200"/>
+          </a:xfrm>
+        </p:spPr>
+        <p:txBody>
+          <a:bodyPr/>
+          <a:lstStyle/>
+          <a:p>
+            <a:pPr eaLnBrk="1" hangingPunct="1"/>
+            <a:r>
+              <a:rPr lang="en-US" altLang="de-DE" sz="2400" b="1" dirty="0">
+                <a:solidFill>
+                  <a:srgbClr val="006229"/>
+                </a:solidFill>
+              </a:rPr>
+              <a:t>4. Treatment-</a:t>
+            </a:r>
+            <a:r>
+              <a:rPr lang="en-US" altLang="de-DE" sz="2400" b="1" dirty="0" err="1">
+                <a:solidFill>
+                  <a:srgbClr val="006229"/>
+                </a:solidFill>
+              </a:rPr>
+              <a:t>Analyse</a:t>
+            </a:r>
+            <a:r>
+              <a:rPr lang="en-US" altLang="de-DE" sz="2400" b="1" dirty="0">
+                <a:solidFill>
+                  <a:srgbClr val="006229"/>
+                </a:solidFill>
+              </a:rPr>
+              <a:t>: </a:t>
+            </a:r>
+            <a:r>
+              <a:rPr lang="en-US" altLang="de-DE" sz="2400" b="1" dirty="0" err="1">
+                <a:solidFill>
+                  <a:srgbClr val="006229"/>
+                </a:solidFill>
+              </a:rPr>
+              <a:t>Entdeckerfonds</a:t>
+            </a:r>
+            <a:endParaRPr lang="de-DE" altLang="de-DE" sz="2400" b="1" dirty="0">
+              <a:solidFill>
+                <a:srgbClr val="006229"/>
+              </a:solidFill>
+            </a:endParaRPr>
+          </a:p>
+        </p:txBody>
+      </p:sp>
+      <p:sp>
+        <p:nvSpPr>
+          <p:cNvPr id="11" name="Rectangle 3">
+            <a:extLst>
+              <a:ext uri="{FF2B5EF4-FFF2-40B4-BE49-F238E27FC236}">
+                <a16:creationId xmlns:a16="http://schemas.microsoft.com/office/drawing/2014/main" id="{39E3DFAA-C637-F541-8F52-B49E7D67E82D}"/>
+              </a:ext>
+            </a:extLst>
+          </p:cNvPr>
+          <p:cNvSpPr txBox="1">
+            <a:spLocks noChangeArrowheads="1"/>
+          </p:cNvSpPr>
+          <p:nvPr/>
+        </p:nvSpPr>
+        <p:spPr bwMode="auto">
+          <a:xfrm>
+            <a:off x="791902" y="1535069"/>
+            <a:ext cx="7560195" cy="4574784"/>
+          </a:xfrm>
+          <a:prstGeom prst="rect">
+            <a:avLst/>
+          </a:prstGeom>
+          <a:noFill/>
+          <a:ln>
+            <a:noFill/>
+          </a:ln>
+          <a:extLst>
+            <a:ext uri="{909E8E84-426E-40DD-AFC4-6F175D3DCCD1}">
+              <a14:hiddenFill xmlns:a14="http://schemas.microsoft.com/office/drawing/2010/main">
+                <a:solidFill>
+                  <a:srgbClr val="FFFFFF"/>
+                </a:solidFill>
+              </a14:hiddenFill>
+            </a:ext>
+            <a:ext uri="{91240B29-F687-4F45-9708-019B960494DF}">
+              <a14:hiddenLine xmlns:a14="http://schemas.microsoft.com/office/drawing/2010/main" w="9525">
+                <a:solidFill>
+                  <a:srgbClr val="000000"/>
+                </a:solidFill>
+                <a:miter lim="800000"/>
+                <a:headEnd/>
+                <a:tailEnd/>
+              </a14:hiddenLine>
+            </a:ext>
+          </a:extLst>
+        </p:spPr>
+        <p:txBody>
+          <a:bodyPr vert="horz" wrap="square" lIns="91440" tIns="45720" rIns="91440" bIns="45720" numCol="1" anchor="t" anchorCtr="0" compatLnSpc="1">
+            <a:prstTxWarp prst="textNoShape">
+              <a:avLst/>
+            </a:prstTxWarp>
+          </a:bodyPr>
+          <a:lstStyle>
+            <a:lvl1pPr marL="342900" indent="-342900" algn="l" rtl="0" eaLnBrk="0" fontAlgn="base" hangingPunct="0">
+              <a:spcBef>
+                <a:spcPct val="20000"/>
+              </a:spcBef>
+              <a:spcAft>
+                <a:spcPct val="0"/>
+              </a:spcAft>
+              <a:buClr>
+                <a:srgbClr val="009900"/>
+              </a:buClr>
+              <a:buFont typeface="Wingdings" pitchFamily="2" charset="2"/>
+              <a:defRPr sz="2400">
+                <a:solidFill>
+                  <a:srgbClr val="006C30"/>
+                </a:solidFill>
+                <a:latin typeface="+mn-lt"/>
+                <a:ea typeface="+mn-ea"/>
+                <a:cs typeface="+mn-cs"/>
+              </a:defRPr>
+            </a:lvl1pPr>
+            <a:lvl2pPr marL="742950" indent="-285750" algn="l" rtl="0" eaLnBrk="0" fontAlgn="base" hangingPunct="0">
+              <a:lnSpc>
+                <a:spcPct val="140000"/>
+              </a:lnSpc>
+              <a:spcBef>
+                <a:spcPct val="20000"/>
+              </a:spcBef>
+              <a:spcAft>
+                <a:spcPct val="0"/>
+              </a:spcAft>
+              <a:buClr>
+                <a:srgbClr val="006600"/>
+              </a:buClr>
+              <a:buFont typeface="Times" pitchFamily="-44" charset="0"/>
+              <a:buChar char="•"/>
+              <a:defRPr sz="1600">
+                <a:solidFill>
+                  <a:srgbClr val="006C30"/>
+                </a:solidFill>
+                <a:latin typeface="+mn-lt"/>
+              </a:defRPr>
+            </a:lvl2pPr>
+            <a:lvl3pPr marL="1143000" indent="-228600" algn="l" rtl="0" eaLnBrk="0" fontAlgn="base" hangingPunct="0">
+              <a:spcBef>
+                <a:spcPct val="20000"/>
+              </a:spcBef>
+              <a:spcAft>
+                <a:spcPct val="0"/>
+              </a:spcAft>
+              <a:buClr>
+                <a:srgbClr val="006600"/>
+              </a:buClr>
+              <a:buFont typeface="LMU CompatilFact" pitchFamily="2" charset="0"/>
+              <a:buChar char="–"/>
+              <a:defRPr sz="1600">
+                <a:solidFill>
+                  <a:srgbClr val="006C30"/>
+                </a:solidFill>
+                <a:latin typeface="+mn-lt"/>
+              </a:defRPr>
+            </a:lvl3pPr>
+            <a:lvl4pPr marL="1562100" indent="-228600" algn="l" rtl="0" eaLnBrk="0" fontAlgn="base" hangingPunct="0">
+              <a:spcBef>
+                <a:spcPct val="20000"/>
+              </a:spcBef>
+              <a:spcAft>
+                <a:spcPct val="0"/>
+              </a:spcAft>
+              <a:buClr>
+                <a:srgbClr val="006600"/>
+              </a:buClr>
+              <a:buChar char="-"/>
+              <a:defRPr sz="1600">
+                <a:solidFill>
+                  <a:srgbClr val="006C30"/>
+                </a:solidFill>
+                <a:latin typeface="+mn-lt"/>
+              </a:defRPr>
+            </a:lvl4pPr>
+            <a:lvl5pPr marL="1981200" indent="-228600" algn="l" rtl="0" eaLnBrk="0" fontAlgn="base" hangingPunct="0">
+              <a:spcBef>
+                <a:spcPct val="20000"/>
+              </a:spcBef>
+              <a:spcAft>
+                <a:spcPct val="0"/>
+              </a:spcAft>
+              <a:defRPr sz="1600">
+                <a:solidFill>
+                  <a:srgbClr val="006C30"/>
+                </a:solidFill>
+                <a:latin typeface="+mn-lt"/>
+              </a:defRPr>
+            </a:lvl5pPr>
+            <a:lvl6pPr marL="2438400" indent="-228600" algn="l" rtl="0" fontAlgn="base">
+              <a:spcBef>
+                <a:spcPct val="20000"/>
+              </a:spcBef>
+              <a:spcAft>
+                <a:spcPct val="0"/>
+              </a:spcAft>
+              <a:defRPr sz="1600">
+                <a:solidFill>
+                  <a:srgbClr val="006C30"/>
+                </a:solidFill>
+                <a:latin typeface="+mn-lt"/>
+              </a:defRPr>
+            </a:lvl6pPr>
+            <a:lvl7pPr marL="2895600" indent="-228600" algn="l" rtl="0" fontAlgn="base">
+              <a:spcBef>
+                <a:spcPct val="20000"/>
+              </a:spcBef>
+              <a:spcAft>
+                <a:spcPct val="0"/>
+              </a:spcAft>
+              <a:defRPr sz="1600">
+                <a:solidFill>
+                  <a:srgbClr val="006C30"/>
+                </a:solidFill>
+                <a:latin typeface="+mn-lt"/>
+              </a:defRPr>
+            </a:lvl7pPr>
+            <a:lvl8pPr marL="3352800" indent="-228600" algn="l" rtl="0" fontAlgn="base">
+              <a:spcBef>
+                <a:spcPct val="20000"/>
+              </a:spcBef>
+              <a:spcAft>
+                <a:spcPct val="0"/>
+              </a:spcAft>
+              <a:defRPr sz="1600">
+                <a:solidFill>
+                  <a:srgbClr val="006C30"/>
+                </a:solidFill>
+                <a:latin typeface="+mn-lt"/>
+              </a:defRPr>
+            </a:lvl8pPr>
+            <a:lvl9pPr marL="3810000" indent="-228600" algn="l" rtl="0" fontAlgn="base">
+              <a:spcBef>
+                <a:spcPct val="20000"/>
+              </a:spcBef>
+              <a:spcAft>
+                <a:spcPct val="0"/>
+              </a:spcAft>
+              <a:defRPr sz="1600">
+                <a:solidFill>
+                  <a:srgbClr val="006C30"/>
+                </a:solidFill>
+                <a:latin typeface="+mn-lt"/>
+              </a:defRPr>
+            </a:lvl9pPr>
+          </a:lstStyle>
+          <a:p>
+            <a:pPr marL="0" lvl="0" indent="0"/>
+            <a:r>
+              <a:rPr lang="de-DE" sz="2200" kern="0" dirty="0"/>
+              <a:t>Weiteres Vorgehen:</a:t>
+            </a:r>
+          </a:p>
+          <a:p>
+            <a:pPr marL="0" lvl="0" indent="0"/>
+            <a:endParaRPr lang="de-DE" sz="2200" kern="0" dirty="0"/>
+          </a:p>
+          <a:p>
+            <a:pPr lvl="0">
+              <a:buFontTx/>
+              <a:buChar char="-"/>
+            </a:pPr>
+            <a:r>
+              <a:rPr lang="de-DE" sz="2200" kern="0" dirty="0"/>
+              <a:t>Treatment-Intensity-Analysis</a:t>
+            </a:r>
+          </a:p>
+          <a:p>
+            <a:pPr lvl="0">
+              <a:buFontTx/>
+              <a:buChar char="-"/>
+            </a:pPr>
+            <a:r>
+              <a:rPr lang="de-DE" sz="2200" kern="0" dirty="0"/>
+              <a:t>Zeit-varianter Treatment-Effekt</a:t>
+            </a:r>
+          </a:p>
+        </p:txBody>
+      </p:sp>
+    </p:spTree>
+    <p:extLst>
+      <p:ext uri="{BB962C8B-B14F-4D97-AF65-F5344CB8AC3E}">
+        <p14:creationId xmlns:p14="http://schemas.microsoft.com/office/powerpoint/2010/main" val="1272444547"/>
+      </p:ext>
+    </p:extLst>
+  </p:cSld>
+  <p:clrMapOvr>
+    <a:masterClrMapping/>
+  </p:clrMapOvr>
+  <p:transition spd="med">
+    <p:fade/>
+  </p:transition>
+</p:sld>
+</file>
+
 <file path=ppt/slides/slide2.xml><?xml version="1.0" encoding="utf-8"?>
 <p:sld xmlns:a="http://schemas.openxmlformats.org/drawingml/2006/main" xmlns:r="http://schemas.openxmlformats.org/officeDocument/2006/relationships" xmlns:p="http://schemas.openxmlformats.org/presentationml/2006/main">
   <p:cSld>
@@ -5709,7 +9422,7 @@
                 </a:solidFill>
                 <a:latin typeface="Cambria"/>
               </a:rPr>
-              <a:t>09.12.</a:t>
+              <a:t>27.01.</a:t>
             </a:r>
             <a:r>
               <a:rPr kumimoji="0" lang="de-DE" altLang="de-DE" sz="1400" b="0" i="0" u="none" strike="noStrike" kern="1200" cap="none" spc="0" normalizeH="0" baseline="0" noProof="0" dirty="0">
@@ -5726,7 +9439,7 @@
                 <a:ea typeface="+mn-ea"/>
                 <a:cs typeface="+mn-cs"/>
               </a:rPr>
-              <a:t>2019</a:t>
+              <a:t>2020</a:t>
             </a:r>
           </a:p>
         </p:txBody>
@@ -6385,12 +10098,12 @@
           <a:bodyPr/>
           <a:lstStyle/>
           <a:p>
-            <a:pPr>
+            <a:pPr lvl="0">
               <a:defRPr/>
             </a:pPr>
             <a:r>
-              <a:rPr lang="de-DE" dirty="0"/>
-              <a:t>09.12.2019</a:t>
+              <a:rPr lang="de-DE" altLang="de-DE" dirty="0"/>
+              <a:t>27.01.2020</a:t>
             </a:r>
           </a:p>
         </p:txBody>
@@ -6969,39 +10682,21 @@
             </a:lvl9pPr>
           </a:lstStyle>
           <a:p>
-            <a:pPr marL="0" marR="0" lvl="0" indent="0" algn="r" defTabSz="914400" rtl="0" eaLnBrk="0" fontAlgn="base" latinLnBrk="0" hangingPunct="0">
-              <a:lnSpc>
-                <a:spcPct val="100000"/>
-              </a:lnSpc>
-              <a:spcBef>
-                <a:spcPct val="0"/>
-              </a:spcBef>
-              <a:spcAft>
-                <a:spcPct val="0"/>
-              </a:spcAft>
+            <a:pPr lvl="0">
+              <a:spcBef>
+                <a:spcPct val="0"/>
+              </a:spcBef>
               <a:buClrTx/>
-              <a:buSzTx/>
-              <a:buFontTx/>
-              <a:buNone/>
-              <a:tabLst/>
               <a:defRPr/>
             </a:pPr>
             <a:r>
-              <a:rPr kumimoji="0" lang="de-DE" altLang="de-DE" sz="1400" b="0" i="0" u="none" strike="noStrike" kern="1200" cap="none" spc="0" normalizeH="0" baseline="0" noProof="0" dirty="0">
-                <a:ln>
-                  <a:noFill/>
-                </a:ln>
+              <a:rPr lang="de-DE" altLang="de-DE" sz="1400" dirty="0">
                 <a:solidFill>
                   <a:srgbClr val="777777"/>
                 </a:solidFill>
-                <a:effectLst/>
-                <a:uLnTx/>
-                <a:uFillTx/>
                 <a:latin typeface="Cambria"/>
-                <a:ea typeface="+mn-ea"/>
-                <a:cs typeface="+mn-cs"/>
               </a:rPr>
-              <a:t>09.12.2019</a:t>
+              <a:t>27.01.2020</a:t>
             </a:r>
           </a:p>
         </p:txBody>
@@ -7077,8 +10772,8 @@
             </p:nvSpPr>
             <p:spPr bwMode="auto">
               <a:xfrm>
-                <a:off x="791902" y="634967"/>
-                <a:ext cx="7560195" cy="6535753"/>
+                <a:off x="641523" y="627046"/>
+                <a:ext cx="7733550" cy="6535753"/>
               </a:xfrm>
               <a:prstGeom prst="rect">
                 <a:avLst/>
@@ -7796,8 +11491,8 @@
             </p:nvSpPr>
             <p:spPr bwMode="auto">
               <a:xfrm>
-                <a:off x="791902" y="634967"/>
-                <a:ext cx="7560195" cy="6535753"/>
+                <a:off x="641523" y="627046"/>
+                <a:ext cx="7733550" cy="6535753"/>
               </a:xfrm>
               <a:prstGeom prst="rect">
                 <a:avLst/>
@@ -7805,7 +11500,7 @@
               <a:blipFill>
                 <a:blip r:embed="rId3"/>
                 <a:stretch>
-                  <a:fillRect l="-1048" r="-1774"/>
+                  <a:fillRect l="-985" r="-1478"/>
                 </a:stretch>
               </a:blipFill>
               <a:ln>
@@ -7836,7 +11531,7 @@
               <a:lstStyle/>
               <a:p>
                 <a:r>
-                  <a:rPr lang="de-DE">
+                  <a:rPr lang="en-US">
                     <a:noFill/>
                   </a:rPr>
                   <a:t> </a:t>
@@ -7948,12 +11643,12 @@
           <a:bodyPr/>
           <a:lstStyle/>
           <a:p>
-            <a:pPr>
+            <a:pPr lvl="0">
               <a:defRPr/>
             </a:pPr>
             <a:r>
-              <a:rPr lang="de-DE" dirty="0"/>
-              <a:t>09.12.2019</a:t>
+              <a:rPr lang="de-DE" altLang="de-DE" dirty="0"/>
+              <a:t>27.01.2020</a:t>
             </a:r>
           </a:p>
         </p:txBody>
@@ -8151,12 +11846,12 @@
           <a:bodyPr/>
           <a:lstStyle/>
           <a:p>
-            <a:pPr>
+            <a:pPr lvl="0">
               <a:defRPr/>
             </a:pPr>
             <a:r>
-              <a:rPr lang="de-DE" dirty="0"/>
-              <a:t>09.12.2019</a:t>
+              <a:rPr lang="de-DE" altLang="de-DE" dirty="0"/>
+              <a:t>27.01.2020</a:t>
             </a:r>
           </a:p>
         </p:txBody>
@@ -8325,12 +12020,12 @@
           <a:bodyPr/>
           <a:lstStyle/>
           <a:p>
-            <a:pPr>
+            <a:pPr lvl="0">
               <a:defRPr/>
             </a:pPr>
             <a:r>
-              <a:rPr lang="de-DE" dirty="0"/>
-              <a:t>09.12.2019</a:t>
+              <a:rPr lang="de-DE" altLang="de-DE" dirty="0"/>
+              <a:t>27.01.2020</a:t>
             </a:r>
           </a:p>
         </p:txBody>
@@ -8597,6 +12292,841 @@
     <p:extLst>
       <p:ext uri="{BB962C8B-B14F-4D97-AF65-F5344CB8AC3E}">
         <p14:creationId xmlns:p14="http://schemas.microsoft.com/office/powerpoint/2010/main" val="2210938346"/>
+      </p:ext>
+    </p:extLst>
+  </p:cSld>
+  <p:clrMapOvr>
+    <a:masterClrMapping/>
+  </p:clrMapOvr>
+  <p:transition spd="med">
+    <p:fade/>
+  </p:transition>
+</p:sld>
+</file>
+
+<file path=ppt/slides/slide8.xml><?xml version="1.0" encoding="utf-8"?>
+<p:sld xmlns:a="http://schemas.openxmlformats.org/drawingml/2006/main" xmlns:r="http://schemas.openxmlformats.org/officeDocument/2006/relationships" xmlns:p="http://schemas.openxmlformats.org/presentationml/2006/main">
+  <p:cSld>
+    <p:spTree>
+      <p:nvGrpSpPr>
+        <p:cNvPr id="1" name=""/>
+        <p:cNvGrpSpPr/>
+        <p:nvPr/>
+      </p:nvGrpSpPr>
+      <p:grpSpPr>
+        <a:xfrm>
+          <a:off x="0" y="0"/>
+          <a:ext cx="0" cy="0"/>
+          <a:chOff x="0" y="0"/>
+          <a:chExt cx="0" cy="0"/>
+        </a:xfrm>
+      </p:grpSpPr>
+      <p:sp>
+        <p:nvSpPr>
+          <p:cNvPr id="4" name="Foliennummernplatzhalter 3">
+            <a:extLst>
+              <a:ext uri="{FF2B5EF4-FFF2-40B4-BE49-F238E27FC236}">
+                <a16:creationId xmlns:a16="http://schemas.microsoft.com/office/drawing/2014/main" id="{67A2795B-758A-6E48-9F84-286DE6C07FB2}"/>
+              </a:ext>
+            </a:extLst>
+          </p:cNvPr>
+          <p:cNvSpPr>
+            <a:spLocks noGrp="1"/>
+          </p:cNvSpPr>
+          <p:nvPr>
+            <p:ph type="sldNum" sz="quarter" idx="10"/>
+          </p:nvPr>
+        </p:nvSpPr>
+        <p:spPr/>
+        <p:txBody>
+          <a:bodyPr/>
+          <a:lstStyle/>
+          <a:p>
+            <a:pPr>
+              <a:defRPr/>
+            </a:pPr>
+            <a:r>
+              <a:rPr lang="de-DE"/>
+              <a:t># </a:t>
+            </a:r>
+            <a:fld id="{13E65572-ACAF-4AE3-9CF9-738FD15A433F}" type="slidenum">
+              <a:rPr lang="de-DE" smtClean="0"/>
+              <a:pPr>
+                <a:defRPr/>
+              </a:pPr>
+              <a:t>8</a:t>
+            </a:fld>
+            <a:endParaRPr lang="de-DE"/>
+          </a:p>
+        </p:txBody>
+      </p:sp>
+      <p:sp>
+        <p:nvSpPr>
+          <p:cNvPr id="5" name="Datumsplatzhalter 4">
+            <a:extLst>
+              <a:ext uri="{FF2B5EF4-FFF2-40B4-BE49-F238E27FC236}">
+                <a16:creationId xmlns:a16="http://schemas.microsoft.com/office/drawing/2014/main" id="{51344ECB-40B4-994F-9587-C6D4E87497AE}"/>
+              </a:ext>
+            </a:extLst>
+          </p:cNvPr>
+          <p:cNvSpPr>
+            <a:spLocks noGrp="1"/>
+          </p:cNvSpPr>
+          <p:nvPr>
+            <p:ph type="dt" sz="half" idx="11"/>
+          </p:nvPr>
+        </p:nvSpPr>
+        <p:spPr/>
+        <p:txBody>
+          <a:bodyPr/>
+          <a:lstStyle/>
+          <a:p>
+            <a:pPr lvl="0">
+              <a:defRPr/>
+            </a:pPr>
+            <a:r>
+              <a:rPr lang="de-DE" altLang="de-DE" dirty="0"/>
+              <a:t>27.01.2020</a:t>
+            </a:r>
+          </a:p>
+        </p:txBody>
+      </p:sp>
+      <p:sp>
+        <p:nvSpPr>
+          <p:cNvPr id="7" name="Rectangle 2">
+            <a:extLst>
+              <a:ext uri="{FF2B5EF4-FFF2-40B4-BE49-F238E27FC236}">
+                <a16:creationId xmlns:a16="http://schemas.microsoft.com/office/drawing/2014/main" id="{5CA85E95-336B-504C-A3D2-3F9C51AFC2CF}"/>
+              </a:ext>
+            </a:extLst>
+          </p:cNvPr>
+          <p:cNvSpPr>
+            <a:spLocks noGrp="1" noChangeArrowheads="1"/>
+          </p:cNvSpPr>
+          <p:nvPr>
+            <p:ph type="title"/>
+          </p:nvPr>
+        </p:nvSpPr>
+        <p:spPr>
+          <a:xfrm>
+            <a:off x="2078038" y="398446"/>
+            <a:ext cx="3941762" cy="457200"/>
+          </a:xfrm>
+        </p:spPr>
+        <p:txBody>
+          <a:bodyPr/>
+          <a:lstStyle/>
+          <a:p>
+            <a:pPr eaLnBrk="1" hangingPunct="1"/>
+            <a:r>
+              <a:rPr lang="en-US" altLang="de-DE" sz="2400" b="1" dirty="0">
+                <a:solidFill>
+                  <a:srgbClr val="006229"/>
+                </a:solidFill>
+              </a:rPr>
+              <a:t>4. Treatment-</a:t>
+            </a:r>
+            <a:r>
+              <a:rPr lang="en-US" altLang="de-DE" sz="2400" b="1" dirty="0" err="1">
+                <a:solidFill>
+                  <a:srgbClr val="006229"/>
+                </a:solidFill>
+              </a:rPr>
+              <a:t>Analyse</a:t>
+            </a:r>
+            <a:r>
+              <a:rPr lang="en-US" altLang="de-DE" sz="2400" b="1" dirty="0">
+                <a:solidFill>
+                  <a:srgbClr val="006229"/>
+                </a:solidFill>
+              </a:rPr>
+              <a:t>: </a:t>
+            </a:r>
+            <a:r>
+              <a:rPr lang="en-US" altLang="de-DE" sz="2400" b="1" dirty="0" err="1">
+                <a:solidFill>
+                  <a:srgbClr val="006229"/>
+                </a:solidFill>
+              </a:rPr>
+              <a:t>Entdeckerfonds</a:t>
+            </a:r>
+            <a:endParaRPr lang="de-DE" altLang="de-DE" sz="2400" b="1" dirty="0">
+              <a:solidFill>
+                <a:srgbClr val="006229"/>
+              </a:solidFill>
+            </a:endParaRPr>
+          </a:p>
+        </p:txBody>
+      </p:sp>
+      <p:sp>
+        <p:nvSpPr>
+          <p:cNvPr id="11" name="Rectangle 3">
+            <a:extLst>
+              <a:ext uri="{FF2B5EF4-FFF2-40B4-BE49-F238E27FC236}">
+                <a16:creationId xmlns:a16="http://schemas.microsoft.com/office/drawing/2014/main" id="{39E3DFAA-C637-F541-8F52-B49E7D67E82D}"/>
+              </a:ext>
+            </a:extLst>
+          </p:cNvPr>
+          <p:cNvSpPr txBox="1">
+            <a:spLocks noChangeArrowheads="1"/>
+          </p:cNvSpPr>
+          <p:nvPr/>
+        </p:nvSpPr>
+        <p:spPr bwMode="auto">
+          <a:xfrm>
+            <a:off x="791902" y="1535069"/>
+            <a:ext cx="7560195" cy="4574784"/>
+          </a:xfrm>
+          <a:prstGeom prst="rect">
+            <a:avLst/>
+          </a:prstGeom>
+          <a:noFill/>
+          <a:ln>
+            <a:noFill/>
+          </a:ln>
+          <a:extLst>
+            <a:ext uri="{909E8E84-426E-40DD-AFC4-6F175D3DCCD1}">
+              <a14:hiddenFill xmlns:a14="http://schemas.microsoft.com/office/drawing/2010/main">
+                <a:solidFill>
+                  <a:srgbClr val="FFFFFF"/>
+                </a:solidFill>
+              </a14:hiddenFill>
+            </a:ext>
+            <a:ext uri="{91240B29-F687-4F45-9708-019B960494DF}">
+              <a14:hiddenLine xmlns:a14="http://schemas.microsoft.com/office/drawing/2010/main" w="9525">
+                <a:solidFill>
+                  <a:srgbClr val="000000"/>
+                </a:solidFill>
+                <a:miter lim="800000"/>
+                <a:headEnd/>
+                <a:tailEnd/>
+              </a14:hiddenLine>
+            </a:ext>
+          </a:extLst>
+        </p:spPr>
+        <p:txBody>
+          <a:bodyPr vert="horz" wrap="square" lIns="91440" tIns="45720" rIns="91440" bIns="45720" numCol="1" anchor="t" anchorCtr="0" compatLnSpc="1">
+            <a:prstTxWarp prst="textNoShape">
+              <a:avLst/>
+            </a:prstTxWarp>
+          </a:bodyPr>
+          <a:lstStyle>
+            <a:lvl1pPr marL="342900" indent="-342900" algn="l" rtl="0" eaLnBrk="0" fontAlgn="base" hangingPunct="0">
+              <a:spcBef>
+                <a:spcPct val="20000"/>
+              </a:spcBef>
+              <a:spcAft>
+                <a:spcPct val="0"/>
+              </a:spcAft>
+              <a:buClr>
+                <a:srgbClr val="009900"/>
+              </a:buClr>
+              <a:buFont typeface="Wingdings" pitchFamily="2" charset="2"/>
+              <a:defRPr sz="2400">
+                <a:solidFill>
+                  <a:srgbClr val="006C30"/>
+                </a:solidFill>
+                <a:latin typeface="+mn-lt"/>
+                <a:ea typeface="+mn-ea"/>
+                <a:cs typeface="+mn-cs"/>
+              </a:defRPr>
+            </a:lvl1pPr>
+            <a:lvl2pPr marL="742950" indent="-285750" algn="l" rtl="0" eaLnBrk="0" fontAlgn="base" hangingPunct="0">
+              <a:lnSpc>
+                <a:spcPct val="140000"/>
+              </a:lnSpc>
+              <a:spcBef>
+                <a:spcPct val="20000"/>
+              </a:spcBef>
+              <a:spcAft>
+                <a:spcPct val="0"/>
+              </a:spcAft>
+              <a:buClr>
+                <a:srgbClr val="006600"/>
+              </a:buClr>
+              <a:buFont typeface="Times" pitchFamily="-44" charset="0"/>
+              <a:buChar char="•"/>
+              <a:defRPr sz="1600">
+                <a:solidFill>
+                  <a:srgbClr val="006C30"/>
+                </a:solidFill>
+                <a:latin typeface="+mn-lt"/>
+              </a:defRPr>
+            </a:lvl2pPr>
+            <a:lvl3pPr marL="1143000" indent="-228600" algn="l" rtl="0" eaLnBrk="0" fontAlgn="base" hangingPunct="0">
+              <a:spcBef>
+                <a:spcPct val="20000"/>
+              </a:spcBef>
+              <a:spcAft>
+                <a:spcPct val="0"/>
+              </a:spcAft>
+              <a:buClr>
+                <a:srgbClr val="006600"/>
+              </a:buClr>
+              <a:buFont typeface="LMU CompatilFact" pitchFamily="2" charset="0"/>
+              <a:buChar char="–"/>
+              <a:defRPr sz="1600">
+                <a:solidFill>
+                  <a:srgbClr val="006C30"/>
+                </a:solidFill>
+                <a:latin typeface="+mn-lt"/>
+              </a:defRPr>
+            </a:lvl3pPr>
+            <a:lvl4pPr marL="1562100" indent="-228600" algn="l" rtl="0" eaLnBrk="0" fontAlgn="base" hangingPunct="0">
+              <a:spcBef>
+                <a:spcPct val="20000"/>
+              </a:spcBef>
+              <a:spcAft>
+                <a:spcPct val="0"/>
+              </a:spcAft>
+              <a:buClr>
+                <a:srgbClr val="006600"/>
+              </a:buClr>
+              <a:buChar char="-"/>
+              <a:defRPr sz="1600">
+                <a:solidFill>
+                  <a:srgbClr val="006C30"/>
+                </a:solidFill>
+                <a:latin typeface="+mn-lt"/>
+              </a:defRPr>
+            </a:lvl4pPr>
+            <a:lvl5pPr marL="1981200" indent="-228600" algn="l" rtl="0" eaLnBrk="0" fontAlgn="base" hangingPunct="0">
+              <a:spcBef>
+                <a:spcPct val="20000"/>
+              </a:spcBef>
+              <a:spcAft>
+                <a:spcPct val="0"/>
+              </a:spcAft>
+              <a:defRPr sz="1600">
+                <a:solidFill>
+                  <a:srgbClr val="006C30"/>
+                </a:solidFill>
+                <a:latin typeface="+mn-lt"/>
+              </a:defRPr>
+            </a:lvl5pPr>
+            <a:lvl6pPr marL="2438400" indent="-228600" algn="l" rtl="0" fontAlgn="base">
+              <a:spcBef>
+                <a:spcPct val="20000"/>
+              </a:spcBef>
+              <a:spcAft>
+                <a:spcPct val="0"/>
+              </a:spcAft>
+              <a:defRPr sz="1600">
+                <a:solidFill>
+                  <a:srgbClr val="006C30"/>
+                </a:solidFill>
+                <a:latin typeface="+mn-lt"/>
+              </a:defRPr>
+            </a:lvl6pPr>
+            <a:lvl7pPr marL="2895600" indent="-228600" algn="l" rtl="0" fontAlgn="base">
+              <a:spcBef>
+                <a:spcPct val="20000"/>
+              </a:spcBef>
+              <a:spcAft>
+                <a:spcPct val="0"/>
+              </a:spcAft>
+              <a:defRPr sz="1600">
+                <a:solidFill>
+                  <a:srgbClr val="006C30"/>
+                </a:solidFill>
+                <a:latin typeface="+mn-lt"/>
+              </a:defRPr>
+            </a:lvl7pPr>
+            <a:lvl8pPr marL="3352800" indent="-228600" algn="l" rtl="0" fontAlgn="base">
+              <a:spcBef>
+                <a:spcPct val="20000"/>
+              </a:spcBef>
+              <a:spcAft>
+                <a:spcPct val="0"/>
+              </a:spcAft>
+              <a:defRPr sz="1600">
+                <a:solidFill>
+                  <a:srgbClr val="006C30"/>
+                </a:solidFill>
+                <a:latin typeface="+mn-lt"/>
+              </a:defRPr>
+            </a:lvl8pPr>
+            <a:lvl9pPr marL="3810000" indent="-228600" algn="l" rtl="0" fontAlgn="base">
+              <a:spcBef>
+                <a:spcPct val="20000"/>
+              </a:spcBef>
+              <a:spcAft>
+                <a:spcPct val="0"/>
+              </a:spcAft>
+              <a:defRPr sz="1600">
+                <a:solidFill>
+                  <a:srgbClr val="006C30"/>
+                </a:solidFill>
+                <a:latin typeface="+mn-lt"/>
+              </a:defRPr>
+            </a:lvl9pPr>
+          </a:lstStyle>
+          <a:p>
+            <a:pPr marL="0" indent="0" eaLnBrk="1" hangingPunct="1">
+              <a:spcAft>
+                <a:spcPts val="1200"/>
+              </a:spcAft>
+              <a:buClrTx/>
+              <a:defRPr/>
+            </a:pPr>
+            <a:r>
+              <a:rPr lang="de-DE" sz="2200" kern="0" dirty="0"/>
+              <a:t>Idee: </a:t>
+            </a:r>
+          </a:p>
+          <a:p>
+            <a:pPr lvl="0">
+              <a:buFontTx/>
+              <a:buChar char="-"/>
+            </a:pPr>
+            <a:r>
+              <a:rPr lang="de-DE" sz="2200" dirty="0"/>
+              <a:t>Treatmentgruppe: Einrichtungen mit Mittagstisch und Entdeckerfonds</a:t>
+            </a:r>
+          </a:p>
+          <a:p>
+            <a:pPr lvl="0">
+              <a:buFontTx/>
+              <a:buChar char="-"/>
+            </a:pPr>
+            <a:r>
+              <a:rPr lang="de-DE" sz="2200" kern="0" dirty="0"/>
+              <a:t>Kontrollgruppe: Einrichtungen mit Mittagstisch, aber ohne Entdeckerfonds</a:t>
+            </a:r>
+          </a:p>
+          <a:p>
+            <a:pPr marL="0" lvl="0" indent="0"/>
+            <a:endParaRPr lang="de-DE" sz="2200" kern="0" dirty="0"/>
+          </a:p>
+          <a:p>
+            <a:pPr lvl="0">
+              <a:buFontTx/>
+              <a:buChar char="-"/>
+            </a:pPr>
+            <a:r>
+              <a:rPr lang="de-DE" sz="2200" kern="0" dirty="0"/>
+              <a:t>Hypothese: Die Teilnahme einer Einrichtung am Entdeckerfonds beeinflusst die Alltagskompetenzen und das Selbstwertgefühl der Kinder</a:t>
+            </a:r>
+          </a:p>
+          <a:p>
+            <a:pPr marL="0" lvl="0" indent="0"/>
+            <a:endParaRPr lang="de-DE" sz="2200" kern="0" dirty="0"/>
+          </a:p>
+        </p:txBody>
+      </p:sp>
+    </p:spTree>
+    <p:extLst>
+      <p:ext uri="{BB962C8B-B14F-4D97-AF65-F5344CB8AC3E}">
+        <p14:creationId xmlns:p14="http://schemas.microsoft.com/office/powerpoint/2010/main" val="2469696528"/>
+      </p:ext>
+    </p:extLst>
+  </p:cSld>
+  <p:clrMapOvr>
+    <a:masterClrMapping/>
+  </p:clrMapOvr>
+  <p:transition spd="med">
+    <p:fade/>
+  </p:transition>
+</p:sld>
+</file>
+
+<file path=ppt/slides/slide9.xml><?xml version="1.0" encoding="utf-8"?>
+<p:sld xmlns:a="http://schemas.openxmlformats.org/drawingml/2006/main" xmlns:r="http://schemas.openxmlformats.org/officeDocument/2006/relationships" xmlns:p="http://schemas.openxmlformats.org/presentationml/2006/main">
+  <p:cSld>
+    <p:spTree>
+      <p:nvGrpSpPr>
+        <p:cNvPr id="1" name=""/>
+        <p:cNvGrpSpPr/>
+        <p:nvPr/>
+      </p:nvGrpSpPr>
+      <p:grpSpPr>
+        <a:xfrm>
+          <a:off x="0" y="0"/>
+          <a:ext cx="0" cy="0"/>
+          <a:chOff x="0" y="0"/>
+          <a:chExt cx="0" cy="0"/>
+        </a:xfrm>
+      </p:grpSpPr>
+      <p:sp>
+        <p:nvSpPr>
+          <p:cNvPr id="4" name="Foliennummernplatzhalter 3">
+            <a:extLst>
+              <a:ext uri="{FF2B5EF4-FFF2-40B4-BE49-F238E27FC236}">
+                <a16:creationId xmlns:a16="http://schemas.microsoft.com/office/drawing/2014/main" id="{67A2795B-758A-6E48-9F84-286DE6C07FB2}"/>
+              </a:ext>
+            </a:extLst>
+          </p:cNvPr>
+          <p:cNvSpPr>
+            <a:spLocks noGrp="1"/>
+          </p:cNvSpPr>
+          <p:nvPr>
+            <p:ph type="sldNum" sz="quarter" idx="10"/>
+          </p:nvPr>
+        </p:nvSpPr>
+        <p:spPr/>
+        <p:txBody>
+          <a:bodyPr/>
+          <a:lstStyle/>
+          <a:p>
+            <a:pPr>
+              <a:defRPr/>
+            </a:pPr>
+            <a:r>
+              <a:rPr lang="de-DE"/>
+              <a:t># </a:t>
+            </a:r>
+            <a:fld id="{13E65572-ACAF-4AE3-9CF9-738FD15A433F}" type="slidenum">
+              <a:rPr lang="de-DE" smtClean="0"/>
+              <a:pPr>
+                <a:defRPr/>
+              </a:pPr>
+              <a:t>9</a:t>
+            </a:fld>
+            <a:endParaRPr lang="de-DE"/>
+          </a:p>
+        </p:txBody>
+      </p:sp>
+      <p:sp>
+        <p:nvSpPr>
+          <p:cNvPr id="5" name="Datumsplatzhalter 4">
+            <a:extLst>
+              <a:ext uri="{FF2B5EF4-FFF2-40B4-BE49-F238E27FC236}">
+                <a16:creationId xmlns:a16="http://schemas.microsoft.com/office/drawing/2014/main" id="{51344ECB-40B4-994F-9587-C6D4E87497AE}"/>
+              </a:ext>
+            </a:extLst>
+          </p:cNvPr>
+          <p:cNvSpPr>
+            <a:spLocks noGrp="1"/>
+          </p:cNvSpPr>
+          <p:nvPr>
+            <p:ph type="dt" sz="half" idx="11"/>
+          </p:nvPr>
+        </p:nvSpPr>
+        <p:spPr/>
+        <p:txBody>
+          <a:bodyPr/>
+          <a:lstStyle/>
+          <a:p>
+            <a:pPr lvl="0">
+              <a:defRPr/>
+            </a:pPr>
+            <a:r>
+              <a:rPr lang="de-DE" altLang="de-DE" dirty="0"/>
+              <a:t>27.01.2020</a:t>
+            </a:r>
+          </a:p>
+        </p:txBody>
+      </p:sp>
+      <p:sp>
+        <p:nvSpPr>
+          <p:cNvPr id="7" name="Rectangle 2">
+            <a:extLst>
+              <a:ext uri="{FF2B5EF4-FFF2-40B4-BE49-F238E27FC236}">
+                <a16:creationId xmlns:a16="http://schemas.microsoft.com/office/drawing/2014/main" id="{5CA85E95-336B-504C-A3D2-3F9C51AFC2CF}"/>
+              </a:ext>
+            </a:extLst>
+          </p:cNvPr>
+          <p:cNvSpPr>
+            <a:spLocks noGrp="1" noChangeArrowheads="1"/>
+          </p:cNvSpPr>
+          <p:nvPr>
+            <p:ph type="title"/>
+          </p:nvPr>
+        </p:nvSpPr>
+        <p:spPr>
+          <a:xfrm>
+            <a:off x="2078038" y="398446"/>
+            <a:ext cx="3941762" cy="457200"/>
+          </a:xfrm>
+        </p:spPr>
+        <p:txBody>
+          <a:bodyPr/>
+          <a:lstStyle/>
+          <a:p>
+            <a:pPr eaLnBrk="1" hangingPunct="1"/>
+            <a:r>
+              <a:rPr lang="en-US" altLang="de-DE" sz="2400" b="1" dirty="0">
+                <a:solidFill>
+                  <a:srgbClr val="006229"/>
+                </a:solidFill>
+              </a:rPr>
+              <a:t>4. Treatment-</a:t>
+            </a:r>
+            <a:r>
+              <a:rPr lang="en-US" altLang="de-DE" sz="2400" b="1" dirty="0" err="1">
+                <a:solidFill>
+                  <a:srgbClr val="006229"/>
+                </a:solidFill>
+              </a:rPr>
+              <a:t>Analyse</a:t>
+            </a:r>
+            <a:r>
+              <a:rPr lang="en-US" altLang="de-DE" sz="2400" b="1" dirty="0">
+                <a:solidFill>
+                  <a:srgbClr val="006229"/>
+                </a:solidFill>
+              </a:rPr>
+              <a:t>: </a:t>
+            </a:r>
+            <a:r>
+              <a:rPr lang="en-US" altLang="de-DE" sz="2400" b="1" dirty="0" err="1">
+                <a:solidFill>
+                  <a:srgbClr val="006229"/>
+                </a:solidFill>
+              </a:rPr>
+              <a:t>Entdeckerfonds</a:t>
+            </a:r>
+            <a:endParaRPr lang="de-DE" altLang="de-DE" sz="2400" b="1" dirty="0">
+              <a:solidFill>
+                <a:srgbClr val="006229"/>
+              </a:solidFill>
+            </a:endParaRPr>
+          </a:p>
+        </p:txBody>
+      </p:sp>
+      <p:sp>
+        <p:nvSpPr>
+          <p:cNvPr id="11" name="Rectangle 3">
+            <a:extLst>
+              <a:ext uri="{FF2B5EF4-FFF2-40B4-BE49-F238E27FC236}">
+                <a16:creationId xmlns:a16="http://schemas.microsoft.com/office/drawing/2014/main" id="{39E3DFAA-C637-F541-8F52-B49E7D67E82D}"/>
+              </a:ext>
+            </a:extLst>
+          </p:cNvPr>
+          <p:cNvSpPr txBox="1">
+            <a:spLocks noChangeArrowheads="1"/>
+          </p:cNvSpPr>
+          <p:nvPr/>
+        </p:nvSpPr>
+        <p:spPr bwMode="auto">
+          <a:xfrm>
+            <a:off x="791902" y="1535069"/>
+            <a:ext cx="7560195" cy="4574784"/>
+          </a:xfrm>
+          <a:prstGeom prst="rect">
+            <a:avLst/>
+          </a:prstGeom>
+          <a:noFill/>
+          <a:ln>
+            <a:noFill/>
+          </a:ln>
+          <a:extLst>
+            <a:ext uri="{909E8E84-426E-40DD-AFC4-6F175D3DCCD1}">
+              <a14:hiddenFill xmlns:a14="http://schemas.microsoft.com/office/drawing/2010/main">
+                <a:solidFill>
+                  <a:srgbClr val="FFFFFF"/>
+                </a:solidFill>
+              </a14:hiddenFill>
+            </a:ext>
+            <a:ext uri="{91240B29-F687-4F45-9708-019B960494DF}">
+              <a14:hiddenLine xmlns:a14="http://schemas.microsoft.com/office/drawing/2010/main" w="9525">
+                <a:solidFill>
+                  <a:srgbClr val="000000"/>
+                </a:solidFill>
+                <a:miter lim="800000"/>
+                <a:headEnd/>
+                <a:tailEnd/>
+              </a14:hiddenLine>
+            </a:ext>
+          </a:extLst>
+        </p:spPr>
+        <p:txBody>
+          <a:bodyPr vert="horz" wrap="square" lIns="91440" tIns="45720" rIns="91440" bIns="45720" numCol="1" anchor="t" anchorCtr="0" compatLnSpc="1">
+            <a:prstTxWarp prst="textNoShape">
+              <a:avLst/>
+            </a:prstTxWarp>
+          </a:bodyPr>
+          <a:lstStyle>
+            <a:lvl1pPr marL="342900" indent="-342900" algn="l" rtl="0" eaLnBrk="0" fontAlgn="base" hangingPunct="0">
+              <a:spcBef>
+                <a:spcPct val="20000"/>
+              </a:spcBef>
+              <a:spcAft>
+                <a:spcPct val="0"/>
+              </a:spcAft>
+              <a:buClr>
+                <a:srgbClr val="009900"/>
+              </a:buClr>
+              <a:buFont typeface="Wingdings" pitchFamily="2" charset="2"/>
+              <a:defRPr sz="2400">
+                <a:solidFill>
+                  <a:srgbClr val="006C30"/>
+                </a:solidFill>
+                <a:latin typeface="+mn-lt"/>
+                <a:ea typeface="+mn-ea"/>
+                <a:cs typeface="+mn-cs"/>
+              </a:defRPr>
+            </a:lvl1pPr>
+            <a:lvl2pPr marL="742950" indent="-285750" algn="l" rtl="0" eaLnBrk="0" fontAlgn="base" hangingPunct="0">
+              <a:lnSpc>
+                <a:spcPct val="140000"/>
+              </a:lnSpc>
+              <a:spcBef>
+                <a:spcPct val="20000"/>
+              </a:spcBef>
+              <a:spcAft>
+                <a:spcPct val="0"/>
+              </a:spcAft>
+              <a:buClr>
+                <a:srgbClr val="006600"/>
+              </a:buClr>
+              <a:buFont typeface="Times" pitchFamily="-44" charset="0"/>
+              <a:buChar char="•"/>
+              <a:defRPr sz="1600">
+                <a:solidFill>
+                  <a:srgbClr val="006C30"/>
+                </a:solidFill>
+                <a:latin typeface="+mn-lt"/>
+              </a:defRPr>
+            </a:lvl2pPr>
+            <a:lvl3pPr marL="1143000" indent="-228600" algn="l" rtl="0" eaLnBrk="0" fontAlgn="base" hangingPunct="0">
+              <a:spcBef>
+                <a:spcPct val="20000"/>
+              </a:spcBef>
+              <a:spcAft>
+                <a:spcPct val="0"/>
+              </a:spcAft>
+              <a:buClr>
+                <a:srgbClr val="006600"/>
+              </a:buClr>
+              <a:buFont typeface="LMU CompatilFact" pitchFamily="2" charset="0"/>
+              <a:buChar char="–"/>
+              <a:defRPr sz="1600">
+                <a:solidFill>
+                  <a:srgbClr val="006C30"/>
+                </a:solidFill>
+                <a:latin typeface="+mn-lt"/>
+              </a:defRPr>
+            </a:lvl3pPr>
+            <a:lvl4pPr marL="1562100" indent="-228600" algn="l" rtl="0" eaLnBrk="0" fontAlgn="base" hangingPunct="0">
+              <a:spcBef>
+                <a:spcPct val="20000"/>
+              </a:spcBef>
+              <a:spcAft>
+                <a:spcPct val="0"/>
+              </a:spcAft>
+              <a:buClr>
+                <a:srgbClr val="006600"/>
+              </a:buClr>
+              <a:buChar char="-"/>
+              <a:defRPr sz="1600">
+                <a:solidFill>
+                  <a:srgbClr val="006C30"/>
+                </a:solidFill>
+                <a:latin typeface="+mn-lt"/>
+              </a:defRPr>
+            </a:lvl4pPr>
+            <a:lvl5pPr marL="1981200" indent="-228600" algn="l" rtl="0" eaLnBrk="0" fontAlgn="base" hangingPunct="0">
+              <a:spcBef>
+                <a:spcPct val="20000"/>
+              </a:spcBef>
+              <a:spcAft>
+                <a:spcPct val="0"/>
+              </a:spcAft>
+              <a:defRPr sz="1600">
+                <a:solidFill>
+                  <a:srgbClr val="006C30"/>
+                </a:solidFill>
+                <a:latin typeface="+mn-lt"/>
+              </a:defRPr>
+            </a:lvl5pPr>
+            <a:lvl6pPr marL="2438400" indent="-228600" algn="l" rtl="0" fontAlgn="base">
+              <a:spcBef>
+                <a:spcPct val="20000"/>
+              </a:spcBef>
+              <a:spcAft>
+                <a:spcPct val="0"/>
+              </a:spcAft>
+              <a:defRPr sz="1600">
+                <a:solidFill>
+                  <a:srgbClr val="006C30"/>
+                </a:solidFill>
+                <a:latin typeface="+mn-lt"/>
+              </a:defRPr>
+            </a:lvl6pPr>
+            <a:lvl7pPr marL="2895600" indent="-228600" algn="l" rtl="0" fontAlgn="base">
+              <a:spcBef>
+                <a:spcPct val="20000"/>
+              </a:spcBef>
+              <a:spcAft>
+                <a:spcPct val="0"/>
+              </a:spcAft>
+              <a:defRPr sz="1600">
+                <a:solidFill>
+                  <a:srgbClr val="006C30"/>
+                </a:solidFill>
+                <a:latin typeface="+mn-lt"/>
+              </a:defRPr>
+            </a:lvl7pPr>
+            <a:lvl8pPr marL="3352800" indent="-228600" algn="l" rtl="0" fontAlgn="base">
+              <a:spcBef>
+                <a:spcPct val="20000"/>
+              </a:spcBef>
+              <a:spcAft>
+                <a:spcPct val="0"/>
+              </a:spcAft>
+              <a:defRPr sz="1600">
+                <a:solidFill>
+                  <a:srgbClr val="006C30"/>
+                </a:solidFill>
+                <a:latin typeface="+mn-lt"/>
+              </a:defRPr>
+            </a:lvl8pPr>
+            <a:lvl9pPr marL="3810000" indent="-228600" algn="l" rtl="0" fontAlgn="base">
+              <a:spcBef>
+                <a:spcPct val="20000"/>
+              </a:spcBef>
+              <a:spcAft>
+                <a:spcPct val="0"/>
+              </a:spcAft>
+              <a:defRPr sz="1600">
+                <a:solidFill>
+                  <a:srgbClr val="006C30"/>
+                </a:solidFill>
+                <a:latin typeface="+mn-lt"/>
+              </a:defRPr>
+            </a:lvl9pPr>
+          </a:lstStyle>
+          <a:p>
+            <a:pPr marL="0" lvl="0" indent="0"/>
+            <a:endParaRPr lang="de-DE" sz="2200" kern="0" dirty="0"/>
+          </a:p>
+        </p:txBody>
+      </p:sp>
+      <p:pic>
+        <p:nvPicPr>
+          <p:cNvPr id="3" name="Grafik 2" descr="Ein Bild, das Text, Karte enthält.&#10;&#10;Automatisch generierte Beschreibung">
+            <a:extLst>
+              <a:ext uri="{FF2B5EF4-FFF2-40B4-BE49-F238E27FC236}">
+                <a16:creationId xmlns:a16="http://schemas.microsoft.com/office/drawing/2014/main" id="{44407B43-001B-324D-A50F-7DFC04977A24}"/>
+              </a:ext>
+            </a:extLst>
+          </p:cNvPr>
+          <p:cNvPicPr>
+            <a:picLocks noChangeAspect="1"/>
+          </p:cNvPicPr>
+          <p:nvPr/>
+        </p:nvPicPr>
+        <p:blipFill>
+          <a:blip r:embed="rId2"/>
+          <a:stretch>
+            <a:fillRect/>
+          </a:stretch>
+        </p:blipFill>
+        <p:spPr>
+          <a:xfrm>
+            <a:off x="1496290" y="1488098"/>
+            <a:ext cx="6151418" cy="4689507"/>
+          </a:xfrm>
+          <a:prstGeom prst="rect">
+            <a:avLst/>
+          </a:prstGeom>
+        </p:spPr>
+      </p:pic>
+    </p:spTree>
+    <p:extLst>
+      <p:ext uri="{BB962C8B-B14F-4D97-AF65-F5344CB8AC3E}">
+        <p14:creationId xmlns:p14="http://schemas.microsoft.com/office/powerpoint/2010/main" val="2164406115"/>
       </p:ext>
     </p:extLst>
   </p:cSld>

--- a/CHILDREN/Zwischenkolloquien/2. Zwischentreffen Präsentation.pptx
+++ b/CHILDREN/Zwischenkolloquien/2. Zwischentreffen Präsentation.pptx
@@ -5,7 +5,7 @@
     <p:sldMasterId id="2147483724" r:id="rId1"/>
   </p:sldMasterIdLst>
   <p:notesMasterIdLst>
-    <p:notesMasterId r:id="rId20"/>
+    <p:notesMasterId r:id="rId23"/>
   </p:notesMasterIdLst>
   <p:sldIdLst>
     <p:sldId id="266" r:id="rId2"/>
@@ -13,19 +13,22 @@
     <p:sldId id="445" r:id="rId4"/>
     <p:sldId id="444" r:id="rId5"/>
     <p:sldId id="447" r:id="rId6"/>
-    <p:sldId id="448" r:id="rId7"/>
+    <p:sldId id="461" r:id="rId7"/>
     <p:sldId id="446" r:id="rId8"/>
-    <p:sldId id="450" r:id="rId9"/>
-    <p:sldId id="451" r:id="rId10"/>
-    <p:sldId id="452" r:id="rId11"/>
-    <p:sldId id="453" r:id="rId12"/>
-    <p:sldId id="454" r:id="rId13"/>
-    <p:sldId id="455" r:id="rId14"/>
-    <p:sldId id="460" r:id="rId15"/>
-    <p:sldId id="456" r:id="rId16"/>
-    <p:sldId id="459" r:id="rId17"/>
-    <p:sldId id="457" r:id="rId18"/>
-    <p:sldId id="458" r:id="rId19"/>
+    <p:sldId id="449" r:id="rId9"/>
+    <p:sldId id="462" r:id="rId10"/>
+    <p:sldId id="463" r:id="rId11"/>
+    <p:sldId id="450" r:id="rId12"/>
+    <p:sldId id="451" r:id="rId13"/>
+    <p:sldId id="452" r:id="rId14"/>
+    <p:sldId id="453" r:id="rId15"/>
+    <p:sldId id="454" r:id="rId16"/>
+    <p:sldId id="455" r:id="rId17"/>
+    <p:sldId id="460" r:id="rId18"/>
+    <p:sldId id="456" r:id="rId19"/>
+    <p:sldId id="459" r:id="rId20"/>
+    <p:sldId id="457" r:id="rId21"/>
+    <p:sldId id="458" r:id="rId22"/>
   </p:sldIdLst>
   <p:sldSz cx="9144000" cy="6858000" type="screen4x3"/>
   <p:notesSz cx="6662738" cy="9866313"/>
@@ -281,7 +284,7 @@
           <a:p>
             <a:fld id="{5CD3B52D-4AE8-4F20-9361-9A887E295763}" type="datetimeFigureOut">
               <a:rPr lang="de-DE" smtClean="0"/>
-              <a:t>24.01.20</a:t>
+              <a:t>26.01.2020</a:t>
             </a:fld>
             <a:endParaRPr lang="de-DE"/>
           </a:p>
@@ -1745,7 +1748,7 @@
               <a:pPr>
                 <a:defRPr/>
               </a:pPr>
-              <a:t>24.01.20</a:t>
+              <a:t>26.01.2020</a:t>
             </a:fld>
             <a:endParaRPr lang="de-DE"/>
           </a:p>
@@ -1966,7 +1969,7 @@
               <a:pPr>
                 <a:defRPr/>
               </a:pPr>
-              <a:t>24.01.20</a:t>
+              <a:t>26.01.2020</a:t>
             </a:fld>
             <a:endParaRPr lang="de-DE"/>
           </a:p>
@@ -2439,7 +2442,7 @@
               <a:pPr>
                 <a:defRPr/>
               </a:pPr>
-              <a:t>24.01.20</a:t>
+              <a:t>26.01.2020</a:t>
             </a:fld>
             <a:endParaRPr lang="de-DE"/>
           </a:p>
@@ -2767,7 +2770,7 @@
               <a:pPr>
                 <a:defRPr/>
               </a:pPr>
-              <a:t>24.01.20</a:t>
+              <a:t>26.01.2020</a:t>
             </a:fld>
             <a:endParaRPr lang="de-DE"/>
           </a:p>
@@ -3234,7 +3237,7 @@
               <a:pPr>
                 <a:defRPr/>
               </a:pPr>
-              <a:t>24.01.20</a:t>
+              <a:t>26.01.2020</a:t>
             </a:fld>
             <a:endParaRPr lang="de-DE"/>
           </a:p>
@@ -3394,7 +3397,7 @@
               <a:pPr>
                 <a:defRPr/>
               </a:pPr>
-              <a:t>24.01.20</a:t>
+              <a:t>26.01.2020</a:t>
             </a:fld>
             <a:endParaRPr lang="de-DE"/>
           </a:p>
@@ -3532,7 +3535,7 @@
               <a:pPr>
                 <a:defRPr/>
               </a:pPr>
-              <a:t>24.01.20</a:t>
+              <a:t>26.01.2020</a:t>
             </a:fld>
             <a:endParaRPr lang="de-DE"/>
           </a:p>
@@ -3850,7 +3853,7 @@
               <a:pPr>
                 <a:defRPr/>
               </a:pPr>
-              <a:t>24.01.20</a:t>
+              <a:t>26.01.2020</a:t>
             </a:fld>
             <a:endParaRPr lang="de-DE"/>
           </a:p>
@@ -4146,7 +4149,7 @@
               <a:pPr>
                 <a:defRPr/>
               </a:pPr>
-              <a:t>24.01.20</a:t>
+              <a:t>26.01.2020</a:t>
             </a:fld>
             <a:endParaRPr lang="de-DE"/>
           </a:p>
@@ -4384,7 +4387,7 @@
               <a:pPr>
                 <a:defRPr/>
               </a:pPr>
-              <a:t>24.01.20</a:t>
+              <a:t>26.01.2020</a:t>
             </a:fld>
             <a:endParaRPr lang="de-DE"/>
           </a:p>
@@ -5333,12 +5336,12 @@
           <a:bodyPr/>
           <a:lstStyle/>
           <a:p>
-            <a:pPr lvl="0">
+            <a:pPr>
               <a:defRPr/>
             </a:pPr>
             <a:r>
-              <a:rPr lang="de-DE" altLang="de-DE" dirty="0"/>
-              <a:t>27.01.2020</a:t>
+              <a:rPr lang="de-DE" dirty="0"/>
+              <a:t>09.12.2019</a:t>
             </a:r>
           </a:p>
         </p:txBody>
@@ -5376,7 +5379,7 @@
                   <a:srgbClr val="006229"/>
                 </a:solidFill>
               </a:rPr>
-              <a:t>4. Treatment-</a:t>
+              <a:t>3. </a:t>
             </a:r>
             <a:r>
               <a:rPr lang="en-US" altLang="de-DE" sz="2400" b="1" dirty="0" err="1">
@@ -5384,7 +5387,7 @@
                   <a:srgbClr val="006229"/>
                 </a:solidFill>
               </a:rPr>
-              <a:t>Analyse</a:t>
+              <a:t>Regressionsmodell</a:t>
             </a:r>
             <a:r>
               <a:rPr lang="en-US" altLang="de-DE" sz="2400" b="1" dirty="0">
@@ -5392,7 +5395,7 @@
                   <a:srgbClr val="006229"/>
                 </a:solidFill>
               </a:rPr>
-              <a:t>: </a:t>
+              <a:t> </a:t>
             </a:r>
             <a:r>
               <a:rPr lang="en-US" altLang="de-DE" sz="2400" b="1" dirty="0" err="1">
@@ -5400,7 +5403,7 @@
                   <a:srgbClr val="006229"/>
                 </a:solidFill>
               </a:rPr>
-              <a:t>Entdeckerfonds</a:t>
+              <a:t>Chancengleichheit</a:t>
             </a:r>
             <a:endParaRPr lang="de-DE" altLang="de-DE" sz="2400" b="1" dirty="0">
               <a:solidFill>
@@ -5426,8 +5429,8 @@
         </p:nvSpPr>
         <p:spPr bwMode="auto">
           <a:xfrm>
-            <a:off x="791902" y="1535069"/>
-            <a:ext cx="7560195" cy="4574784"/>
+            <a:off x="800099" y="1362044"/>
+            <a:ext cx="7445375" cy="4953031"/>
           </a:xfrm>
           <a:prstGeom prst="rect">
             <a:avLst/>
@@ -5614,45 +5617,98 @@
             </a:lvl9pPr>
           </a:lstStyle>
           <a:p>
-            <a:pPr marL="0" lvl="0" indent="0"/>
+            <a:pPr eaLnBrk="1" hangingPunct="1">
+              <a:spcAft>
+                <a:spcPts val="1200"/>
+              </a:spcAft>
+              <a:buClrTx/>
+              <a:buFont typeface="Arial" panose="020B0604020202020204" pitchFamily="34" charset="0"/>
+              <a:buChar char="•"/>
+              <a:defRPr/>
+            </a:pPr>
+            <a:r>
+              <a:rPr lang="de-DE" sz="2200" kern="0" dirty="0"/>
+              <a:t>Erweitertes Modell Chancengleichheit mit Outcome …… </a:t>
+            </a:r>
+          </a:p>
+          <a:p>
+            <a:pPr eaLnBrk="1" hangingPunct="1">
+              <a:spcAft>
+                <a:spcPts val="1200"/>
+              </a:spcAft>
+              <a:buClrTx/>
+              <a:buFont typeface="Arial" panose="020B0604020202020204" pitchFamily="34" charset="0"/>
+              <a:buChar char="•"/>
+              <a:defRPr/>
+            </a:pPr>
+            <a:endParaRPr lang="de-DE" sz="2200" kern="0" dirty="0"/>
+          </a:p>
+          <a:p>
+            <a:pPr marL="0" indent="0" eaLnBrk="1" hangingPunct="1">
+              <a:spcAft>
+                <a:spcPts val="1200"/>
+              </a:spcAft>
+              <a:buClrTx/>
+              <a:defRPr/>
+            </a:pPr>
+            <a:endParaRPr lang="de-DE" sz="2200" kern="0" dirty="0"/>
+          </a:p>
+          <a:p>
+            <a:pPr marL="0" indent="0" eaLnBrk="1" hangingPunct="1">
+              <a:spcAft>
+                <a:spcPts val="1200"/>
+              </a:spcAft>
+              <a:buClrTx/>
+              <a:defRPr/>
+            </a:pPr>
+            <a:endParaRPr lang="de-DE" sz="2200" kern="0" dirty="0"/>
+          </a:p>
+          <a:p>
+            <a:pPr marL="0" indent="0" eaLnBrk="1" hangingPunct="1">
+              <a:spcAft>
+                <a:spcPts val="1200"/>
+              </a:spcAft>
+              <a:buClrTx/>
+              <a:defRPr/>
+            </a:pPr>
+            <a:endParaRPr lang="de-DE" sz="2200" kern="0" dirty="0"/>
+          </a:p>
+          <a:p>
+            <a:pPr marL="0" indent="0" eaLnBrk="1" hangingPunct="1">
+              <a:spcAft>
+                <a:spcPts val="1200"/>
+              </a:spcAft>
+              <a:buClrTx/>
+              <a:defRPr/>
+            </a:pPr>
+            <a:endParaRPr lang="de-DE" sz="2200" kern="0" dirty="0"/>
+          </a:p>
+          <a:p>
+            <a:pPr marL="0" indent="0" eaLnBrk="1" hangingPunct="1">
+              <a:spcAft>
+                <a:spcPts val="1200"/>
+              </a:spcAft>
+              <a:buClrTx/>
+              <a:defRPr/>
+            </a:pPr>
+            <a:endParaRPr lang="de-DE" sz="2200" kern="0" dirty="0"/>
+          </a:p>
+          <a:p>
+            <a:pPr marL="0" indent="0" eaLnBrk="1" hangingPunct="1">
+              <a:spcAft>
+                <a:spcPts val="1200"/>
+              </a:spcAft>
+              <a:buClrTx/>
+              <a:defRPr/>
+            </a:pPr>
             <a:endParaRPr lang="de-DE" sz="2200" kern="0" dirty="0"/>
           </a:p>
         </p:txBody>
       </p:sp>
-      <p:pic>
-        <p:nvPicPr>
-          <p:cNvPr id="6" name="Grafik 5" descr="Ein Bild, das Text, Karte enthält.&#10;&#10;Automatisch generierte Beschreibung">
-            <a:extLst>
-              <a:ext uri="{FF2B5EF4-FFF2-40B4-BE49-F238E27FC236}">
-                <a16:creationId xmlns:a16="http://schemas.microsoft.com/office/drawing/2014/main" id="{C28E9EEB-786F-E64B-A83C-D0AAF5687E79}"/>
-              </a:ext>
-            </a:extLst>
-          </p:cNvPr>
-          <p:cNvPicPr>
-            <a:picLocks noChangeAspect="1"/>
-          </p:cNvPicPr>
-          <p:nvPr/>
-        </p:nvPicPr>
-        <p:blipFill>
-          <a:blip r:embed="rId2"/>
-          <a:stretch>
-            <a:fillRect/>
-          </a:stretch>
-        </p:blipFill>
-        <p:spPr>
-          <a:xfrm>
-            <a:off x="1391037" y="1405342"/>
-            <a:ext cx="6361926" cy="4849986"/>
-          </a:xfrm>
-          <a:prstGeom prst="rect">
-            <a:avLst/>
-          </a:prstGeom>
-        </p:spPr>
-      </p:pic>
     </p:spTree>
     <p:extLst>
       <p:ext uri="{BB962C8B-B14F-4D97-AF65-F5344CB8AC3E}">
-        <p14:creationId xmlns:p14="http://schemas.microsoft.com/office/powerpoint/2010/main" val="3919638868"/>
+        <p14:creationId xmlns:p14="http://schemas.microsoft.com/office/powerpoint/2010/main" val="783688715"/>
       </p:ext>
     </p:extLst>
   </p:cSld>
@@ -6023,45 +6079,62 @@
             </a:lvl9pPr>
           </a:lstStyle>
           <a:p>
+            <a:pPr marL="0" indent="0" eaLnBrk="1" hangingPunct="1">
+              <a:spcAft>
+                <a:spcPts val="1200"/>
+              </a:spcAft>
+              <a:buClrTx/>
+              <a:defRPr/>
+            </a:pPr>
+            <a:r>
+              <a:rPr lang="de-DE" sz="2200" kern="0" dirty="0"/>
+              <a:t>Idee: </a:t>
+            </a:r>
+          </a:p>
+          <a:p>
+            <a:pPr lvl="0">
+              <a:buFontTx/>
+              <a:buChar char="-"/>
+            </a:pPr>
+            <a:r>
+              <a:rPr lang="de-DE" sz="2200" dirty="0"/>
+              <a:t>Treatmentgruppe: Einrichtungen mit Mittagstisch und Entdeckerfonds</a:t>
+            </a:r>
+          </a:p>
+          <a:p>
+            <a:pPr lvl="0">
+              <a:buFontTx/>
+              <a:buChar char="-"/>
+            </a:pPr>
+            <a:r>
+              <a:rPr lang="de-DE" sz="2200" kern="0" dirty="0"/>
+              <a:t>Kontrollgruppe: Einrichtungen mit Mittagstisch, aber ohne Entdeckerfonds</a:t>
+            </a:r>
+          </a:p>
+          <a:p>
             <a:pPr marL="0" lvl="0" indent="0"/>
             <a:endParaRPr lang="de-DE" sz="2200" kern="0" dirty="0"/>
           </a:p>
+          <a:p>
+            <a:pPr lvl="0">
+              <a:buFontTx/>
+              <a:buChar char="-"/>
+            </a:pPr>
+            <a:r>
+              <a:rPr lang="de-DE" sz="2200" kern="0" dirty="0"/>
+              <a:t>Hypothese: Die Teilnahme einer Einrichtung am Entdeckerfonds beeinflusst die Alltagskompetenzen und das Selbstwertgefühl der Kinder</a:t>
+            </a:r>
+          </a:p>
+          <a:p>
+            <a:pPr marL="0" lvl="0" indent="0"/>
+            <a:endParaRPr lang="de-DE" sz="2200" kern="0" dirty="0"/>
+          </a:p>
         </p:txBody>
       </p:sp>
-      <p:pic>
-        <p:nvPicPr>
-          <p:cNvPr id="3" name="Grafik 2" descr="Ein Bild, das Text enthält.&#10;&#10;Automatisch generierte Beschreibung">
-            <a:extLst>
-              <a:ext uri="{FF2B5EF4-FFF2-40B4-BE49-F238E27FC236}">
-                <a16:creationId xmlns:a16="http://schemas.microsoft.com/office/drawing/2014/main" id="{0EE589CC-33E0-CF45-B6B4-A680CBF42C12}"/>
-              </a:ext>
-            </a:extLst>
-          </p:cNvPr>
-          <p:cNvPicPr>
-            <a:picLocks noChangeAspect="1"/>
-          </p:cNvPicPr>
-          <p:nvPr/>
-        </p:nvPicPr>
-        <p:blipFill>
-          <a:blip r:embed="rId2"/>
-          <a:stretch>
-            <a:fillRect/>
-          </a:stretch>
-        </p:blipFill>
-        <p:spPr>
-          <a:xfrm>
-            <a:off x="1476122" y="1454726"/>
-            <a:ext cx="6191756" cy="4720258"/>
-          </a:xfrm>
-          <a:prstGeom prst="rect">
-            <a:avLst/>
-          </a:prstGeom>
-        </p:spPr>
-      </p:pic>
     </p:spTree>
     <p:extLst>
       <p:ext uri="{BB962C8B-B14F-4D97-AF65-F5344CB8AC3E}">
-        <p14:creationId xmlns:p14="http://schemas.microsoft.com/office/powerpoint/2010/main" val="50961484"/>
+        <p14:creationId xmlns:p14="http://schemas.microsoft.com/office/powerpoint/2010/main" val="2469696528"/>
       </p:ext>
     </p:extLst>
   </p:cSld>
@@ -6433,68 +6506,44 @@
           </a:lstStyle>
           <a:p>
             <a:pPr marL="0" lvl="0" indent="0"/>
-            <a:r>
-              <a:rPr lang="de-DE" sz="2200" kern="0" dirty="0"/>
-              <a:t>Anpassung der Treatment- und Kontrollgruppe:</a:t>
-            </a:r>
-          </a:p>
-          <a:p>
-            <a:pPr lvl="0">
-              <a:buFontTx/>
-              <a:buChar char="-"/>
-            </a:pPr>
-            <a:r>
-              <a:rPr lang="de-DE" sz="2200" kern="0" dirty="0"/>
-              <a:t>Problem: Die Zusammensetzung der Treatment- und Kontrollgruppe verändert sich über die Zeit</a:t>
-            </a:r>
-          </a:p>
-          <a:p>
-            <a:pPr lvl="0">
-              <a:buFont typeface="Wingdings" pitchFamily="2" charset="2"/>
-              <a:buChar char="à"/>
-            </a:pPr>
-            <a:r>
-              <a:rPr lang="de-DE" sz="2200" kern="0" dirty="0"/>
-              <a:t>Alle Einrichtungen, die im Beobachtungszeitraum von der Kontroll- in die Treatment gewechselt sind, wurden entfernt</a:t>
-            </a:r>
-          </a:p>
-          <a:p>
-            <a:pPr lvl="0">
-              <a:buFont typeface="Wingdings" pitchFamily="2" charset="2"/>
-              <a:buChar char="à"/>
-            </a:pPr>
-            <a:r>
-              <a:rPr lang="de-DE" sz="2200" kern="0" dirty="0"/>
-              <a:t>Modifizierte Kontrollgruppe: Einrichtungen, die nie am Entdeckerfonds teilgenommen haben</a:t>
-            </a:r>
-          </a:p>
-          <a:p>
-            <a:pPr lvl="0">
-              <a:buFontTx/>
-              <a:buChar char="-"/>
-            </a:pPr>
-            <a:r>
-              <a:rPr lang="de-DE" sz="2200" kern="0" dirty="0"/>
-              <a:t>Empirische Methode: Difference-in-Differences Estimator</a:t>
-            </a:r>
-          </a:p>
-          <a:p>
-            <a:pPr lvl="0">
-              <a:buFontTx/>
-              <a:buChar char="-"/>
-            </a:pPr>
-            <a:endParaRPr lang="de-DE" sz="2200" kern="0" dirty="0"/>
-          </a:p>
-          <a:p>
-            <a:pPr marL="0" lvl="0" indent="0"/>
             <a:endParaRPr lang="de-DE" sz="2200" kern="0" dirty="0"/>
           </a:p>
         </p:txBody>
       </p:sp>
+      <p:pic>
+        <p:nvPicPr>
+          <p:cNvPr id="3" name="Grafik 2" descr="Ein Bild, das Text, Karte enthält.&#10;&#10;Automatisch generierte Beschreibung">
+            <a:extLst>
+              <a:ext uri="{FF2B5EF4-FFF2-40B4-BE49-F238E27FC236}">
+                <a16:creationId xmlns:a16="http://schemas.microsoft.com/office/drawing/2014/main" id="{44407B43-001B-324D-A50F-7DFC04977A24}"/>
+              </a:ext>
+            </a:extLst>
+          </p:cNvPr>
+          <p:cNvPicPr>
+            <a:picLocks noChangeAspect="1"/>
+          </p:cNvPicPr>
+          <p:nvPr/>
+        </p:nvPicPr>
+        <p:blipFill>
+          <a:blip r:embed="rId2"/>
+          <a:stretch>
+            <a:fillRect/>
+          </a:stretch>
+        </p:blipFill>
+        <p:spPr>
+          <a:xfrm>
+            <a:off x="1496290" y="1488098"/>
+            <a:ext cx="6151418" cy="4689507"/>
+          </a:xfrm>
+          <a:prstGeom prst="rect">
+            <a:avLst/>
+          </a:prstGeom>
+        </p:spPr>
+      </p:pic>
     </p:spTree>
     <p:extLst>
       <p:ext uri="{BB962C8B-B14F-4D97-AF65-F5344CB8AC3E}">
-        <p14:creationId xmlns:p14="http://schemas.microsoft.com/office/powerpoint/2010/main" val="2457234382"/>
+        <p14:creationId xmlns:p14="http://schemas.microsoft.com/office/powerpoint/2010/main" val="2164406115"/>
       </p:ext>
     </p:extLst>
   </p:cSld>
@@ -6872,10 +6921,10 @@
       </p:sp>
       <p:pic>
         <p:nvPicPr>
-          <p:cNvPr id="3" name="Grafik 2" descr="Ein Bild, das Text, Karte enthält.&#10;&#10;Automatisch generierte Beschreibung">
+          <p:cNvPr id="6" name="Grafik 5" descr="Ein Bild, das Text, Karte enthält.&#10;&#10;Automatisch generierte Beschreibung">
             <a:extLst>
               <a:ext uri="{FF2B5EF4-FFF2-40B4-BE49-F238E27FC236}">
-                <a16:creationId xmlns:a16="http://schemas.microsoft.com/office/drawing/2014/main" id="{F2FB4CB6-B1E6-8E49-A3C5-4921D0199041}"/>
+                <a16:creationId xmlns:a16="http://schemas.microsoft.com/office/drawing/2014/main" id="{C28E9EEB-786F-E64B-A83C-D0AAF5687E79}"/>
               </a:ext>
             </a:extLst>
           </p:cNvPr>
@@ -6892,8 +6941,8 @@
         </p:blipFill>
         <p:spPr>
           <a:xfrm>
-            <a:off x="1298862" y="1407152"/>
-            <a:ext cx="6336519" cy="4830618"/>
+            <a:off x="1391037" y="1405342"/>
+            <a:ext cx="6361926" cy="4849986"/>
           </a:xfrm>
           <a:prstGeom prst="rect">
             <a:avLst/>
@@ -6903,7 +6952,7 @@
     </p:spTree>
     <p:extLst>
       <p:ext uri="{BB962C8B-B14F-4D97-AF65-F5344CB8AC3E}">
-        <p14:creationId xmlns:p14="http://schemas.microsoft.com/office/powerpoint/2010/main" val="2065808548"/>
+        <p14:creationId xmlns:p14="http://schemas.microsoft.com/office/powerpoint/2010/main" val="3919638868"/>
       </p:ext>
     </p:extLst>
   </p:cSld>
@@ -7281,10 +7330,10 @@
       </p:sp>
       <p:pic>
         <p:nvPicPr>
-          <p:cNvPr id="6" name="Grafik 5">
+          <p:cNvPr id="3" name="Grafik 2" descr="Ein Bild, das Text enthält.&#10;&#10;Automatisch generierte Beschreibung">
             <a:extLst>
               <a:ext uri="{FF2B5EF4-FFF2-40B4-BE49-F238E27FC236}">
-                <a16:creationId xmlns:a16="http://schemas.microsoft.com/office/drawing/2014/main" id="{9D8B1038-5B1D-7F45-8118-3ABE80089397}"/>
+                <a16:creationId xmlns:a16="http://schemas.microsoft.com/office/drawing/2014/main" id="{0EE589CC-33E0-CF45-B6B4-A680CBF42C12}"/>
               </a:ext>
             </a:extLst>
           </p:cNvPr>
@@ -7301,8 +7350,8 @@
         </p:blipFill>
         <p:spPr>
           <a:xfrm>
-            <a:off x="1625600" y="1650761"/>
-            <a:ext cx="5892800" cy="4343400"/>
+            <a:off x="1476122" y="1454726"/>
+            <a:ext cx="6191756" cy="4720258"/>
           </a:xfrm>
           <a:prstGeom prst="rect">
             <a:avLst/>
@@ -7312,7 +7361,7 @@
     </p:spTree>
     <p:extLst>
       <p:ext uri="{BB962C8B-B14F-4D97-AF65-F5344CB8AC3E}">
-        <p14:creationId xmlns:p14="http://schemas.microsoft.com/office/powerpoint/2010/main" val="1870853812"/>
+        <p14:creationId xmlns:p14="http://schemas.microsoft.com/office/powerpoint/2010/main" val="50961484"/>
       </p:ext>
     </p:extLst>
   </p:cSld>
@@ -7684,44 +7733,68 @@
           </a:lstStyle>
           <a:p>
             <a:pPr marL="0" lvl="0" indent="0"/>
+            <a:r>
+              <a:rPr lang="de-DE" sz="2200" kern="0" dirty="0"/>
+              <a:t>Anpassung der Treatment- und Kontrollgruppe:</a:t>
+            </a:r>
+          </a:p>
+          <a:p>
+            <a:pPr lvl="0">
+              <a:buFontTx/>
+              <a:buChar char="-"/>
+            </a:pPr>
+            <a:r>
+              <a:rPr lang="de-DE" sz="2200" kern="0" dirty="0"/>
+              <a:t>Problem: Die Zusammensetzung der Treatment- und Kontrollgruppe verändert sich über die Zeit</a:t>
+            </a:r>
+          </a:p>
+          <a:p>
+            <a:pPr lvl="0">
+              <a:buFont typeface="Wingdings" pitchFamily="2" charset="2"/>
+              <a:buChar char="à"/>
+            </a:pPr>
+            <a:r>
+              <a:rPr lang="de-DE" sz="2200" kern="0" dirty="0"/>
+              <a:t>Alle Einrichtungen, die im Beobachtungszeitraum von der Kontroll- in die Treatment gewechselt sind, wurden entfernt</a:t>
+            </a:r>
+          </a:p>
+          <a:p>
+            <a:pPr lvl="0">
+              <a:buFont typeface="Wingdings" pitchFamily="2" charset="2"/>
+              <a:buChar char="à"/>
+            </a:pPr>
+            <a:r>
+              <a:rPr lang="de-DE" sz="2200" kern="0" dirty="0"/>
+              <a:t>Modifizierte Kontrollgruppe: Einrichtungen, die nie am Entdeckerfonds teilgenommen haben</a:t>
+            </a:r>
+          </a:p>
+          <a:p>
+            <a:pPr lvl="0">
+              <a:buFontTx/>
+              <a:buChar char="-"/>
+            </a:pPr>
+            <a:r>
+              <a:rPr lang="de-DE" sz="2200" kern="0" dirty="0"/>
+              <a:t>Empirische Methode: Difference-in-Differences Estimator</a:t>
+            </a:r>
+          </a:p>
+          <a:p>
+            <a:pPr lvl="0">
+              <a:buFontTx/>
+              <a:buChar char="-"/>
+            </a:pPr>
+            <a:endParaRPr lang="de-DE" sz="2200" kern="0" dirty="0"/>
+          </a:p>
+          <a:p>
+            <a:pPr marL="0" lvl="0" indent="0"/>
             <a:endParaRPr lang="de-DE" sz="2200" kern="0" dirty="0"/>
           </a:p>
         </p:txBody>
       </p:sp>
-      <p:pic>
-        <p:nvPicPr>
-          <p:cNvPr id="3" name="Grafik 2">
-            <a:extLst>
-              <a:ext uri="{FF2B5EF4-FFF2-40B4-BE49-F238E27FC236}">
-                <a16:creationId xmlns:a16="http://schemas.microsoft.com/office/drawing/2014/main" id="{90115504-46E0-024F-A3C0-6444CC18C5F7}"/>
-              </a:ext>
-            </a:extLst>
-          </p:cNvPr>
-          <p:cNvPicPr>
-            <a:picLocks noChangeAspect="1"/>
-          </p:cNvPicPr>
-          <p:nvPr/>
-        </p:nvPicPr>
-        <p:blipFill>
-          <a:blip r:embed="rId2"/>
-          <a:stretch>
-            <a:fillRect/>
-          </a:stretch>
-        </p:blipFill>
-        <p:spPr>
-          <a:xfrm>
-            <a:off x="1375897" y="1395167"/>
-            <a:ext cx="6392205" cy="4873070"/>
-          </a:xfrm>
-          <a:prstGeom prst="rect">
-            <a:avLst/>
-          </a:prstGeom>
-        </p:spPr>
-      </p:pic>
     </p:spTree>
     <p:extLst>
       <p:ext uri="{BB962C8B-B14F-4D97-AF65-F5344CB8AC3E}">
-        <p14:creationId xmlns:p14="http://schemas.microsoft.com/office/powerpoint/2010/main" val="4195781747"/>
+        <p14:creationId xmlns:p14="http://schemas.microsoft.com/office/powerpoint/2010/main" val="2457234382"/>
       </p:ext>
     </p:extLst>
   </p:cSld>
@@ -8099,10 +8172,10 @@
       </p:sp>
       <p:pic>
         <p:nvPicPr>
-          <p:cNvPr id="6" name="Grafik 5">
+          <p:cNvPr id="3" name="Grafik 2" descr="Ein Bild, das Text, Karte enthält.&#10;&#10;Automatisch generierte Beschreibung">
             <a:extLst>
               <a:ext uri="{FF2B5EF4-FFF2-40B4-BE49-F238E27FC236}">
-                <a16:creationId xmlns:a16="http://schemas.microsoft.com/office/drawing/2014/main" id="{29FAA5F3-7370-CE4C-A0C6-CD0F18481D04}"/>
+                <a16:creationId xmlns:a16="http://schemas.microsoft.com/office/drawing/2014/main" id="{F2FB4CB6-B1E6-8E49-A3C5-4921D0199041}"/>
               </a:ext>
             </a:extLst>
           </p:cNvPr>
@@ -8119,8 +8192,8 @@
         </p:blipFill>
         <p:spPr>
           <a:xfrm>
-            <a:off x="1321675" y="1344590"/>
-            <a:ext cx="6500648" cy="4955741"/>
+            <a:off x="1298862" y="1407152"/>
+            <a:ext cx="6336519" cy="4830618"/>
           </a:xfrm>
           <a:prstGeom prst="rect">
             <a:avLst/>
@@ -8130,7 +8203,7 @@
     </p:spTree>
     <p:extLst>
       <p:ext uri="{BB962C8B-B14F-4D97-AF65-F5344CB8AC3E}">
-        <p14:creationId xmlns:p14="http://schemas.microsoft.com/office/powerpoint/2010/main" val="4207841650"/>
+        <p14:creationId xmlns:p14="http://schemas.microsoft.com/office/powerpoint/2010/main" val="2065808548"/>
       </p:ext>
     </p:extLst>
   </p:cSld>
@@ -8508,10 +8581,10 @@
       </p:sp>
       <p:pic>
         <p:nvPicPr>
-          <p:cNvPr id="3" name="Grafik 2">
+          <p:cNvPr id="6" name="Grafik 5">
             <a:extLst>
               <a:ext uri="{FF2B5EF4-FFF2-40B4-BE49-F238E27FC236}">
-                <a16:creationId xmlns:a16="http://schemas.microsoft.com/office/drawing/2014/main" id="{401F5076-7D27-934E-BF92-9E12808E51B9}"/>
+                <a16:creationId xmlns:a16="http://schemas.microsoft.com/office/drawing/2014/main" id="{9D8B1038-5B1D-7F45-8118-3ABE80089397}"/>
               </a:ext>
             </a:extLst>
           </p:cNvPr>
@@ -8528,8 +8601,8 @@
         </p:blipFill>
         <p:spPr>
           <a:xfrm>
-            <a:off x="1524347" y="1535069"/>
-            <a:ext cx="6095305" cy="4574784"/>
+            <a:off x="1625600" y="1650761"/>
+            <a:ext cx="5892800" cy="4343400"/>
           </a:xfrm>
           <a:prstGeom prst="rect">
             <a:avLst/>
@@ -8539,7 +8612,7 @@
     </p:spTree>
     <p:extLst>
       <p:ext uri="{BB962C8B-B14F-4D97-AF65-F5344CB8AC3E}">
-        <p14:creationId xmlns:p14="http://schemas.microsoft.com/office/powerpoint/2010/main" val="1036548402"/>
+        <p14:creationId xmlns:p14="http://schemas.microsoft.com/office/powerpoint/2010/main" val="1870853812"/>
       </p:ext>
     </p:extLst>
   </p:cSld>
@@ -8911,41 +8984,453 @@
           </a:lstStyle>
           <a:p>
             <a:pPr marL="0" lvl="0" indent="0"/>
-            <a:r>
-              <a:rPr lang="de-DE" sz="2200" kern="0" dirty="0"/>
-              <a:t>Weiteres Vorgehen:</a:t>
-            </a:r>
-          </a:p>
-          <a:p>
-            <a:pPr marL="0" lvl="0" indent="0"/>
             <a:endParaRPr lang="de-DE" sz="2200" kern="0" dirty="0"/>
-          </a:p>
-          <a:p>
-            <a:pPr lvl="0">
-              <a:buFontTx/>
-              <a:buChar char="-"/>
-            </a:pPr>
-            <a:r>
-              <a:rPr lang="de-DE" sz="2200" kern="0" dirty="0"/>
-              <a:t>Treatment-Intensity-Analysis</a:t>
-            </a:r>
-          </a:p>
-          <a:p>
-            <a:pPr lvl="0">
-              <a:buFontTx/>
-              <a:buChar char="-"/>
-            </a:pPr>
-            <a:r>
-              <a:rPr lang="de-DE" sz="2200" kern="0" dirty="0"/>
-              <a:t>Zeit-varianter Treatment-Effekt</a:t>
-            </a:r>
           </a:p>
         </p:txBody>
       </p:sp>
+      <p:pic>
+        <p:nvPicPr>
+          <p:cNvPr id="3" name="Grafik 2">
+            <a:extLst>
+              <a:ext uri="{FF2B5EF4-FFF2-40B4-BE49-F238E27FC236}">
+                <a16:creationId xmlns:a16="http://schemas.microsoft.com/office/drawing/2014/main" id="{90115504-46E0-024F-A3C0-6444CC18C5F7}"/>
+              </a:ext>
+            </a:extLst>
+          </p:cNvPr>
+          <p:cNvPicPr>
+            <a:picLocks noChangeAspect="1"/>
+          </p:cNvPicPr>
+          <p:nvPr/>
+        </p:nvPicPr>
+        <p:blipFill>
+          <a:blip r:embed="rId2"/>
+          <a:stretch>
+            <a:fillRect/>
+          </a:stretch>
+        </p:blipFill>
+        <p:spPr>
+          <a:xfrm>
+            <a:off x="1375897" y="1395167"/>
+            <a:ext cx="6392205" cy="4873070"/>
+          </a:xfrm>
+          <a:prstGeom prst="rect">
+            <a:avLst/>
+          </a:prstGeom>
+        </p:spPr>
+      </p:pic>
     </p:spTree>
     <p:extLst>
       <p:ext uri="{BB962C8B-B14F-4D97-AF65-F5344CB8AC3E}">
-        <p14:creationId xmlns:p14="http://schemas.microsoft.com/office/powerpoint/2010/main" val="1272444547"/>
+        <p14:creationId xmlns:p14="http://schemas.microsoft.com/office/powerpoint/2010/main" val="4195781747"/>
+      </p:ext>
+    </p:extLst>
+  </p:cSld>
+  <p:clrMapOvr>
+    <a:masterClrMapping/>
+  </p:clrMapOvr>
+  <p:transition spd="med">
+    <p:fade/>
+  </p:transition>
+</p:sld>
+</file>
+
+<file path=ppt/slides/slide19.xml><?xml version="1.0" encoding="utf-8"?>
+<p:sld xmlns:a="http://schemas.openxmlformats.org/drawingml/2006/main" xmlns:r="http://schemas.openxmlformats.org/officeDocument/2006/relationships" xmlns:p="http://schemas.openxmlformats.org/presentationml/2006/main">
+  <p:cSld>
+    <p:spTree>
+      <p:nvGrpSpPr>
+        <p:cNvPr id="1" name=""/>
+        <p:cNvGrpSpPr/>
+        <p:nvPr/>
+      </p:nvGrpSpPr>
+      <p:grpSpPr>
+        <a:xfrm>
+          <a:off x="0" y="0"/>
+          <a:ext cx="0" cy="0"/>
+          <a:chOff x="0" y="0"/>
+          <a:chExt cx="0" cy="0"/>
+        </a:xfrm>
+      </p:grpSpPr>
+      <p:sp>
+        <p:nvSpPr>
+          <p:cNvPr id="4" name="Foliennummernplatzhalter 3">
+            <a:extLst>
+              <a:ext uri="{FF2B5EF4-FFF2-40B4-BE49-F238E27FC236}">
+                <a16:creationId xmlns:a16="http://schemas.microsoft.com/office/drawing/2014/main" id="{67A2795B-758A-6E48-9F84-286DE6C07FB2}"/>
+              </a:ext>
+            </a:extLst>
+          </p:cNvPr>
+          <p:cNvSpPr>
+            <a:spLocks noGrp="1"/>
+          </p:cNvSpPr>
+          <p:nvPr>
+            <p:ph type="sldNum" sz="quarter" idx="10"/>
+          </p:nvPr>
+        </p:nvSpPr>
+        <p:spPr/>
+        <p:txBody>
+          <a:bodyPr/>
+          <a:lstStyle/>
+          <a:p>
+            <a:pPr>
+              <a:defRPr/>
+            </a:pPr>
+            <a:r>
+              <a:rPr lang="de-DE"/>
+              <a:t># </a:t>
+            </a:r>
+            <a:fld id="{13E65572-ACAF-4AE3-9CF9-738FD15A433F}" type="slidenum">
+              <a:rPr lang="de-DE" smtClean="0"/>
+              <a:pPr>
+                <a:defRPr/>
+              </a:pPr>
+              <a:t>19</a:t>
+            </a:fld>
+            <a:endParaRPr lang="de-DE"/>
+          </a:p>
+        </p:txBody>
+      </p:sp>
+      <p:sp>
+        <p:nvSpPr>
+          <p:cNvPr id="5" name="Datumsplatzhalter 4">
+            <a:extLst>
+              <a:ext uri="{FF2B5EF4-FFF2-40B4-BE49-F238E27FC236}">
+                <a16:creationId xmlns:a16="http://schemas.microsoft.com/office/drawing/2014/main" id="{51344ECB-40B4-994F-9587-C6D4E87497AE}"/>
+              </a:ext>
+            </a:extLst>
+          </p:cNvPr>
+          <p:cNvSpPr>
+            <a:spLocks noGrp="1"/>
+          </p:cNvSpPr>
+          <p:nvPr>
+            <p:ph type="dt" sz="half" idx="11"/>
+          </p:nvPr>
+        </p:nvSpPr>
+        <p:spPr/>
+        <p:txBody>
+          <a:bodyPr/>
+          <a:lstStyle/>
+          <a:p>
+            <a:pPr lvl="0">
+              <a:defRPr/>
+            </a:pPr>
+            <a:r>
+              <a:rPr lang="de-DE" altLang="de-DE" dirty="0"/>
+              <a:t>27.01.2020</a:t>
+            </a:r>
+          </a:p>
+        </p:txBody>
+      </p:sp>
+      <p:sp>
+        <p:nvSpPr>
+          <p:cNvPr id="7" name="Rectangle 2">
+            <a:extLst>
+              <a:ext uri="{FF2B5EF4-FFF2-40B4-BE49-F238E27FC236}">
+                <a16:creationId xmlns:a16="http://schemas.microsoft.com/office/drawing/2014/main" id="{5CA85E95-336B-504C-A3D2-3F9C51AFC2CF}"/>
+              </a:ext>
+            </a:extLst>
+          </p:cNvPr>
+          <p:cNvSpPr>
+            <a:spLocks noGrp="1" noChangeArrowheads="1"/>
+          </p:cNvSpPr>
+          <p:nvPr>
+            <p:ph type="title"/>
+          </p:nvPr>
+        </p:nvSpPr>
+        <p:spPr>
+          <a:xfrm>
+            <a:off x="2078038" y="398446"/>
+            <a:ext cx="3941762" cy="457200"/>
+          </a:xfrm>
+        </p:spPr>
+        <p:txBody>
+          <a:bodyPr/>
+          <a:lstStyle/>
+          <a:p>
+            <a:pPr eaLnBrk="1" hangingPunct="1"/>
+            <a:r>
+              <a:rPr lang="en-US" altLang="de-DE" sz="2400" b="1" dirty="0">
+                <a:solidFill>
+                  <a:srgbClr val="006229"/>
+                </a:solidFill>
+              </a:rPr>
+              <a:t>4. Treatment-</a:t>
+            </a:r>
+            <a:r>
+              <a:rPr lang="en-US" altLang="de-DE" sz="2400" b="1" dirty="0" err="1">
+                <a:solidFill>
+                  <a:srgbClr val="006229"/>
+                </a:solidFill>
+              </a:rPr>
+              <a:t>Analyse</a:t>
+            </a:r>
+            <a:r>
+              <a:rPr lang="en-US" altLang="de-DE" sz="2400" b="1" dirty="0">
+                <a:solidFill>
+                  <a:srgbClr val="006229"/>
+                </a:solidFill>
+              </a:rPr>
+              <a:t>: </a:t>
+            </a:r>
+            <a:r>
+              <a:rPr lang="en-US" altLang="de-DE" sz="2400" b="1" dirty="0" err="1">
+                <a:solidFill>
+                  <a:srgbClr val="006229"/>
+                </a:solidFill>
+              </a:rPr>
+              <a:t>Entdeckerfonds</a:t>
+            </a:r>
+            <a:endParaRPr lang="de-DE" altLang="de-DE" sz="2400" b="1" dirty="0">
+              <a:solidFill>
+                <a:srgbClr val="006229"/>
+              </a:solidFill>
+            </a:endParaRPr>
+          </a:p>
+        </p:txBody>
+      </p:sp>
+      <p:sp>
+        <p:nvSpPr>
+          <p:cNvPr id="11" name="Rectangle 3">
+            <a:extLst>
+              <a:ext uri="{FF2B5EF4-FFF2-40B4-BE49-F238E27FC236}">
+                <a16:creationId xmlns:a16="http://schemas.microsoft.com/office/drawing/2014/main" id="{39E3DFAA-C637-F541-8F52-B49E7D67E82D}"/>
+              </a:ext>
+            </a:extLst>
+          </p:cNvPr>
+          <p:cNvSpPr txBox="1">
+            <a:spLocks noChangeArrowheads="1"/>
+          </p:cNvSpPr>
+          <p:nvPr/>
+        </p:nvSpPr>
+        <p:spPr bwMode="auto">
+          <a:xfrm>
+            <a:off x="791902" y="1535069"/>
+            <a:ext cx="7560195" cy="4574784"/>
+          </a:xfrm>
+          <a:prstGeom prst="rect">
+            <a:avLst/>
+          </a:prstGeom>
+          <a:noFill/>
+          <a:ln>
+            <a:noFill/>
+          </a:ln>
+          <a:extLst>
+            <a:ext uri="{909E8E84-426E-40DD-AFC4-6F175D3DCCD1}">
+              <a14:hiddenFill xmlns:a14="http://schemas.microsoft.com/office/drawing/2010/main">
+                <a:solidFill>
+                  <a:srgbClr val="FFFFFF"/>
+                </a:solidFill>
+              </a14:hiddenFill>
+            </a:ext>
+            <a:ext uri="{91240B29-F687-4F45-9708-019B960494DF}">
+              <a14:hiddenLine xmlns:a14="http://schemas.microsoft.com/office/drawing/2010/main" w="9525">
+                <a:solidFill>
+                  <a:srgbClr val="000000"/>
+                </a:solidFill>
+                <a:miter lim="800000"/>
+                <a:headEnd/>
+                <a:tailEnd/>
+              </a14:hiddenLine>
+            </a:ext>
+          </a:extLst>
+        </p:spPr>
+        <p:txBody>
+          <a:bodyPr vert="horz" wrap="square" lIns="91440" tIns="45720" rIns="91440" bIns="45720" numCol="1" anchor="t" anchorCtr="0" compatLnSpc="1">
+            <a:prstTxWarp prst="textNoShape">
+              <a:avLst/>
+            </a:prstTxWarp>
+          </a:bodyPr>
+          <a:lstStyle>
+            <a:lvl1pPr marL="342900" indent="-342900" algn="l" rtl="0" eaLnBrk="0" fontAlgn="base" hangingPunct="0">
+              <a:spcBef>
+                <a:spcPct val="20000"/>
+              </a:spcBef>
+              <a:spcAft>
+                <a:spcPct val="0"/>
+              </a:spcAft>
+              <a:buClr>
+                <a:srgbClr val="009900"/>
+              </a:buClr>
+              <a:buFont typeface="Wingdings" pitchFamily="2" charset="2"/>
+              <a:defRPr sz="2400">
+                <a:solidFill>
+                  <a:srgbClr val="006C30"/>
+                </a:solidFill>
+                <a:latin typeface="+mn-lt"/>
+                <a:ea typeface="+mn-ea"/>
+                <a:cs typeface="+mn-cs"/>
+              </a:defRPr>
+            </a:lvl1pPr>
+            <a:lvl2pPr marL="742950" indent="-285750" algn="l" rtl="0" eaLnBrk="0" fontAlgn="base" hangingPunct="0">
+              <a:lnSpc>
+                <a:spcPct val="140000"/>
+              </a:lnSpc>
+              <a:spcBef>
+                <a:spcPct val="20000"/>
+              </a:spcBef>
+              <a:spcAft>
+                <a:spcPct val="0"/>
+              </a:spcAft>
+              <a:buClr>
+                <a:srgbClr val="006600"/>
+              </a:buClr>
+              <a:buFont typeface="Times" pitchFamily="-44" charset="0"/>
+              <a:buChar char="•"/>
+              <a:defRPr sz="1600">
+                <a:solidFill>
+                  <a:srgbClr val="006C30"/>
+                </a:solidFill>
+                <a:latin typeface="+mn-lt"/>
+              </a:defRPr>
+            </a:lvl2pPr>
+            <a:lvl3pPr marL="1143000" indent="-228600" algn="l" rtl="0" eaLnBrk="0" fontAlgn="base" hangingPunct="0">
+              <a:spcBef>
+                <a:spcPct val="20000"/>
+              </a:spcBef>
+              <a:spcAft>
+                <a:spcPct val="0"/>
+              </a:spcAft>
+              <a:buClr>
+                <a:srgbClr val="006600"/>
+              </a:buClr>
+              <a:buFont typeface="LMU CompatilFact" pitchFamily="2" charset="0"/>
+              <a:buChar char="–"/>
+              <a:defRPr sz="1600">
+                <a:solidFill>
+                  <a:srgbClr val="006C30"/>
+                </a:solidFill>
+                <a:latin typeface="+mn-lt"/>
+              </a:defRPr>
+            </a:lvl3pPr>
+            <a:lvl4pPr marL="1562100" indent="-228600" algn="l" rtl="0" eaLnBrk="0" fontAlgn="base" hangingPunct="0">
+              <a:spcBef>
+                <a:spcPct val="20000"/>
+              </a:spcBef>
+              <a:spcAft>
+                <a:spcPct val="0"/>
+              </a:spcAft>
+              <a:buClr>
+                <a:srgbClr val="006600"/>
+              </a:buClr>
+              <a:buChar char="-"/>
+              <a:defRPr sz="1600">
+                <a:solidFill>
+                  <a:srgbClr val="006C30"/>
+                </a:solidFill>
+                <a:latin typeface="+mn-lt"/>
+              </a:defRPr>
+            </a:lvl4pPr>
+            <a:lvl5pPr marL="1981200" indent="-228600" algn="l" rtl="0" eaLnBrk="0" fontAlgn="base" hangingPunct="0">
+              <a:spcBef>
+                <a:spcPct val="20000"/>
+              </a:spcBef>
+              <a:spcAft>
+                <a:spcPct val="0"/>
+              </a:spcAft>
+              <a:defRPr sz="1600">
+                <a:solidFill>
+                  <a:srgbClr val="006C30"/>
+                </a:solidFill>
+                <a:latin typeface="+mn-lt"/>
+              </a:defRPr>
+            </a:lvl5pPr>
+            <a:lvl6pPr marL="2438400" indent="-228600" algn="l" rtl="0" fontAlgn="base">
+              <a:spcBef>
+                <a:spcPct val="20000"/>
+              </a:spcBef>
+              <a:spcAft>
+                <a:spcPct val="0"/>
+              </a:spcAft>
+              <a:defRPr sz="1600">
+                <a:solidFill>
+                  <a:srgbClr val="006C30"/>
+                </a:solidFill>
+                <a:latin typeface="+mn-lt"/>
+              </a:defRPr>
+            </a:lvl6pPr>
+            <a:lvl7pPr marL="2895600" indent="-228600" algn="l" rtl="0" fontAlgn="base">
+              <a:spcBef>
+                <a:spcPct val="20000"/>
+              </a:spcBef>
+              <a:spcAft>
+                <a:spcPct val="0"/>
+              </a:spcAft>
+              <a:defRPr sz="1600">
+                <a:solidFill>
+                  <a:srgbClr val="006C30"/>
+                </a:solidFill>
+                <a:latin typeface="+mn-lt"/>
+              </a:defRPr>
+            </a:lvl7pPr>
+            <a:lvl8pPr marL="3352800" indent="-228600" algn="l" rtl="0" fontAlgn="base">
+              <a:spcBef>
+                <a:spcPct val="20000"/>
+              </a:spcBef>
+              <a:spcAft>
+                <a:spcPct val="0"/>
+              </a:spcAft>
+              <a:defRPr sz="1600">
+                <a:solidFill>
+                  <a:srgbClr val="006C30"/>
+                </a:solidFill>
+                <a:latin typeface="+mn-lt"/>
+              </a:defRPr>
+            </a:lvl8pPr>
+            <a:lvl9pPr marL="3810000" indent="-228600" algn="l" rtl="0" fontAlgn="base">
+              <a:spcBef>
+                <a:spcPct val="20000"/>
+              </a:spcBef>
+              <a:spcAft>
+                <a:spcPct val="0"/>
+              </a:spcAft>
+              <a:defRPr sz="1600">
+                <a:solidFill>
+                  <a:srgbClr val="006C30"/>
+                </a:solidFill>
+                <a:latin typeface="+mn-lt"/>
+              </a:defRPr>
+            </a:lvl9pPr>
+          </a:lstStyle>
+          <a:p>
+            <a:pPr marL="0" lvl="0" indent="0"/>
+            <a:endParaRPr lang="de-DE" sz="2200" kern="0" dirty="0"/>
+          </a:p>
+        </p:txBody>
+      </p:sp>
+      <p:pic>
+        <p:nvPicPr>
+          <p:cNvPr id="6" name="Grafik 5">
+            <a:extLst>
+              <a:ext uri="{FF2B5EF4-FFF2-40B4-BE49-F238E27FC236}">
+                <a16:creationId xmlns:a16="http://schemas.microsoft.com/office/drawing/2014/main" id="{29FAA5F3-7370-CE4C-A0C6-CD0F18481D04}"/>
+              </a:ext>
+            </a:extLst>
+          </p:cNvPr>
+          <p:cNvPicPr>
+            <a:picLocks noChangeAspect="1"/>
+          </p:cNvPicPr>
+          <p:nvPr/>
+        </p:nvPicPr>
+        <p:blipFill>
+          <a:blip r:embed="rId2"/>
+          <a:stretch>
+            <a:fillRect/>
+          </a:stretch>
+        </p:blipFill>
+        <p:spPr>
+          <a:xfrm>
+            <a:off x="1321675" y="1344590"/>
+            <a:ext cx="6500648" cy="4955741"/>
+          </a:xfrm>
+          <a:prstGeom prst="rect">
+            <a:avLst/>
+          </a:prstGeom>
+        </p:spPr>
+      </p:pic>
+    </p:spTree>
+    <p:extLst>
+      <p:ext uri="{BB962C8B-B14F-4D97-AF65-F5344CB8AC3E}">
+        <p14:creationId xmlns:p14="http://schemas.microsoft.com/office/powerpoint/2010/main" val="4207841650"/>
       </p:ext>
     </p:extLst>
   </p:cSld>
@@ -9522,7 +10007,7 @@
               <a:t> der </a:t>
             </a:r>
             <a:r>
-              <a:rPr lang="en-US" sz="2200" dirty="0" err="1">
+              <a:rPr lang="en-US" sz="2200" b="1" dirty="0" err="1">
                 <a:solidFill>
                   <a:schemeClr val="tx1"/>
                 </a:solidFill>
@@ -9530,7 +10015,7 @@
               <a:t>realen</a:t>
             </a:r>
             <a:r>
-              <a:rPr lang="en-US" sz="2200" dirty="0">
+              <a:rPr lang="en-US" sz="2200" b="1" dirty="0">
                 <a:solidFill>
                   <a:schemeClr val="tx1"/>
                 </a:solidFill>
@@ -9538,15 +10023,15 @@
               <a:t> </a:t>
             </a:r>
             <a:r>
-              <a:rPr lang="en-US" sz="2200" dirty="0" err="1">
+              <a:rPr lang="en-US" sz="2200" b="1" dirty="0" err="1">
                 <a:solidFill>
                   <a:schemeClr val="tx1"/>
                 </a:solidFill>
               </a:rPr>
-              <a:t>Fördersummenpreise</a:t>
-            </a:r>
-            <a:r>
-              <a:rPr lang="en-US" sz="2200" dirty="0">
+              <a:t>Fördersummen</a:t>
+            </a:r>
+            <a:r>
+              <a:rPr lang="en-US" sz="2200" b="1" dirty="0">
                 <a:solidFill>
                   <a:schemeClr val="tx1"/>
                 </a:solidFill>
@@ -9567,7 +10052,7 @@
                   <a:schemeClr val="tx1"/>
                 </a:solidFill>
               </a:rPr>
-              <a:t> das </a:t>
+              <a:t> den </a:t>
             </a:r>
             <a:r>
               <a:rPr lang="en-US" sz="2200" dirty="0" err="1">
@@ -9575,7 +10060,7 @@
                   <a:schemeClr val="tx1"/>
                 </a:solidFill>
               </a:rPr>
-              <a:t>Mittagstischprojekt</a:t>
+              <a:t>Mittagstisch</a:t>
             </a:r>
             <a:r>
               <a:rPr lang="en-US" sz="2200" dirty="0">
@@ -9583,7 +10068,23 @@
                   <a:schemeClr val="tx1"/>
                 </a:solidFill>
               </a:rPr>
-              <a:t> und den </a:t>
+              <a:t> und </a:t>
+            </a:r>
+            <a:r>
+              <a:rPr lang="en-US" sz="2200" dirty="0" err="1">
+                <a:solidFill>
+                  <a:schemeClr val="tx1"/>
+                </a:solidFill>
+              </a:rPr>
+              <a:t>für</a:t>
+            </a:r>
+            <a:r>
+              <a:rPr lang="en-US" sz="2200" dirty="0">
+                <a:solidFill>
+                  <a:schemeClr val="tx1"/>
+                </a:solidFill>
+              </a:rPr>
+              <a:t> den </a:t>
             </a:r>
             <a:r>
               <a:rPr lang="en-US" sz="2200" dirty="0" err="1">
@@ -9601,115 +10102,6 @@
               </a:rPr>
               <a:t> </a:t>
             </a:r>
-            <a:r>
-              <a:rPr lang="en-US" sz="2200" dirty="0" err="1">
-                <a:solidFill>
-                  <a:schemeClr val="tx1"/>
-                </a:solidFill>
-              </a:rPr>
-              <a:t>als</a:t>
-            </a:r>
-            <a:r>
-              <a:rPr lang="en-US" sz="2200" dirty="0">
-                <a:solidFill>
-                  <a:schemeClr val="tx1"/>
-                </a:solidFill>
-              </a:rPr>
-              <a:t> </a:t>
-            </a:r>
-            <a:r>
-              <a:rPr lang="en-US" sz="2200" dirty="0" err="1">
-                <a:solidFill>
-                  <a:schemeClr val="tx1"/>
-                </a:solidFill>
-              </a:rPr>
-              <a:t>auch</a:t>
-            </a:r>
-            <a:r>
-              <a:rPr lang="en-US" sz="2200" dirty="0">
-                <a:solidFill>
-                  <a:schemeClr val="tx1"/>
-                </a:solidFill>
-              </a:rPr>
-              <a:t> </a:t>
-            </a:r>
-            <a:r>
-              <a:rPr lang="en-US" sz="2200" dirty="0" err="1">
-                <a:solidFill>
-                  <a:schemeClr val="tx1"/>
-                </a:solidFill>
-              </a:rPr>
-              <a:t>für</a:t>
-            </a:r>
-            <a:r>
-              <a:rPr lang="en-US" sz="2200" dirty="0">
-                <a:solidFill>
-                  <a:schemeClr val="tx1"/>
-                </a:solidFill>
-              </a:rPr>
-              <a:t> das </a:t>
-            </a:r>
-            <a:r>
-              <a:rPr lang="en-US" sz="2200" dirty="0" err="1">
-                <a:solidFill>
-                  <a:schemeClr val="tx1"/>
-                </a:solidFill>
-              </a:rPr>
-              <a:t>Einrichtungsbudget</a:t>
-            </a:r>
-            <a:r>
-              <a:rPr lang="en-US" sz="2200" dirty="0">
-                <a:solidFill>
-                  <a:schemeClr val="tx1"/>
-                </a:solidFill>
-              </a:rPr>
-              <a:t> – </a:t>
-            </a:r>
-            <a:r>
-              <a:rPr lang="en-US" sz="2200" dirty="0" err="1">
-                <a:solidFill>
-                  <a:schemeClr val="tx1"/>
-                </a:solidFill>
-              </a:rPr>
-              <a:t>Zusammenfügen</a:t>
-            </a:r>
-            <a:r>
-              <a:rPr lang="en-US" sz="2200" dirty="0">
-                <a:solidFill>
-                  <a:schemeClr val="tx1"/>
-                </a:solidFill>
-              </a:rPr>
-              <a:t> </a:t>
-            </a:r>
-            <a:r>
-              <a:rPr lang="en-US" sz="2200" dirty="0" err="1">
-                <a:solidFill>
-                  <a:schemeClr val="tx1"/>
-                </a:solidFill>
-              </a:rPr>
-              <a:t>mit</a:t>
-            </a:r>
-            <a:r>
-              <a:rPr lang="en-US" sz="2200" dirty="0">
-                <a:solidFill>
-                  <a:schemeClr val="tx1"/>
-                </a:solidFill>
-              </a:rPr>
-              <a:t> der </a:t>
-            </a:r>
-            <a:r>
-              <a:rPr lang="en-US" sz="2200" dirty="0" err="1">
-                <a:solidFill>
-                  <a:schemeClr val="tx1"/>
-                </a:solidFill>
-              </a:rPr>
-              <a:t>Wirkunsdatentabelle</a:t>
-            </a:r>
-            <a:endParaRPr lang="en-US" sz="2200" dirty="0">
-              <a:solidFill>
-                <a:schemeClr val="tx1"/>
-              </a:solidFill>
-            </a:endParaRPr>
           </a:p>
           <a:p>
             <a:pPr eaLnBrk="1" hangingPunct="1">
@@ -9722,7 +10114,7 @@
               <a:defRPr/>
             </a:pPr>
             <a:r>
-              <a:rPr lang="en-US" sz="2200" dirty="0" err="1">
+              <a:rPr lang="en-US" sz="2200" b="1" dirty="0" err="1">
                 <a:solidFill>
                   <a:schemeClr val="tx1"/>
                 </a:solidFill>
@@ -9730,7 +10122,7 @@
               <a:t>Erstellen</a:t>
             </a:r>
             <a:r>
-              <a:rPr lang="en-US" sz="2200" dirty="0">
+              <a:rPr lang="en-US" sz="2200" b="1" dirty="0">
                 <a:solidFill>
                   <a:schemeClr val="tx1"/>
                 </a:solidFill>
@@ -9738,7 +10130,7 @@
               <a:t> </a:t>
             </a:r>
             <a:r>
-              <a:rPr lang="en-US" sz="2200" dirty="0" err="1">
+              <a:rPr lang="en-US" sz="2200" b="1" dirty="0" err="1">
                 <a:solidFill>
                   <a:schemeClr val="tx1"/>
                 </a:solidFill>
@@ -9746,7 +10138,7 @@
               <a:t>neuer</a:t>
             </a:r>
             <a:r>
-              <a:rPr lang="en-US" sz="2200" dirty="0">
+              <a:rPr lang="en-US" sz="2200" b="1" dirty="0">
                 <a:solidFill>
                   <a:schemeClr val="tx1"/>
                 </a:solidFill>
@@ -9754,7 +10146,7 @@
               <a:t> </a:t>
             </a:r>
             <a:r>
-              <a:rPr lang="en-US" sz="2200" dirty="0" err="1">
+              <a:rPr lang="en-US" sz="2200" b="1" dirty="0" err="1">
                 <a:solidFill>
                   <a:schemeClr val="tx1"/>
                 </a:solidFill>
@@ -9762,7 +10154,7 @@
               <a:t>Variablen</a:t>
             </a:r>
             <a:r>
-              <a:rPr lang="en-US" sz="2200" dirty="0">
+              <a:rPr lang="en-US" sz="2200" b="1" dirty="0">
                 <a:solidFill>
                   <a:schemeClr val="tx1"/>
                 </a:solidFill>
@@ -9770,7 +10162,7 @@
               <a:t>, die von Interesse sein </a:t>
             </a:r>
             <a:r>
-              <a:rPr lang="en-US" sz="2200" dirty="0" err="1">
+              <a:rPr lang="en-US" sz="2200" b="1" dirty="0" err="1">
                 <a:solidFill>
                   <a:schemeClr val="tx1"/>
                 </a:solidFill>
@@ -9778,7 +10170,7 @@
               <a:t>könnten</a:t>
             </a:r>
             <a:r>
-              <a:rPr lang="en-US" sz="2200" dirty="0">
+              <a:rPr lang="en-US" sz="2200" b="1" dirty="0">
                 <a:solidFill>
                   <a:schemeClr val="tx1"/>
                 </a:solidFill>
@@ -9986,6 +10378,125 @@
               <a:buClrTx/>
               <a:buFont typeface="Arial" panose="020B0604020202020204" pitchFamily="34" charset="0"/>
               <a:buChar char="•"/>
+              <a:defRPr/>
+            </a:pPr>
+            <a:r>
+              <a:rPr lang="en-US" sz="2200" b="1" dirty="0" err="1">
+                <a:solidFill>
+                  <a:schemeClr val="tx1"/>
+                </a:solidFill>
+              </a:rPr>
+              <a:t>Woran</a:t>
+            </a:r>
+            <a:r>
+              <a:rPr lang="en-US" sz="2200" b="1" dirty="0">
+                <a:solidFill>
+                  <a:schemeClr val="tx1"/>
+                </a:solidFill>
+              </a:rPr>
+              <a:t> </a:t>
+            </a:r>
+            <a:r>
+              <a:rPr lang="en-US" sz="2200" b="1" dirty="0" err="1">
+                <a:solidFill>
+                  <a:schemeClr val="tx1"/>
+                </a:solidFill>
+              </a:rPr>
+              <a:t>wir</a:t>
+            </a:r>
+            <a:r>
+              <a:rPr lang="en-US" sz="2200" b="1" dirty="0">
+                <a:solidFill>
+                  <a:schemeClr val="tx1"/>
+                </a:solidFill>
+              </a:rPr>
+              <a:t> </a:t>
+            </a:r>
+            <a:r>
+              <a:rPr lang="en-US" sz="2200" b="1" dirty="0" err="1">
+                <a:solidFill>
+                  <a:schemeClr val="tx1"/>
+                </a:solidFill>
+              </a:rPr>
+              <a:t>noch</a:t>
+            </a:r>
+            <a:r>
+              <a:rPr lang="en-US" sz="2200" b="1" dirty="0">
+                <a:solidFill>
+                  <a:schemeClr val="tx1"/>
+                </a:solidFill>
+              </a:rPr>
+              <a:t> </a:t>
+            </a:r>
+            <a:r>
+              <a:rPr lang="en-US" sz="2200" b="1" dirty="0" err="1">
+                <a:solidFill>
+                  <a:schemeClr val="tx1"/>
+                </a:solidFill>
+              </a:rPr>
+              <a:t>arbeiten</a:t>
+            </a:r>
+            <a:r>
+              <a:rPr lang="en-US" sz="2200" b="1" dirty="0">
+                <a:solidFill>
+                  <a:schemeClr val="tx1"/>
+                </a:solidFill>
+              </a:rPr>
+              <a:t>: </a:t>
+            </a:r>
+          </a:p>
+          <a:p>
+            <a:pPr lvl="1" eaLnBrk="1" hangingPunct="1">
+              <a:spcAft>
+                <a:spcPts val="1200"/>
+              </a:spcAft>
+              <a:buClrTx/>
+              <a:buFont typeface="Arial" panose="020B0604020202020204" pitchFamily="34" charset="0"/>
+              <a:buChar char="•"/>
+              <a:defRPr/>
+            </a:pPr>
+            <a:r>
+              <a:rPr lang="en-US" sz="1800" dirty="0" err="1">
+                <a:solidFill>
+                  <a:schemeClr val="tx1"/>
+                </a:solidFill>
+              </a:rPr>
+              <a:t>Korrelationsmatrizen</a:t>
+            </a:r>
+            <a:r>
+              <a:rPr lang="en-US" sz="1800" dirty="0">
+                <a:solidFill>
+                  <a:schemeClr val="tx1"/>
+                </a:solidFill>
+              </a:rPr>
+              <a:t> </a:t>
+            </a:r>
+          </a:p>
+          <a:p>
+            <a:pPr lvl="1" eaLnBrk="1" hangingPunct="1">
+              <a:spcAft>
+                <a:spcPts val="1200"/>
+              </a:spcAft>
+              <a:buClrTx/>
+              <a:buFont typeface="Arial" panose="020B0604020202020204" pitchFamily="34" charset="0"/>
+              <a:buChar char="•"/>
+              <a:defRPr/>
+            </a:pPr>
+            <a:r>
+              <a:rPr lang="en-US" sz="1800" dirty="0">
+                <a:solidFill>
+                  <a:schemeClr val="tx1"/>
+                </a:solidFill>
+              </a:rPr>
+              <a:t>Factor Analysis</a:t>
+            </a:r>
+          </a:p>
+          <a:p>
+            <a:pPr marL="0" indent="0" eaLnBrk="1" hangingPunct="1">
+              <a:spcAft>
+                <a:spcPts val="1200"/>
+              </a:spcAft>
+              <a:buClrTx/>
               <a:defRPr/>
             </a:pPr>
             <a:endParaRPr lang="en-US" sz="2200" dirty="0">
@@ -10018,6 +10529,821 @@
       </p:transition>
     </mc:Fallback>
   </mc:AlternateContent>
+</p:sld>
+</file>
+
+<file path=ppt/slides/slide20.xml><?xml version="1.0" encoding="utf-8"?>
+<p:sld xmlns:a="http://schemas.openxmlformats.org/drawingml/2006/main" xmlns:r="http://schemas.openxmlformats.org/officeDocument/2006/relationships" xmlns:p="http://schemas.openxmlformats.org/presentationml/2006/main">
+  <p:cSld>
+    <p:spTree>
+      <p:nvGrpSpPr>
+        <p:cNvPr id="1" name=""/>
+        <p:cNvGrpSpPr/>
+        <p:nvPr/>
+      </p:nvGrpSpPr>
+      <p:grpSpPr>
+        <a:xfrm>
+          <a:off x="0" y="0"/>
+          <a:ext cx="0" cy="0"/>
+          <a:chOff x="0" y="0"/>
+          <a:chExt cx="0" cy="0"/>
+        </a:xfrm>
+      </p:grpSpPr>
+      <p:sp>
+        <p:nvSpPr>
+          <p:cNvPr id="4" name="Foliennummernplatzhalter 3">
+            <a:extLst>
+              <a:ext uri="{FF2B5EF4-FFF2-40B4-BE49-F238E27FC236}">
+                <a16:creationId xmlns:a16="http://schemas.microsoft.com/office/drawing/2014/main" id="{67A2795B-758A-6E48-9F84-286DE6C07FB2}"/>
+              </a:ext>
+            </a:extLst>
+          </p:cNvPr>
+          <p:cNvSpPr>
+            <a:spLocks noGrp="1"/>
+          </p:cNvSpPr>
+          <p:nvPr>
+            <p:ph type="sldNum" sz="quarter" idx="10"/>
+          </p:nvPr>
+        </p:nvSpPr>
+        <p:spPr/>
+        <p:txBody>
+          <a:bodyPr/>
+          <a:lstStyle/>
+          <a:p>
+            <a:pPr>
+              <a:defRPr/>
+            </a:pPr>
+            <a:r>
+              <a:rPr lang="de-DE"/>
+              <a:t># </a:t>
+            </a:r>
+            <a:fld id="{13E65572-ACAF-4AE3-9CF9-738FD15A433F}" type="slidenum">
+              <a:rPr lang="de-DE" smtClean="0"/>
+              <a:pPr>
+                <a:defRPr/>
+              </a:pPr>
+              <a:t>20</a:t>
+            </a:fld>
+            <a:endParaRPr lang="de-DE"/>
+          </a:p>
+        </p:txBody>
+      </p:sp>
+      <p:sp>
+        <p:nvSpPr>
+          <p:cNvPr id="5" name="Datumsplatzhalter 4">
+            <a:extLst>
+              <a:ext uri="{FF2B5EF4-FFF2-40B4-BE49-F238E27FC236}">
+                <a16:creationId xmlns:a16="http://schemas.microsoft.com/office/drawing/2014/main" id="{51344ECB-40B4-994F-9587-C6D4E87497AE}"/>
+              </a:ext>
+            </a:extLst>
+          </p:cNvPr>
+          <p:cNvSpPr>
+            <a:spLocks noGrp="1"/>
+          </p:cNvSpPr>
+          <p:nvPr>
+            <p:ph type="dt" sz="half" idx="11"/>
+          </p:nvPr>
+        </p:nvSpPr>
+        <p:spPr/>
+        <p:txBody>
+          <a:bodyPr/>
+          <a:lstStyle/>
+          <a:p>
+            <a:pPr lvl="0">
+              <a:defRPr/>
+            </a:pPr>
+            <a:r>
+              <a:rPr lang="de-DE" altLang="de-DE" dirty="0"/>
+              <a:t>27.01.2020</a:t>
+            </a:r>
+          </a:p>
+        </p:txBody>
+      </p:sp>
+      <p:sp>
+        <p:nvSpPr>
+          <p:cNvPr id="7" name="Rectangle 2">
+            <a:extLst>
+              <a:ext uri="{FF2B5EF4-FFF2-40B4-BE49-F238E27FC236}">
+                <a16:creationId xmlns:a16="http://schemas.microsoft.com/office/drawing/2014/main" id="{5CA85E95-336B-504C-A3D2-3F9C51AFC2CF}"/>
+              </a:ext>
+            </a:extLst>
+          </p:cNvPr>
+          <p:cNvSpPr>
+            <a:spLocks noGrp="1" noChangeArrowheads="1"/>
+          </p:cNvSpPr>
+          <p:nvPr>
+            <p:ph type="title"/>
+          </p:nvPr>
+        </p:nvSpPr>
+        <p:spPr>
+          <a:xfrm>
+            <a:off x="2078038" y="398446"/>
+            <a:ext cx="3941762" cy="457200"/>
+          </a:xfrm>
+        </p:spPr>
+        <p:txBody>
+          <a:bodyPr/>
+          <a:lstStyle/>
+          <a:p>
+            <a:pPr eaLnBrk="1" hangingPunct="1"/>
+            <a:r>
+              <a:rPr lang="en-US" altLang="de-DE" sz="2400" b="1" dirty="0">
+                <a:solidFill>
+                  <a:srgbClr val="006229"/>
+                </a:solidFill>
+              </a:rPr>
+              <a:t>4. Treatment-</a:t>
+            </a:r>
+            <a:r>
+              <a:rPr lang="en-US" altLang="de-DE" sz="2400" b="1" dirty="0" err="1">
+                <a:solidFill>
+                  <a:srgbClr val="006229"/>
+                </a:solidFill>
+              </a:rPr>
+              <a:t>Analyse</a:t>
+            </a:r>
+            <a:r>
+              <a:rPr lang="en-US" altLang="de-DE" sz="2400" b="1" dirty="0">
+                <a:solidFill>
+                  <a:srgbClr val="006229"/>
+                </a:solidFill>
+              </a:rPr>
+              <a:t>: </a:t>
+            </a:r>
+            <a:r>
+              <a:rPr lang="en-US" altLang="de-DE" sz="2400" b="1" dirty="0" err="1">
+                <a:solidFill>
+                  <a:srgbClr val="006229"/>
+                </a:solidFill>
+              </a:rPr>
+              <a:t>Entdeckerfonds</a:t>
+            </a:r>
+            <a:endParaRPr lang="de-DE" altLang="de-DE" sz="2400" b="1" dirty="0">
+              <a:solidFill>
+                <a:srgbClr val="006229"/>
+              </a:solidFill>
+            </a:endParaRPr>
+          </a:p>
+        </p:txBody>
+      </p:sp>
+      <p:sp>
+        <p:nvSpPr>
+          <p:cNvPr id="11" name="Rectangle 3">
+            <a:extLst>
+              <a:ext uri="{FF2B5EF4-FFF2-40B4-BE49-F238E27FC236}">
+                <a16:creationId xmlns:a16="http://schemas.microsoft.com/office/drawing/2014/main" id="{39E3DFAA-C637-F541-8F52-B49E7D67E82D}"/>
+              </a:ext>
+            </a:extLst>
+          </p:cNvPr>
+          <p:cNvSpPr txBox="1">
+            <a:spLocks noChangeArrowheads="1"/>
+          </p:cNvSpPr>
+          <p:nvPr/>
+        </p:nvSpPr>
+        <p:spPr bwMode="auto">
+          <a:xfrm>
+            <a:off x="791902" y="1535069"/>
+            <a:ext cx="7560195" cy="4574784"/>
+          </a:xfrm>
+          <a:prstGeom prst="rect">
+            <a:avLst/>
+          </a:prstGeom>
+          <a:noFill/>
+          <a:ln>
+            <a:noFill/>
+          </a:ln>
+          <a:extLst>
+            <a:ext uri="{909E8E84-426E-40DD-AFC4-6F175D3DCCD1}">
+              <a14:hiddenFill xmlns:a14="http://schemas.microsoft.com/office/drawing/2010/main">
+                <a:solidFill>
+                  <a:srgbClr val="FFFFFF"/>
+                </a:solidFill>
+              </a14:hiddenFill>
+            </a:ext>
+            <a:ext uri="{91240B29-F687-4F45-9708-019B960494DF}">
+              <a14:hiddenLine xmlns:a14="http://schemas.microsoft.com/office/drawing/2010/main" w="9525">
+                <a:solidFill>
+                  <a:srgbClr val="000000"/>
+                </a:solidFill>
+                <a:miter lim="800000"/>
+                <a:headEnd/>
+                <a:tailEnd/>
+              </a14:hiddenLine>
+            </a:ext>
+          </a:extLst>
+        </p:spPr>
+        <p:txBody>
+          <a:bodyPr vert="horz" wrap="square" lIns="91440" tIns="45720" rIns="91440" bIns="45720" numCol="1" anchor="t" anchorCtr="0" compatLnSpc="1">
+            <a:prstTxWarp prst="textNoShape">
+              <a:avLst/>
+            </a:prstTxWarp>
+          </a:bodyPr>
+          <a:lstStyle>
+            <a:lvl1pPr marL="342900" indent="-342900" algn="l" rtl="0" eaLnBrk="0" fontAlgn="base" hangingPunct="0">
+              <a:spcBef>
+                <a:spcPct val="20000"/>
+              </a:spcBef>
+              <a:spcAft>
+                <a:spcPct val="0"/>
+              </a:spcAft>
+              <a:buClr>
+                <a:srgbClr val="009900"/>
+              </a:buClr>
+              <a:buFont typeface="Wingdings" pitchFamily="2" charset="2"/>
+              <a:defRPr sz="2400">
+                <a:solidFill>
+                  <a:srgbClr val="006C30"/>
+                </a:solidFill>
+                <a:latin typeface="+mn-lt"/>
+                <a:ea typeface="+mn-ea"/>
+                <a:cs typeface="+mn-cs"/>
+              </a:defRPr>
+            </a:lvl1pPr>
+            <a:lvl2pPr marL="742950" indent="-285750" algn="l" rtl="0" eaLnBrk="0" fontAlgn="base" hangingPunct="0">
+              <a:lnSpc>
+                <a:spcPct val="140000"/>
+              </a:lnSpc>
+              <a:spcBef>
+                <a:spcPct val="20000"/>
+              </a:spcBef>
+              <a:spcAft>
+                <a:spcPct val="0"/>
+              </a:spcAft>
+              <a:buClr>
+                <a:srgbClr val="006600"/>
+              </a:buClr>
+              <a:buFont typeface="Times" pitchFamily="-44" charset="0"/>
+              <a:buChar char="•"/>
+              <a:defRPr sz="1600">
+                <a:solidFill>
+                  <a:srgbClr val="006C30"/>
+                </a:solidFill>
+                <a:latin typeface="+mn-lt"/>
+              </a:defRPr>
+            </a:lvl2pPr>
+            <a:lvl3pPr marL="1143000" indent="-228600" algn="l" rtl="0" eaLnBrk="0" fontAlgn="base" hangingPunct="0">
+              <a:spcBef>
+                <a:spcPct val="20000"/>
+              </a:spcBef>
+              <a:spcAft>
+                <a:spcPct val="0"/>
+              </a:spcAft>
+              <a:buClr>
+                <a:srgbClr val="006600"/>
+              </a:buClr>
+              <a:buFont typeface="LMU CompatilFact" pitchFamily="2" charset="0"/>
+              <a:buChar char="–"/>
+              <a:defRPr sz="1600">
+                <a:solidFill>
+                  <a:srgbClr val="006C30"/>
+                </a:solidFill>
+                <a:latin typeface="+mn-lt"/>
+              </a:defRPr>
+            </a:lvl3pPr>
+            <a:lvl4pPr marL="1562100" indent="-228600" algn="l" rtl="0" eaLnBrk="0" fontAlgn="base" hangingPunct="0">
+              <a:spcBef>
+                <a:spcPct val="20000"/>
+              </a:spcBef>
+              <a:spcAft>
+                <a:spcPct val="0"/>
+              </a:spcAft>
+              <a:buClr>
+                <a:srgbClr val="006600"/>
+              </a:buClr>
+              <a:buChar char="-"/>
+              <a:defRPr sz="1600">
+                <a:solidFill>
+                  <a:srgbClr val="006C30"/>
+                </a:solidFill>
+                <a:latin typeface="+mn-lt"/>
+              </a:defRPr>
+            </a:lvl4pPr>
+            <a:lvl5pPr marL="1981200" indent="-228600" algn="l" rtl="0" eaLnBrk="0" fontAlgn="base" hangingPunct="0">
+              <a:spcBef>
+                <a:spcPct val="20000"/>
+              </a:spcBef>
+              <a:spcAft>
+                <a:spcPct val="0"/>
+              </a:spcAft>
+              <a:defRPr sz="1600">
+                <a:solidFill>
+                  <a:srgbClr val="006C30"/>
+                </a:solidFill>
+                <a:latin typeface="+mn-lt"/>
+              </a:defRPr>
+            </a:lvl5pPr>
+            <a:lvl6pPr marL="2438400" indent="-228600" algn="l" rtl="0" fontAlgn="base">
+              <a:spcBef>
+                <a:spcPct val="20000"/>
+              </a:spcBef>
+              <a:spcAft>
+                <a:spcPct val="0"/>
+              </a:spcAft>
+              <a:defRPr sz="1600">
+                <a:solidFill>
+                  <a:srgbClr val="006C30"/>
+                </a:solidFill>
+                <a:latin typeface="+mn-lt"/>
+              </a:defRPr>
+            </a:lvl6pPr>
+            <a:lvl7pPr marL="2895600" indent="-228600" algn="l" rtl="0" fontAlgn="base">
+              <a:spcBef>
+                <a:spcPct val="20000"/>
+              </a:spcBef>
+              <a:spcAft>
+                <a:spcPct val="0"/>
+              </a:spcAft>
+              <a:defRPr sz="1600">
+                <a:solidFill>
+                  <a:srgbClr val="006C30"/>
+                </a:solidFill>
+                <a:latin typeface="+mn-lt"/>
+              </a:defRPr>
+            </a:lvl7pPr>
+            <a:lvl8pPr marL="3352800" indent="-228600" algn="l" rtl="0" fontAlgn="base">
+              <a:spcBef>
+                <a:spcPct val="20000"/>
+              </a:spcBef>
+              <a:spcAft>
+                <a:spcPct val="0"/>
+              </a:spcAft>
+              <a:defRPr sz="1600">
+                <a:solidFill>
+                  <a:srgbClr val="006C30"/>
+                </a:solidFill>
+                <a:latin typeface="+mn-lt"/>
+              </a:defRPr>
+            </a:lvl8pPr>
+            <a:lvl9pPr marL="3810000" indent="-228600" algn="l" rtl="0" fontAlgn="base">
+              <a:spcBef>
+                <a:spcPct val="20000"/>
+              </a:spcBef>
+              <a:spcAft>
+                <a:spcPct val="0"/>
+              </a:spcAft>
+              <a:defRPr sz="1600">
+                <a:solidFill>
+                  <a:srgbClr val="006C30"/>
+                </a:solidFill>
+                <a:latin typeface="+mn-lt"/>
+              </a:defRPr>
+            </a:lvl9pPr>
+          </a:lstStyle>
+          <a:p>
+            <a:pPr marL="0" lvl="0" indent="0"/>
+            <a:endParaRPr lang="de-DE" sz="2200" kern="0" dirty="0"/>
+          </a:p>
+        </p:txBody>
+      </p:sp>
+      <p:pic>
+        <p:nvPicPr>
+          <p:cNvPr id="3" name="Grafik 2">
+            <a:extLst>
+              <a:ext uri="{FF2B5EF4-FFF2-40B4-BE49-F238E27FC236}">
+                <a16:creationId xmlns:a16="http://schemas.microsoft.com/office/drawing/2014/main" id="{401F5076-7D27-934E-BF92-9E12808E51B9}"/>
+              </a:ext>
+            </a:extLst>
+          </p:cNvPr>
+          <p:cNvPicPr>
+            <a:picLocks noChangeAspect="1"/>
+          </p:cNvPicPr>
+          <p:nvPr/>
+        </p:nvPicPr>
+        <p:blipFill>
+          <a:blip r:embed="rId2"/>
+          <a:stretch>
+            <a:fillRect/>
+          </a:stretch>
+        </p:blipFill>
+        <p:spPr>
+          <a:xfrm>
+            <a:off x="1524347" y="1535069"/>
+            <a:ext cx="6095305" cy="4574784"/>
+          </a:xfrm>
+          <a:prstGeom prst="rect">
+            <a:avLst/>
+          </a:prstGeom>
+        </p:spPr>
+      </p:pic>
+    </p:spTree>
+    <p:extLst>
+      <p:ext uri="{BB962C8B-B14F-4D97-AF65-F5344CB8AC3E}">
+        <p14:creationId xmlns:p14="http://schemas.microsoft.com/office/powerpoint/2010/main" val="1036548402"/>
+      </p:ext>
+    </p:extLst>
+  </p:cSld>
+  <p:clrMapOvr>
+    <a:masterClrMapping/>
+  </p:clrMapOvr>
+  <p:transition spd="med">
+    <p:fade/>
+  </p:transition>
+</p:sld>
+</file>
+
+<file path=ppt/slides/slide21.xml><?xml version="1.0" encoding="utf-8"?>
+<p:sld xmlns:a="http://schemas.openxmlformats.org/drawingml/2006/main" xmlns:r="http://schemas.openxmlformats.org/officeDocument/2006/relationships" xmlns:p="http://schemas.openxmlformats.org/presentationml/2006/main">
+  <p:cSld>
+    <p:spTree>
+      <p:nvGrpSpPr>
+        <p:cNvPr id="1" name=""/>
+        <p:cNvGrpSpPr/>
+        <p:nvPr/>
+      </p:nvGrpSpPr>
+      <p:grpSpPr>
+        <a:xfrm>
+          <a:off x="0" y="0"/>
+          <a:ext cx="0" cy="0"/>
+          <a:chOff x="0" y="0"/>
+          <a:chExt cx="0" cy="0"/>
+        </a:xfrm>
+      </p:grpSpPr>
+      <p:sp>
+        <p:nvSpPr>
+          <p:cNvPr id="4" name="Foliennummernplatzhalter 3">
+            <a:extLst>
+              <a:ext uri="{FF2B5EF4-FFF2-40B4-BE49-F238E27FC236}">
+                <a16:creationId xmlns:a16="http://schemas.microsoft.com/office/drawing/2014/main" id="{67A2795B-758A-6E48-9F84-286DE6C07FB2}"/>
+              </a:ext>
+            </a:extLst>
+          </p:cNvPr>
+          <p:cNvSpPr>
+            <a:spLocks noGrp="1"/>
+          </p:cNvSpPr>
+          <p:nvPr>
+            <p:ph type="sldNum" sz="quarter" idx="10"/>
+          </p:nvPr>
+        </p:nvSpPr>
+        <p:spPr/>
+        <p:txBody>
+          <a:bodyPr/>
+          <a:lstStyle/>
+          <a:p>
+            <a:pPr>
+              <a:defRPr/>
+            </a:pPr>
+            <a:r>
+              <a:rPr lang="de-DE"/>
+              <a:t># </a:t>
+            </a:r>
+            <a:fld id="{13E65572-ACAF-4AE3-9CF9-738FD15A433F}" type="slidenum">
+              <a:rPr lang="de-DE" smtClean="0"/>
+              <a:pPr>
+                <a:defRPr/>
+              </a:pPr>
+              <a:t>21</a:t>
+            </a:fld>
+            <a:endParaRPr lang="de-DE"/>
+          </a:p>
+        </p:txBody>
+      </p:sp>
+      <p:sp>
+        <p:nvSpPr>
+          <p:cNvPr id="5" name="Datumsplatzhalter 4">
+            <a:extLst>
+              <a:ext uri="{FF2B5EF4-FFF2-40B4-BE49-F238E27FC236}">
+                <a16:creationId xmlns:a16="http://schemas.microsoft.com/office/drawing/2014/main" id="{51344ECB-40B4-994F-9587-C6D4E87497AE}"/>
+              </a:ext>
+            </a:extLst>
+          </p:cNvPr>
+          <p:cNvSpPr>
+            <a:spLocks noGrp="1"/>
+          </p:cNvSpPr>
+          <p:nvPr>
+            <p:ph type="dt" sz="half" idx="11"/>
+          </p:nvPr>
+        </p:nvSpPr>
+        <p:spPr/>
+        <p:txBody>
+          <a:bodyPr/>
+          <a:lstStyle/>
+          <a:p>
+            <a:pPr lvl="0">
+              <a:defRPr/>
+            </a:pPr>
+            <a:r>
+              <a:rPr lang="de-DE" altLang="de-DE" dirty="0"/>
+              <a:t>27.01.2020</a:t>
+            </a:r>
+          </a:p>
+        </p:txBody>
+      </p:sp>
+      <p:sp>
+        <p:nvSpPr>
+          <p:cNvPr id="7" name="Rectangle 2">
+            <a:extLst>
+              <a:ext uri="{FF2B5EF4-FFF2-40B4-BE49-F238E27FC236}">
+                <a16:creationId xmlns:a16="http://schemas.microsoft.com/office/drawing/2014/main" id="{5CA85E95-336B-504C-A3D2-3F9C51AFC2CF}"/>
+              </a:ext>
+            </a:extLst>
+          </p:cNvPr>
+          <p:cNvSpPr>
+            <a:spLocks noGrp="1" noChangeArrowheads="1"/>
+          </p:cNvSpPr>
+          <p:nvPr>
+            <p:ph type="title"/>
+          </p:nvPr>
+        </p:nvSpPr>
+        <p:spPr>
+          <a:xfrm>
+            <a:off x="2078038" y="398446"/>
+            <a:ext cx="3941762" cy="457200"/>
+          </a:xfrm>
+        </p:spPr>
+        <p:txBody>
+          <a:bodyPr/>
+          <a:lstStyle/>
+          <a:p>
+            <a:pPr eaLnBrk="1" hangingPunct="1"/>
+            <a:r>
+              <a:rPr lang="en-US" altLang="de-DE" sz="2400" b="1" dirty="0">
+                <a:solidFill>
+                  <a:srgbClr val="006229"/>
+                </a:solidFill>
+              </a:rPr>
+              <a:t>4. Treatment-</a:t>
+            </a:r>
+            <a:r>
+              <a:rPr lang="en-US" altLang="de-DE" sz="2400" b="1" dirty="0" err="1">
+                <a:solidFill>
+                  <a:srgbClr val="006229"/>
+                </a:solidFill>
+              </a:rPr>
+              <a:t>Analyse</a:t>
+            </a:r>
+            <a:r>
+              <a:rPr lang="en-US" altLang="de-DE" sz="2400" b="1" dirty="0">
+                <a:solidFill>
+                  <a:srgbClr val="006229"/>
+                </a:solidFill>
+              </a:rPr>
+              <a:t>: </a:t>
+            </a:r>
+            <a:r>
+              <a:rPr lang="en-US" altLang="de-DE" sz="2400" b="1" dirty="0" err="1">
+                <a:solidFill>
+                  <a:srgbClr val="006229"/>
+                </a:solidFill>
+              </a:rPr>
+              <a:t>Entdeckerfonds</a:t>
+            </a:r>
+            <a:endParaRPr lang="de-DE" altLang="de-DE" sz="2400" b="1" dirty="0">
+              <a:solidFill>
+                <a:srgbClr val="006229"/>
+              </a:solidFill>
+            </a:endParaRPr>
+          </a:p>
+        </p:txBody>
+      </p:sp>
+      <p:sp>
+        <p:nvSpPr>
+          <p:cNvPr id="11" name="Rectangle 3">
+            <a:extLst>
+              <a:ext uri="{FF2B5EF4-FFF2-40B4-BE49-F238E27FC236}">
+                <a16:creationId xmlns:a16="http://schemas.microsoft.com/office/drawing/2014/main" id="{39E3DFAA-C637-F541-8F52-B49E7D67E82D}"/>
+              </a:ext>
+            </a:extLst>
+          </p:cNvPr>
+          <p:cNvSpPr txBox="1">
+            <a:spLocks noChangeArrowheads="1"/>
+          </p:cNvSpPr>
+          <p:nvPr/>
+        </p:nvSpPr>
+        <p:spPr bwMode="auto">
+          <a:xfrm>
+            <a:off x="791902" y="1535069"/>
+            <a:ext cx="7560195" cy="4574784"/>
+          </a:xfrm>
+          <a:prstGeom prst="rect">
+            <a:avLst/>
+          </a:prstGeom>
+          <a:noFill/>
+          <a:ln>
+            <a:noFill/>
+          </a:ln>
+          <a:extLst>
+            <a:ext uri="{909E8E84-426E-40DD-AFC4-6F175D3DCCD1}">
+              <a14:hiddenFill xmlns:a14="http://schemas.microsoft.com/office/drawing/2010/main">
+                <a:solidFill>
+                  <a:srgbClr val="FFFFFF"/>
+                </a:solidFill>
+              </a14:hiddenFill>
+            </a:ext>
+            <a:ext uri="{91240B29-F687-4F45-9708-019B960494DF}">
+              <a14:hiddenLine xmlns:a14="http://schemas.microsoft.com/office/drawing/2010/main" w="9525">
+                <a:solidFill>
+                  <a:srgbClr val="000000"/>
+                </a:solidFill>
+                <a:miter lim="800000"/>
+                <a:headEnd/>
+                <a:tailEnd/>
+              </a14:hiddenLine>
+            </a:ext>
+          </a:extLst>
+        </p:spPr>
+        <p:txBody>
+          <a:bodyPr vert="horz" wrap="square" lIns="91440" tIns="45720" rIns="91440" bIns="45720" numCol="1" anchor="t" anchorCtr="0" compatLnSpc="1">
+            <a:prstTxWarp prst="textNoShape">
+              <a:avLst/>
+            </a:prstTxWarp>
+          </a:bodyPr>
+          <a:lstStyle>
+            <a:lvl1pPr marL="342900" indent="-342900" algn="l" rtl="0" eaLnBrk="0" fontAlgn="base" hangingPunct="0">
+              <a:spcBef>
+                <a:spcPct val="20000"/>
+              </a:spcBef>
+              <a:spcAft>
+                <a:spcPct val="0"/>
+              </a:spcAft>
+              <a:buClr>
+                <a:srgbClr val="009900"/>
+              </a:buClr>
+              <a:buFont typeface="Wingdings" pitchFamily="2" charset="2"/>
+              <a:defRPr sz="2400">
+                <a:solidFill>
+                  <a:srgbClr val="006C30"/>
+                </a:solidFill>
+                <a:latin typeface="+mn-lt"/>
+                <a:ea typeface="+mn-ea"/>
+                <a:cs typeface="+mn-cs"/>
+              </a:defRPr>
+            </a:lvl1pPr>
+            <a:lvl2pPr marL="742950" indent="-285750" algn="l" rtl="0" eaLnBrk="0" fontAlgn="base" hangingPunct="0">
+              <a:lnSpc>
+                <a:spcPct val="140000"/>
+              </a:lnSpc>
+              <a:spcBef>
+                <a:spcPct val="20000"/>
+              </a:spcBef>
+              <a:spcAft>
+                <a:spcPct val="0"/>
+              </a:spcAft>
+              <a:buClr>
+                <a:srgbClr val="006600"/>
+              </a:buClr>
+              <a:buFont typeface="Times" pitchFamily="-44" charset="0"/>
+              <a:buChar char="•"/>
+              <a:defRPr sz="1600">
+                <a:solidFill>
+                  <a:srgbClr val="006C30"/>
+                </a:solidFill>
+                <a:latin typeface="+mn-lt"/>
+              </a:defRPr>
+            </a:lvl2pPr>
+            <a:lvl3pPr marL="1143000" indent="-228600" algn="l" rtl="0" eaLnBrk="0" fontAlgn="base" hangingPunct="0">
+              <a:spcBef>
+                <a:spcPct val="20000"/>
+              </a:spcBef>
+              <a:spcAft>
+                <a:spcPct val="0"/>
+              </a:spcAft>
+              <a:buClr>
+                <a:srgbClr val="006600"/>
+              </a:buClr>
+              <a:buFont typeface="LMU CompatilFact" pitchFamily="2" charset="0"/>
+              <a:buChar char="–"/>
+              <a:defRPr sz="1600">
+                <a:solidFill>
+                  <a:srgbClr val="006C30"/>
+                </a:solidFill>
+                <a:latin typeface="+mn-lt"/>
+              </a:defRPr>
+            </a:lvl3pPr>
+            <a:lvl4pPr marL="1562100" indent="-228600" algn="l" rtl="0" eaLnBrk="0" fontAlgn="base" hangingPunct="0">
+              <a:spcBef>
+                <a:spcPct val="20000"/>
+              </a:spcBef>
+              <a:spcAft>
+                <a:spcPct val="0"/>
+              </a:spcAft>
+              <a:buClr>
+                <a:srgbClr val="006600"/>
+              </a:buClr>
+              <a:buChar char="-"/>
+              <a:defRPr sz="1600">
+                <a:solidFill>
+                  <a:srgbClr val="006C30"/>
+                </a:solidFill>
+                <a:latin typeface="+mn-lt"/>
+              </a:defRPr>
+            </a:lvl4pPr>
+            <a:lvl5pPr marL="1981200" indent="-228600" algn="l" rtl="0" eaLnBrk="0" fontAlgn="base" hangingPunct="0">
+              <a:spcBef>
+                <a:spcPct val="20000"/>
+              </a:spcBef>
+              <a:spcAft>
+                <a:spcPct val="0"/>
+              </a:spcAft>
+              <a:defRPr sz="1600">
+                <a:solidFill>
+                  <a:srgbClr val="006C30"/>
+                </a:solidFill>
+                <a:latin typeface="+mn-lt"/>
+              </a:defRPr>
+            </a:lvl5pPr>
+            <a:lvl6pPr marL="2438400" indent="-228600" algn="l" rtl="0" fontAlgn="base">
+              <a:spcBef>
+                <a:spcPct val="20000"/>
+              </a:spcBef>
+              <a:spcAft>
+                <a:spcPct val="0"/>
+              </a:spcAft>
+              <a:defRPr sz="1600">
+                <a:solidFill>
+                  <a:srgbClr val="006C30"/>
+                </a:solidFill>
+                <a:latin typeface="+mn-lt"/>
+              </a:defRPr>
+            </a:lvl6pPr>
+            <a:lvl7pPr marL="2895600" indent="-228600" algn="l" rtl="0" fontAlgn="base">
+              <a:spcBef>
+                <a:spcPct val="20000"/>
+              </a:spcBef>
+              <a:spcAft>
+                <a:spcPct val="0"/>
+              </a:spcAft>
+              <a:defRPr sz="1600">
+                <a:solidFill>
+                  <a:srgbClr val="006C30"/>
+                </a:solidFill>
+                <a:latin typeface="+mn-lt"/>
+              </a:defRPr>
+            </a:lvl7pPr>
+            <a:lvl8pPr marL="3352800" indent="-228600" algn="l" rtl="0" fontAlgn="base">
+              <a:spcBef>
+                <a:spcPct val="20000"/>
+              </a:spcBef>
+              <a:spcAft>
+                <a:spcPct val="0"/>
+              </a:spcAft>
+              <a:defRPr sz="1600">
+                <a:solidFill>
+                  <a:srgbClr val="006C30"/>
+                </a:solidFill>
+                <a:latin typeface="+mn-lt"/>
+              </a:defRPr>
+            </a:lvl8pPr>
+            <a:lvl9pPr marL="3810000" indent="-228600" algn="l" rtl="0" fontAlgn="base">
+              <a:spcBef>
+                <a:spcPct val="20000"/>
+              </a:spcBef>
+              <a:spcAft>
+                <a:spcPct val="0"/>
+              </a:spcAft>
+              <a:defRPr sz="1600">
+                <a:solidFill>
+                  <a:srgbClr val="006C30"/>
+                </a:solidFill>
+                <a:latin typeface="+mn-lt"/>
+              </a:defRPr>
+            </a:lvl9pPr>
+          </a:lstStyle>
+          <a:p>
+            <a:pPr marL="0" lvl="0" indent="0"/>
+            <a:r>
+              <a:rPr lang="de-DE" sz="2200" kern="0" dirty="0"/>
+              <a:t>Weiteres Vorgehen:</a:t>
+            </a:r>
+          </a:p>
+          <a:p>
+            <a:pPr marL="0" lvl="0" indent="0"/>
+            <a:endParaRPr lang="de-DE" sz="2200" kern="0" dirty="0"/>
+          </a:p>
+          <a:p>
+            <a:pPr lvl="0">
+              <a:buFontTx/>
+              <a:buChar char="-"/>
+            </a:pPr>
+            <a:r>
+              <a:rPr lang="de-DE" sz="2200" kern="0" dirty="0"/>
+              <a:t>Treatment-Intensity-Analysis</a:t>
+            </a:r>
+          </a:p>
+          <a:p>
+            <a:pPr lvl="0">
+              <a:buFontTx/>
+              <a:buChar char="-"/>
+            </a:pPr>
+            <a:r>
+              <a:rPr lang="de-DE" sz="2200" kern="0" dirty="0"/>
+              <a:t>Zeit-varianter Treatment-Effekt</a:t>
+            </a:r>
+          </a:p>
+        </p:txBody>
+      </p:sp>
+    </p:spTree>
+    <p:extLst>
+      <p:ext uri="{BB962C8B-B14F-4D97-AF65-F5344CB8AC3E}">
+        <p14:creationId xmlns:p14="http://schemas.microsoft.com/office/powerpoint/2010/main" val="1272444547"/>
+      </p:ext>
+    </p:extLst>
+  </p:cSld>
+  <p:clrMapOvr>
+    <a:masterClrMapping/>
+  </p:clrMapOvr>
+  <p:transition spd="med">
+    <p:fade/>
+  </p:transition>
 </p:sld>
 </file>
 
@@ -10987,7 +12313,7 @@
                   <a:rPr lang="de-DE" sz="2200" kern="0" dirty="0">
                     <a:sym typeface="Wingdings" pitchFamily="2" charset="2"/>
                   </a:rPr>
-                  <a:t>Angewandtes Modell aus dem ‚VGAM‘ </a:t>
+                  <a:t>Angewandtes Modelle aus dem ‚VGAM‘ </a:t>
                 </a:r>
                 <a:r>
                   <a:rPr lang="de-DE" sz="2200" kern="0" dirty="0" err="1">
@@ -10999,7 +12325,7 @@
                   <a:rPr lang="de-DE" sz="2200" kern="0" dirty="0">
                     <a:sym typeface="Wingdings" pitchFamily="2" charset="2"/>
                   </a:rPr>
-                  <a:t>: Proportional Odds Modell</a:t>
+                  <a:t>: Proportional Odds Modell (auf alle Modelle die sich auf den Mittagstisch beziehen)</a:t>
                 </a:r>
               </a:p>
               <a:p>
@@ -11016,32 +12342,21 @@
                   <a:rPr lang="de-DE" sz="2200" kern="0" dirty="0">
                     <a:sym typeface="Wingdings" pitchFamily="2" charset="2"/>
                   </a:rPr>
-                  <a:t>Allgemeiner Modellaufbau:</a:t>
+                  <a:t>Allgemeiner Modellaufbau:    </a:t>
                 </a:r>
-              </a:p>
-              <a:p>
-                <a:pPr eaLnBrk="1" hangingPunct="1">
-                  <a:spcAft>
-                    <a:spcPts val="1200"/>
-                  </a:spcAft>
-                  <a:buClrTx/>
-                  <a:buFont typeface="Arial" panose="020B0604020202020204" pitchFamily="34" charset="0"/>
-                  <a:buChar char="•"/>
-                  <a:defRPr/>
-                </a:pPr>
                 <a14:m>
                   <m:oMath xmlns:m="http://schemas.openxmlformats.org/officeDocument/2006/math">
                     <m:r>
-                      <a:rPr lang="de-DE" sz="2200" b="0" i="1" kern="0" smtClean="0">
+                      <a:rPr lang="de-DE" sz="2200" b="1" i="1" kern="0">
                         <a:latin typeface="Cambria Math" panose="02040503050406030204" pitchFamily="18" charset="0"/>
                         <a:sym typeface="Wingdings" pitchFamily="2" charset="2"/>
                       </a:rPr>
-                      <m:t>𝑃</m:t>
+                      <m:t>𝑷</m:t>
                     </m:r>
                     <m:d>
                       <m:dPr>
                         <m:ctrlPr>
-                          <a:rPr lang="de-DE" sz="2200" b="0" i="1" kern="0" smtClean="0">
+                          <a:rPr lang="de-DE" sz="2200" b="1" i="1" kern="0">
                             <a:latin typeface="Cambria Math" panose="02040503050406030204" pitchFamily="18" charset="0"/>
                             <a:sym typeface="Wingdings" pitchFamily="2" charset="2"/>
                           </a:rPr>
@@ -11051,7 +12366,7 @@
                         <m:sSub>
                           <m:sSubPr>
                             <m:ctrlPr>
-                              <a:rPr lang="de-DE" sz="2200" b="0" i="1" kern="0" smtClean="0">
+                              <a:rPr lang="de-DE" sz="2200" b="1" i="1" kern="0">
                                 <a:latin typeface="Cambria Math" panose="02040503050406030204" pitchFamily="18" charset="0"/>
                                 <a:sym typeface="Wingdings" pitchFamily="2" charset="2"/>
                               </a:rPr>
@@ -11059,25 +12374,25 @@
                           </m:sSubPr>
                           <m:e>
                             <m:r>
-                              <a:rPr lang="de-DE" sz="2200" b="0" i="1" kern="0" smtClean="0">
+                              <a:rPr lang="de-DE" sz="2200" b="1" i="1" kern="0">
                                 <a:latin typeface="Cambria Math" panose="02040503050406030204" pitchFamily="18" charset="0"/>
                                 <a:sym typeface="Wingdings" pitchFamily="2" charset="2"/>
                               </a:rPr>
-                              <m:t>𝑌</m:t>
+                              <m:t>𝒀</m:t>
                             </m:r>
                           </m:e>
                           <m:sub>
                             <m:r>
-                              <a:rPr lang="de-DE" sz="2200" b="0" i="1" kern="0" smtClean="0">
+                              <a:rPr lang="de-DE" sz="2200" b="1" i="1" kern="0">
                                 <a:latin typeface="Cambria Math" panose="02040503050406030204" pitchFamily="18" charset="0"/>
                                 <a:sym typeface="Wingdings" pitchFamily="2" charset="2"/>
                               </a:rPr>
-                              <m:t>𝑖</m:t>
+                              <m:t>𝒊</m:t>
                             </m:r>
                           </m:sub>
                         </m:sSub>
                         <m:r>
-                          <a:rPr lang="de-DE" sz="2200" b="0" i="1" kern="0" smtClean="0">
+                          <a:rPr lang="de-DE" sz="2200" b="1" i="1" kern="0">
                             <a:latin typeface="Cambria Math" panose="02040503050406030204" pitchFamily="18" charset="0"/>
                             <a:ea typeface="Cambria Math" panose="02040503050406030204" pitchFamily="18" charset="0"/>
                             <a:sym typeface="Wingdings" pitchFamily="2" charset="2"/>
@@ -11085,17 +12400,17 @@
                           <m:t>≤</m:t>
                         </m:r>
                         <m:r>
-                          <a:rPr lang="de-DE" sz="2200" b="0" i="1" kern="0" smtClean="0">
+                          <a:rPr lang="de-DE" sz="2200" b="1" i="1" kern="0">
                             <a:latin typeface="Cambria Math" panose="02040503050406030204" pitchFamily="18" charset="0"/>
                             <a:ea typeface="Cambria Math" panose="02040503050406030204" pitchFamily="18" charset="0"/>
                             <a:sym typeface="Wingdings" pitchFamily="2" charset="2"/>
                           </a:rPr>
-                          <m:t>𝑟</m:t>
+                          <m:t>𝒓</m:t>
                         </m:r>
                       </m:e>
                     </m:d>
                     <m:r>
-                      <a:rPr lang="de-DE" sz="2200" b="0" i="1" kern="0" smtClean="0">
+                      <a:rPr lang="de-DE" sz="2200" b="1" i="1" kern="0">
                         <a:latin typeface="Cambria Math" panose="02040503050406030204" pitchFamily="18" charset="0"/>
                         <a:ea typeface="Cambria Math" panose="02040503050406030204" pitchFamily="18" charset="0"/>
                         <a:sym typeface="Wingdings" pitchFamily="2" charset="2"/>
@@ -11105,7 +12420,7 @@
                     <m:f>
                       <m:fPr>
                         <m:ctrlPr>
-                          <a:rPr lang="de-DE" sz="2200" b="0" i="1" kern="0" smtClean="0">
+                          <a:rPr lang="de-DE" sz="2200" b="1" i="1" kern="0">
                             <a:latin typeface="Cambria Math" panose="02040503050406030204" pitchFamily="18" charset="0"/>
                             <a:ea typeface="Cambria Math" panose="02040503050406030204" pitchFamily="18" charset="0"/>
                             <a:sym typeface="Wingdings" pitchFamily="2" charset="2"/>
@@ -11114,18 +12429,15 @@
                       </m:fPr>
                       <m:num>
                         <m:r>
-                          <m:rPr>
-                            <m:sty m:val="p"/>
-                          </m:rPr>
-                          <a:rPr lang="de-DE" sz="2200" b="0" i="0" kern="0" smtClean="0">
+                          <a:rPr lang="de-DE" sz="2200" b="1" kern="0">
                             <a:latin typeface="Cambria Math" panose="02040503050406030204" pitchFamily="18" charset="0"/>
                             <a:ea typeface="Cambria Math" panose="02040503050406030204" pitchFamily="18" charset="0"/>
                             <a:sym typeface="Wingdings" pitchFamily="2" charset="2"/>
                           </a:rPr>
-                          <m:t>exp</m:t>
+                          <m:t>𝐞𝐱𝐩</m:t>
                         </m:r>
                         <m:r>
-                          <a:rPr lang="de-DE" sz="2200" b="0" i="1" kern="0" smtClean="0">
+                          <a:rPr lang="de-DE" sz="2200" b="1" i="1" kern="0">
                             <a:latin typeface="Cambria Math" panose="02040503050406030204" pitchFamily="18" charset="0"/>
                             <a:ea typeface="Cambria Math" panose="02040503050406030204" pitchFamily="18" charset="0"/>
                             <a:sym typeface="Wingdings" pitchFamily="2" charset="2"/>
@@ -11135,7 +12447,7 @@
                         <m:sSub>
                           <m:sSubPr>
                             <m:ctrlPr>
-                              <a:rPr lang="de-DE" sz="2200" b="0" i="1" kern="0" smtClean="0">
+                              <a:rPr lang="de-DE" sz="2200" b="1" i="1" kern="0">
                                 <a:latin typeface="Cambria Math" panose="02040503050406030204" pitchFamily="18" charset="0"/>
                                 <a:ea typeface="Cambria Math" panose="02040503050406030204" pitchFamily="18" charset="0"/>
                                 <a:sym typeface="Wingdings" pitchFamily="2" charset="2"/>
@@ -11144,33 +12456,33 @@
                           </m:sSubPr>
                           <m:e>
                             <m:r>
-                              <a:rPr lang="de-DE" sz="2200" b="0" i="1" kern="0" smtClean="0">
+                              <a:rPr lang="de-DE" sz="2200" b="1" i="1" kern="0">
                                 <a:latin typeface="Cambria Math" panose="02040503050406030204" pitchFamily="18" charset="0"/>
                                 <a:ea typeface="Cambria Math" panose="02040503050406030204" pitchFamily="18" charset="0"/>
                                 <a:sym typeface="Wingdings" pitchFamily="2" charset="2"/>
                               </a:rPr>
-                              <m:t>𝛾</m:t>
+                              <m:t>𝜸</m:t>
                             </m:r>
                           </m:e>
                           <m:sub>
                             <m:r>
-                              <a:rPr lang="de-DE" sz="2200" b="0" i="1" kern="0" smtClean="0">
+                              <a:rPr lang="de-DE" sz="2200" b="1" i="1" kern="0">
                                 <a:latin typeface="Cambria Math" panose="02040503050406030204" pitchFamily="18" charset="0"/>
                                 <a:ea typeface="Cambria Math" panose="02040503050406030204" pitchFamily="18" charset="0"/>
                                 <a:sym typeface="Wingdings" pitchFamily="2" charset="2"/>
                               </a:rPr>
-                              <m:t>0</m:t>
+                              <m:t>𝟎</m:t>
                             </m:r>
                             <m:r>
-                              <a:rPr lang="de-DE" sz="2200" b="0" i="1" kern="0" smtClean="0">
+                              <a:rPr lang="de-DE" sz="2200" b="1" i="1" kern="0">
                                 <a:latin typeface="Cambria Math" panose="02040503050406030204" pitchFamily="18" charset="0"/>
                                 <a:ea typeface="Cambria Math" panose="02040503050406030204" pitchFamily="18" charset="0"/>
                                 <a:sym typeface="Wingdings" pitchFamily="2" charset="2"/>
                               </a:rPr>
-                              <m:t>𝑟</m:t>
+                              <m:t>𝒓</m:t>
                             </m:r>
                             <m:r>
-                              <a:rPr lang="de-DE" sz="2200" b="0" i="1" kern="0" smtClean="0">
+                              <a:rPr lang="de-DE" sz="2200" b="1" i="1" kern="0">
                                 <a:latin typeface="Cambria Math" panose="02040503050406030204" pitchFamily="18" charset="0"/>
                                 <a:ea typeface="Cambria Math" panose="02040503050406030204" pitchFamily="18" charset="0"/>
                                 <a:sym typeface="Wingdings" pitchFamily="2" charset="2"/>
@@ -11180,7 +12492,7 @@
                           </m:sub>
                         </m:sSub>
                         <m:r>
-                          <a:rPr lang="de-DE" sz="2200" b="0" i="1" kern="0" smtClean="0">
+                          <a:rPr lang="de-DE" sz="2200" b="1" i="1" kern="0">
                             <a:latin typeface="Cambria Math" panose="02040503050406030204" pitchFamily="18" charset="0"/>
                             <a:ea typeface="Cambria Math" panose="02040503050406030204" pitchFamily="18" charset="0"/>
                             <a:sym typeface="Wingdings" pitchFamily="2" charset="2"/>
@@ -11190,7 +12502,7 @@
                         <m:sSubSup>
                           <m:sSubSupPr>
                             <m:ctrlPr>
-                              <a:rPr lang="de-DE" sz="2200" b="0" i="1" kern="0" smtClean="0">
+                              <a:rPr lang="de-DE" sz="2200" b="1" i="1" kern="0">
                                 <a:latin typeface="Cambria Math" panose="02040503050406030204" pitchFamily="18" charset="0"/>
                                 <a:ea typeface="Cambria Math" panose="02040503050406030204" pitchFamily="18" charset="0"/>
                                 <a:sym typeface="Wingdings" pitchFamily="2" charset="2"/>
@@ -11199,45 +12511,45 @@
                           </m:sSubSupPr>
                           <m:e>
                             <m:r>
-                              <a:rPr lang="de-DE" sz="2200" b="0" i="1" kern="0" smtClean="0">
+                              <a:rPr lang="de-DE" sz="2200" b="1" i="1" kern="0">
                                 <a:latin typeface="Cambria Math" panose="02040503050406030204" pitchFamily="18" charset="0"/>
                                 <a:ea typeface="Cambria Math" panose="02040503050406030204" pitchFamily="18" charset="0"/>
                                 <a:sym typeface="Wingdings" pitchFamily="2" charset="2"/>
                               </a:rPr>
-                              <m:t>𝑥</m:t>
+                              <m:t>𝒙</m:t>
                             </m:r>
                           </m:e>
                           <m:sub>
                             <m:r>
-                              <a:rPr lang="de-DE" sz="2200" b="0" i="1" kern="0" smtClean="0">
+                              <a:rPr lang="de-DE" sz="2200" b="1" i="1" kern="0">
                                 <a:latin typeface="Cambria Math" panose="02040503050406030204" pitchFamily="18" charset="0"/>
                                 <a:ea typeface="Cambria Math" panose="02040503050406030204" pitchFamily="18" charset="0"/>
                                 <a:sym typeface="Wingdings" pitchFamily="2" charset="2"/>
                               </a:rPr>
-                              <m:t>𝑖</m:t>
+                              <m:t>𝒊</m:t>
                             </m:r>
                           </m:sub>
                           <m:sup>
                             <m:r>
-                              <a:rPr lang="de-DE" sz="2200" b="0" i="1" kern="0" smtClean="0">
+                              <a:rPr lang="de-DE" sz="2200" b="1" i="1" kern="0">
                                 <a:latin typeface="Cambria Math" panose="02040503050406030204" pitchFamily="18" charset="0"/>
                                 <a:ea typeface="Cambria Math" panose="02040503050406030204" pitchFamily="18" charset="0"/>
                                 <a:sym typeface="Wingdings" pitchFamily="2" charset="2"/>
                               </a:rPr>
-                              <m:t>𝑇</m:t>
+                              <m:t>𝑻</m:t>
                             </m:r>
                           </m:sup>
                         </m:sSubSup>
                         <m:r>
-                          <a:rPr lang="de-DE" sz="2200" b="0" i="1" kern="0" smtClean="0">
+                          <a:rPr lang="de-DE" sz="2200" b="1" i="1" kern="0">
                             <a:latin typeface="Cambria Math" panose="02040503050406030204" pitchFamily="18" charset="0"/>
                             <a:ea typeface="Cambria Math" panose="02040503050406030204" pitchFamily="18" charset="0"/>
                             <a:sym typeface="Wingdings" pitchFamily="2" charset="2"/>
                           </a:rPr>
-                          <m:t>𝛾</m:t>
+                          <m:t>𝜸</m:t>
                         </m:r>
                         <m:r>
-                          <a:rPr lang="de-DE" sz="2200" b="0" i="1" kern="0" smtClean="0">
+                          <a:rPr lang="de-DE" sz="2200" b="1" i="1" kern="0">
                             <a:latin typeface="Cambria Math" panose="02040503050406030204" pitchFamily="18" charset="0"/>
                             <a:ea typeface="Cambria Math" panose="02040503050406030204" pitchFamily="18" charset="0"/>
                             <a:sym typeface="Wingdings" pitchFamily="2" charset="2"/>
@@ -11247,26 +12559,31 @@
                       </m:num>
                       <m:den>
                         <m:r>
-                          <a:rPr lang="de-DE" sz="2200" b="0" i="1" kern="0" smtClean="0">
+                          <a:rPr lang="de-DE" sz="2200" b="1" i="1" kern="0">
                             <a:latin typeface="Cambria Math" panose="02040503050406030204" pitchFamily="18" charset="0"/>
                             <a:ea typeface="Cambria Math" panose="02040503050406030204" pitchFamily="18" charset="0"/>
                             <a:sym typeface="Wingdings" pitchFamily="2" charset="2"/>
                           </a:rPr>
-                          <m:t>1+</m:t>
+                          <m:t>𝟏</m:t>
                         </m:r>
                         <m:r>
-                          <m:rPr>
-                            <m:sty m:val="p"/>
-                          </m:rPr>
-                          <a:rPr lang="de-DE" sz="2200" kern="0">
+                          <a:rPr lang="de-DE" sz="2200" b="1" i="1" kern="0">
                             <a:latin typeface="Cambria Math" panose="02040503050406030204" pitchFamily="18" charset="0"/>
                             <a:ea typeface="Cambria Math" panose="02040503050406030204" pitchFamily="18" charset="0"/>
                             <a:sym typeface="Wingdings" pitchFamily="2" charset="2"/>
                           </a:rPr>
-                          <m:t>exp</m:t>
+                          <m:t>+</m:t>
                         </m:r>
                         <m:r>
-                          <a:rPr lang="de-DE" sz="2200" i="1" kern="0">
+                          <a:rPr lang="de-DE" sz="2200" b="1" i="1" kern="0">
+                            <a:latin typeface="Cambria Math" panose="02040503050406030204" pitchFamily="18" charset="0"/>
+                            <a:ea typeface="Cambria Math" panose="02040503050406030204" pitchFamily="18" charset="0"/>
+                            <a:sym typeface="Wingdings" pitchFamily="2" charset="2"/>
+                          </a:rPr>
+                          <m:t>𝒆𝒙𝒑</m:t>
+                        </m:r>
+                        <m:r>
+                          <a:rPr lang="de-DE" sz="2200" b="1" i="1" kern="0">
                             <a:latin typeface="Cambria Math" panose="02040503050406030204" pitchFamily="18" charset="0"/>
                             <a:ea typeface="Cambria Math" panose="02040503050406030204" pitchFamily="18" charset="0"/>
                             <a:sym typeface="Wingdings" pitchFamily="2" charset="2"/>
@@ -11276,7 +12593,7 @@
                         <m:sSub>
                           <m:sSubPr>
                             <m:ctrlPr>
-                              <a:rPr lang="de-DE" sz="2200" i="1" kern="0">
+                              <a:rPr lang="de-DE" sz="2200" b="1" i="1" kern="0">
                                 <a:latin typeface="Cambria Math" panose="02040503050406030204" pitchFamily="18" charset="0"/>
                                 <a:ea typeface="Cambria Math" panose="02040503050406030204" pitchFamily="18" charset="0"/>
                                 <a:sym typeface="Wingdings" pitchFamily="2" charset="2"/>
@@ -11285,33 +12602,33 @@
                           </m:sSubPr>
                           <m:e>
                             <m:r>
-                              <a:rPr lang="de-DE" sz="2200" i="1" kern="0">
+                              <a:rPr lang="de-DE" sz="2200" b="1" i="1" kern="0">
                                 <a:latin typeface="Cambria Math" panose="02040503050406030204" pitchFamily="18" charset="0"/>
                                 <a:ea typeface="Cambria Math" panose="02040503050406030204" pitchFamily="18" charset="0"/>
                                 <a:sym typeface="Wingdings" pitchFamily="2" charset="2"/>
                               </a:rPr>
-                              <m:t>𝛾</m:t>
+                              <m:t>𝜸</m:t>
                             </m:r>
                           </m:e>
                           <m:sub>
                             <m:r>
-                              <a:rPr lang="de-DE" sz="2200" i="1" kern="0">
+                              <a:rPr lang="de-DE" sz="2200" b="1" i="1" kern="0">
                                 <a:latin typeface="Cambria Math" panose="02040503050406030204" pitchFamily="18" charset="0"/>
                                 <a:ea typeface="Cambria Math" panose="02040503050406030204" pitchFamily="18" charset="0"/>
                                 <a:sym typeface="Wingdings" pitchFamily="2" charset="2"/>
                               </a:rPr>
-                              <m:t>0</m:t>
+                              <m:t>𝟎</m:t>
                             </m:r>
                             <m:r>
-                              <a:rPr lang="de-DE" sz="2200" i="1" kern="0">
+                              <a:rPr lang="de-DE" sz="2200" b="1" i="1" kern="0">
                                 <a:latin typeface="Cambria Math" panose="02040503050406030204" pitchFamily="18" charset="0"/>
                                 <a:ea typeface="Cambria Math" panose="02040503050406030204" pitchFamily="18" charset="0"/>
                                 <a:sym typeface="Wingdings" pitchFamily="2" charset="2"/>
                               </a:rPr>
-                              <m:t>𝑟</m:t>
+                              <m:t>𝒓</m:t>
                             </m:r>
                             <m:r>
-                              <a:rPr lang="de-DE" sz="2200" i="1" kern="0">
+                              <a:rPr lang="de-DE" sz="2200" b="1" i="1" kern="0">
                                 <a:latin typeface="Cambria Math" panose="02040503050406030204" pitchFamily="18" charset="0"/>
                                 <a:ea typeface="Cambria Math" panose="02040503050406030204" pitchFamily="18" charset="0"/>
                                 <a:sym typeface="Wingdings" pitchFamily="2" charset="2"/>
@@ -11321,7 +12638,7 @@
                           </m:sub>
                         </m:sSub>
                         <m:r>
-                          <a:rPr lang="de-DE" sz="2200" i="1" kern="0">
+                          <a:rPr lang="de-DE" sz="2200" b="1" i="1" kern="0">
                             <a:latin typeface="Cambria Math" panose="02040503050406030204" pitchFamily="18" charset="0"/>
                             <a:ea typeface="Cambria Math" panose="02040503050406030204" pitchFamily="18" charset="0"/>
                             <a:sym typeface="Wingdings" pitchFamily="2" charset="2"/>
@@ -11331,7 +12648,7 @@
                         <m:sSubSup>
                           <m:sSubSupPr>
                             <m:ctrlPr>
-                              <a:rPr lang="de-DE" sz="2200" i="1" kern="0">
+                              <a:rPr lang="de-DE" sz="2200" b="1" i="1" kern="0">
                                 <a:latin typeface="Cambria Math" panose="02040503050406030204" pitchFamily="18" charset="0"/>
                                 <a:ea typeface="Cambria Math" panose="02040503050406030204" pitchFamily="18" charset="0"/>
                                 <a:sym typeface="Wingdings" pitchFamily="2" charset="2"/>
@@ -11340,45 +12657,45 @@
                           </m:sSubSupPr>
                           <m:e>
                             <m:r>
-                              <a:rPr lang="de-DE" sz="2200" i="1" kern="0">
+                              <a:rPr lang="de-DE" sz="2200" b="1" i="1" kern="0">
                                 <a:latin typeface="Cambria Math" panose="02040503050406030204" pitchFamily="18" charset="0"/>
                                 <a:ea typeface="Cambria Math" panose="02040503050406030204" pitchFamily="18" charset="0"/>
                                 <a:sym typeface="Wingdings" pitchFamily="2" charset="2"/>
                               </a:rPr>
-                              <m:t>𝑥</m:t>
+                              <m:t>𝒙</m:t>
                             </m:r>
                           </m:e>
                           <m:sub>
                             <m:r>
-                              <a:rPr lang="de-DE" sz="2200" i="1" kern="0">
+                              <a:rPr lang="de-DE" sz="2200" b="1" i="1" kern="0">
                                 <a:latin typeface="Cambria Math" panose="02040503050406030204" pitchFamily="18" charset="0"/>
                                 <a:ea typeface="Cambria Math" panose="02040503050406030204" pitchFamily="18" charset="0"/>
                                 <a:sym typeface="Wingdings" pitchFamily="2" charset="2"/>
                               </a:rPr>
-                              <m:t>𝑖</m:t>
+                              <m:t>𝒊</m:t>
                             </m:r>
                           </m:sub>
                           <m:sup>
                             <m:r>
-                              <a:rPr lang="de-DE" sz="2200" i="1" kern="0">
+                              <a:rPr lang="de-DE" sz="2200" b="1" i="1" kern="0">
                                 <a:latin typeface="Cambria Math" panose="02040503050406030204" pitchFamily="18" charset="0"/>
                                 <a:ea typeface="Cambria Math" panose="02040503050406030204" pitchFamily="18" charset="0"/>
                                 <a:sym typeface="Wingdings" pitchFamily="2" charset="2"/>
                               </a:rPr>
-                              <m:t>𝑇</m:t>
+                              <m:t>𝑻</m:t>
                             </m:r>
                           </m:sup>
                         </m:sSubSup>
                         <m:r>
-                          <a:rPr lang="de-DE" sz="2200" i="1" kern="0">
+                          <a:rPr lang="de-DE" sz="2200" b="1" i="1" kern="0">
                             <a:latin typeface="Cambria Math" panose="02040503050406030204" pitchFamily="18" charset="0"/>
                             <a:ea typeface="Cambria Math" panose="02040503050406030204" pitchFamily="18" charset="0"/>
                             <a:sym typeface="Wingdings" pitchFamily="2" charset="2"/>
                           </a:rPr>
-                          <m:t>𝛾</m:t>
+                          <m:t>𝜸</m:t>
                         </m:r>
                         <m:r>
-                          <a:rPr lang="de-DE" sz="2200" i="1" kern="0">
+                          <a:rPr lang="de-DE" sz="2200" b="1" i="1" kern="0">
                             <a:latin typeface="Cambria Math" panose="02040503050406030204" pitchFamily="18" charset="0"/>
                             <a:ea typeface="Cambria Math" panose="02040503050406030204" pitchFamily="18" charset="0"/>
                             <a:sym typeface="Wingdings" pitchFamily="2" charset="2"/>
@@ -11389,7 +12706,7 @@
                     </m:f>
                   </m:oMath>
                 </a14:m>
-                <a:endParaRPr lang="de-DE" sz="2200" kern="0" dirty="0">
+                <a:endParaRPr lang="de-DE" sz="2200" b="1" kern="0" dirty="0">
                   <a:sym typeface="Wingdings" pitchFamily="2" charset="2"/>
                 </a:endParaRPr>
               </a:p>
@@ -11402,7 +12719,7 @@
                   <a:defRPr/>
                 </a:pPr>
                 <a:r>
-                  <a:rPr lang="de-DE" sz="2200" kern="0" dirty="0">
+                  <a:rPr lang="de-DE" sz="2200" b="1" u="sng" kern="0" dirty="0">
                     <a:sym typeface="Wingdings" pitchFamily="2" charset="2"/>
                   </a:rPr>
                   <a:t>Einfaches Modell: </a:t>
@@ -11429,19 +12746,7 @@
                   <a:rPr lang="de-DE" sz="2200" kern="0" dirty="0">
                     <a:sym typeface="Wingdings" pitchFamily="2" charset="2"/>
                   </a:rPr>
-                  <a:t> gesundes Essen (gemessen an Anzahl der erfüllten Kriterien der Deutschen Gesellschaft für </a:t>
-                </a:r>
-                <a:r>
-                  <a:rPr lang="de-DE" sz="2200" kern="0" dirty="0" err="1">
-                    <a:sym typeface="Wingdings" pitchFamily="2" charset="2"/>
-                  </a:rPr>
-                  <a:t>Ernhährung</a:t>
-                </a:r>
-                <a:r>
-                  <a:rPr lang="de-DE" sz="2200" kern="0" dirty="0">
-                    <a:sym typeface="Wingdings" pitchFamily="2" charset="2"/>
-                  </a:rPr>
-                  <a:t>)</a:t>
+                  <a:t> gesundes Essen (gemessen an Anzahl der erfüllten Kriterien der Deutschen Gesellschaft für Ernährung)</a:t>
                 </a:r>
               </a:p>
               <a:p>
@@ -11453,10 +12758,16 @@
                   <a:defRPr/>
                 </a:pPr>
                 <a:r>
+                  <a:rPr lang="de-DE" sz="2200" b="1" u="sng" kern="0" dirty="0">
+                    <a:sym typeface="Wingdings" pitchFamily="2" charset="2"/>
+                  </a:rPr>
+                  <a:t>Interpretation: </a:t>
+                </a:r>
+                <a:r>
                   <a:rPr lang="de-DE" sz="2200" kern="0" dirty="0">
                     <a:sym typeface="Wingdings" pitchFamily="2" charset="2"/>
                   </a:rPr>
-                  <a:t>Interpretation: Eine Erhöhung des DGE-Index um eine Einheit erhöht die Chance, dass ein Anteil von maximal r Kindern gesünder ist im Verhältnis dazu, dass ein Anteil von mehr als r Kindern gesünder ist, um den Faktor </a:t>
+                  <a:t>Eine Erhöhung des DGE-Index um eine Einheit erhöht die Chance, dass ein Anteil von maximal r Kindern gesünder ist im Verhältnis dazu, dass ein Anteil von mehr als r Kindern gesünder ist, um den Faktor </a:t>
                 </a:r>
                 <a:r>
                   <a:rPr lang="de-DE" sz="2200" kern="0" dirty="0" err="1">
@@ -11500,7 +12811,7 @@
               <a:blipFill>
                 <a:blip r:embed="rId3"/>
                 <a:stretch>
-                  <a:fillRect l="-985" r="-1478"/>
+                  <a:fillRect l="-1024" r="-1340"/>
                 </a:stretch>
               </a:blipFill>
               <a:ln>
@@ -11531,7 +12842,7 @@
               <a:lstStyle/>
               <a:p>
                 <a:r>
-                  <a:rPr lang="en-US">
+                  <a:rPr lang="de-DE">
                     <a:noFill/>
                   </a:rPr>
                   <a:t> </a:t>
@@ -11694,7 +13005,7 @@
                   <a:srgbClr val="006229"/>
                 </a:solidFill>
               </a:rPr>
-              <a:t>Datenauswertung Health </a:t>
+              <a:t>Regressionsmodell Health </a:t>
             </a:r>
             <a:r>
               <a:rPr lang="de-DE" altLang="de-DE" sz="2400" b="1" dirty="0" err="1">
@@ -11730,8 +13041,8 @@
         </p:nvSpPr>
         <p:spPr>
           <a:xfrm>
-            <a:off x="124618" y="1304122"/>
-            <a:ext cx="9019381" cy="5172877"/>
+            <a:off x="962025" y="1552576"/>
+            <a:ext cx="7540625" cy="4419600"/>
           </a:xfrm>
         </p:spPr>
         <p:txBody>
@@ -11846,12 +13157,12 @@
           <a:bodyPr/>
           <a:lstStyle/>
           <a:p>
-            <a:pPr lvl="0">
+            <a:pPr>
               <a:defRPr/>
             </a:pPr>
             <a:r>
-              <a:rPr lang="de-DE" altLang="de-DE" dirty="0"/>
-              <a:t>27.01.2020</a:t>
+              <a:rPr lang="de-DE" dirty="0"/>
+              <a:t>09.12.2019</a:t>
             </a:r>
           </a:p>
         </p:txBody>
@@ -11889,7 +13200,15 @@
                   <a:srgbClr val="006229"/>
                 </a:solidFill>
               </a:rPr>
-              <a:t>2. </a:t>
+              <a:t>3. </a:t>
+            </a:r>
+            <a:r>
+              <a:rPr lang="de-DE" altLang="de-DE" sz="2400" b="1" dirty="0" err="1">
+                <a:solidFill>
+                  <a:srgbClr val="006229"/>
+                </a:solidFill>
+              </a:rPr>
+              <a:t>Proxies</a:t>
             </a:r>
             <a:r>
               <a:rPr lang="de-DE" altLang="de-DE" sz="2400" b="1" dirty="0">
@@ -11897,40 +13216,154 @@
                   <a:srgbClr val="006229"/>
                 </a:solidFill>
               </a:rPr>
-              <a:t>Datenauswertung</a:t>
+              <a:t> für Chancengleichheit</a:t>
+            </a:r>
+          </a:p>
+        </p:txBody>
+      </p:sp>
+      <p:pic>
+        <p:nvPicPr>
+          <p:cNvPr id="6" name="Inhaltsplatzhalter 5">
+            <a:extLst>
+              <a:ext uri="{FF2B5EF4-FFF2-40B4-BE49-F238E27FC236}">
+                <a16:creationId xmlns:a16="http://schemas.microsoft.com/office/drawing/2014/main" id="{018EB96C-0AB6-41FE-86B1-1C441B1768EB}"/>
+              </a:ext>
+            </a:extLst>
+          </p:cNvPr>
+          <p:cNvPicPr>
+            <a:picLocks noGrp="1" noChangeAspect="1"/>
+          </p:cNvPicPr>
+          <p:nvPr>
+            <p:ph idx="1"/>
+          </p:nvPr>
+        </p:nvPicPr>
+        <p:blipFill>
+          <a:blip r:embed="rId2"/>
+          <a:stretch>
+            <a:fillRect/>
+          </a:stretch>
+        </p:blipFill>
+        <p:spPr>
+          <a:xfrm>
+            <a:off x="0" y="2123282"/>
+            <a:ext cx="4636620" cy="3124994"/>
+          </a:xfrm>
+        </p:spPr>
+      </p:pic>
+      <p:pic>
+        <p:nvPicPr>
+          <p:cNvPr id="9" name="Grafik 8">
+            <a:extLst>
+              <a:ext uri="{FF2B5EF4-FFF2-40B4-BE49-F238E27FC236}">
+                <a16:creationId xmlns:a16="http://schemas.microsoft.com/office/drawing/2014/main" id="{E6E32A68-4150-47CA-B3E5-87D2B5BCE8BE}"/>
+              </a:ext>
+            </a:extLst>
+          </p:cNvPr>
+          <p:cNvPicPr>
+            <a:picLocks noChangeAspect="1"/>
+          </p:cNvPicPr>
+          <p:nvPr/>
+        </p:nvPicPr>
+        <p:blipFill>
+          <a:blip r:embed="rId3"/>
+          <a:stretch>
+            <a:fillRect/>
+          </a:stretch>
+        </p:blipFill>
+        <p:spPr>
+          <a:xfrm>
+            <a:off x="4636620" y="2123282"/>
+            <a:ext cx="4505805" cy="3124994"/>
+          </a:xfrm>
+          <a:prstGeom prst="rect">
+            <a:avLst/>
+          </a:prstGeom>
+        </p:spPr>
+      </p:pic>
+      <p:sp>
+        <p:nvSpPr>
+          <p:cNvPr id="10" name="Textfeld 9">
+            <a:extLst>
+              <a:ext uri="{FF2B5EF4-FFF2-40B4-BE49-F238E27FC236}">
+                <a16:creationId xmlns:a16="http://schemas.microsoft.com/office/drawing/2014/main" id="{50615953-957D-445A-ACB6-9DF096DED6F7}"/>
+              </a:ext>
+            </a:extLst>
+          </p:cNvPr>
+          <p:cNvSpPr txBox="1"/>
+          <p:nvPr/>
+        </p:nvSpPr>
+        <p:spPr>
+          <a:xfrm>
+            <a:off x="274170" y="1785441"/>
+            <a:ext cx="4362450" cy="307777"/>
+          </a:xfrm>
+          <a:prstGeom prst="rect">
+            <a:avLst/>
+          </a:prstGeom>
+          <a:noFill/>
+        </p:spPr>
+        <p:txBody>
+          <a:bodyPr wrap="square" rtlCol="0">
+            <a:spAutoFit/>
+          </a:bodyPr>
+          <a:lstStyle/>
+          <a:p>
+            <a:r>
+              <a:rPr lang="de-DE" b="1" dirty="0">
+                <a:latin typeface="+mn-lt"/>
+              </a:rPr>
+              <a:t>Alltagskompetenzen über die Zeit </a:t>
             </a:r>
           </a:p>
         </p:txBody>
       </p:sp>
       <p:sp>
         <p:nvSpPr>
-          <p:cNvPr id="2" name="Inhaltsplatzhalter 1">
+          <p:cNvPr id="11" name="Textfeld 10">
             <a:extLst>
               <a:ext uri="{FF2B5EF4-FFF2-40B4-BE49-F238E27FC236}">
-                <a16:creationId xmlns:a16="http://schemas.microsoft.com/office/drawing/2014/main" id="{897535D9-9C44-4F3F-99FE-87B8737A194B}"/>
+                <a16:creationId xmlns:a16="http://schemas.microsoft.com/office/drawing/2014/main" id="{8116C70B-766A-4742-943F-947CB217207E}"/>
               </a:ext>
             </a:extLst>
           </p:cNvPr>
-          <p:cNvSpPr>
-            <a:spLocks noGrp="1"/>
-          </p:cNvSpPr>
-          <p:nvPr>
-            <p:ph idx="1"/>
-          </p:nvPr>
+          <p:cNvSpPr txBox="1"/>
+          <p:nvPr/>
         </p:nvSpPr>
-        <p:spPr/>
+        <p:spPr>
+          <a:xfrm>
+            <a:off x="4839494" y="1776593"/>
+            <a:ext cx="4362450" cy="307777"/>
+          </a:xfrm>
+          <a:prstGeom prst="rect">
+            <a:avLst/>
+          </a:prstGeom>
+          <a:noFill/>
+        </p:spPr>
         <p:txBody>
-          <a:bodyPr/>
+          <a:bodyPr wrap="square" rtlCol="0">
+            <a:spAutoFit/>
+          </a:bodyPr>
           <a:lstStyle/>
           <a:p>
-            <a:endParaRPr lang="de-DE"/>
+            <a:r>
+              <a:rPr lang="de-DE" b="1" dirty="0" err="1">
+                <a:latin typeface="+mn-lt"/>
+              </a:rPr>
+              <a:t>Selfworth</a:t>
+            </a:r>
+            <a:r>
+              <a:rPr lang="de-DE" b="1" dirty="0">
+                <a:latin typeface="+mn-lt"/>
+              </a:rPr>
+              <a:t> über die Zeit </a:t>
+            </a:r>
           </a:p>
         </p:txBody>
       </p:sp>
     </p:spTree>
     <p:extLst>
       <p:ext uri="{BB962C8B-B14F-4D97-AF65-F5344CB8AC3E}">
-        <p14:creationId xmlns:p14="http://schemas.microsoft.com/office/powerpoint/2010/main" val="831723715"/>
+        <p14:creationId xmlns:p14="http://schemas.microsoft.com/office/powerpoint/2010/main" val="258608336"/>
       </p:ext>
     </p:extLst>
   </p:cSld>
@@ -12063,7 +13496,31 @@
                   <a:srgbClr val="006229"/>
                 </a:solidFill>
               </a:rPr>
-              <a:t>3. Weiteres Vorgehen</a:t>
+              <a:t>3. </a:t>
+            </a:r>
+            <a:r>
+              <a:rPr lang="en-US" altLang="de-DE" sz="2400" b="1" dirty="0" err="1">
+                <a:solidFill>
+                  <a:srgbClr val="006229"/>
+                </a:solidFill>
+              </a:rPr>
+              <a:t>Regressionsmodell</a:t>
+            </a:r>
+            <a:r>
+              <a:rPr lang="en-US" altLang="de-DE" sz="2400" b="1" dirty="0">
+                <a:solidFill>
+                  <a:srgbClr val="006229"/>
+                </a:solidFill>
+              </a:rPr>
+              <a:t> </a:t>
+            </a:r>
+            <a:r>
+              <a:rPr lang="en-US" altLang="de-DE" sz="2400" b="1" dirty="0" err="1">
+                <a:solidFill>
+                  <a:srgbClr val="006229"/>
+                </a:solidFill>
+              </a:rPr>
+              <a:t>Chancengleichheit</a:t>
             </a:r>
             <a:endParaRPr lang="de-DE" altLang="de-DE" sz="2400" b="1" dirty="0">
               <a:solidFill>
@@ -12282,6 +13739,111 @@
                 <a:spcPts val="1200"/>
               </a:spcAft>
               <a:buClrTx/>
+              <a:defRPr/>
+            </a:pPr>
+            <a:r>
+              <a:rPr lang="de-DE" sz="2200" kern="0" dirty="0"/>
+              <a:t>dayToDaySkills &amp; </a:t>
+            </a:r>
+            <a:r>
+              <a:rPr lang="de-DE" sz="2200" kern="0" dirty="0" err="1"/>
+              <a:t>Selfworth</a:t>
+            </a:r>
+            <a:r>
+              <a:rPr lang="de-DE" sz="2200" kern="0" dirty="0"/>
+              <a:t>: einfache </a:t>
+            </a:r>
+            <a:r>
+              <a:rPr lang="de-DE" sz="2200" kern="0" dirty="0" err="1"/>
+              <a:t>propodds</a:t>
+            </a:r>
+            <a:r>
+              <a:rPr lang="de-DE" sz="2200" kern="0" dirty="0"/>
+              <a:t> Modelle mit folgenden erklärenden Variablen im Vergleich: </a:t>
+            </a:r>
+          </a:p>
+          <a:p>
+            <a:pPr marL="0" indent="0" eaLnBrk="1" hangingPunct="1">
+              <a:spcAft>
+                <a:spcPts val="1200"/>
+              </a:spcAft>
+              <a:buClrTx/>
+              <a:defRPr/>
+            </a:pPr>
+            <a:endParaRPr lang="de-DE" sz="2200" kern="0" dirty="0"/>
+          </a:p>
+          <a:p>
+            <a:pPr lvl="2" eaLnBrk="1" hangingPunct="1">
+              <a:spcAft>
+                <a:spcPts val="1200"/>
+              </a:spcAft>
+              <a:buClrTx/>
+              <a:buFont typeface="Arial" panose="020B0604020202020204" pitchFamily="34" charset="0"/>
+              <a:buChar char="•"/>
+              <a:defRPr/>
+            </a:pPr>
+            <a:r>
+              <a:rPr lang="de-DE" sz="2000" kern="0" dirty="0" err="1"/>
+              <a:t>Subsidy</a:t>
+            </a:r>
+            <a:r>
+              <a:rPr lang="de-DE" sz="2000" kern="0" dirty="0"/>
+              <a:t> – Effekt ja / nein</a:t>
+            </a:r>
+          </a:p>
+          <a:p>
+            <a:pPr lvl="2" eaLnBrk="1" hangingPunct="1">
+              <a:spcAft>
+                <a:spcPts val="1200"/>
+              </a:spcAft>
+              <a:buClrTx/>
+              <a:buFont typeface="Arial" panose="020B0604020202020204" pitchFamily="34" charset="0"/>
+              <a:buChar char="•"/>
+              <a:defRPr/>
+            </a:pPr>
+            <a:r>
+              <a:rPr lang="de-DE" sz="2000" kern="0" dirty="0"/>
+              <a:t>Zeit, seitdem die Einrichtung gefördert wird  - Effekt ja /nein</a:t>
+            </a:r>
+          </a:p>
+          <a:p>
+            <a:pPr lvl="2" eaLnBrk="1" hangingPunct="1">
+              <a:spcAft>
+                <a:spcPts val="1200"/>
+              </a:spcAft>
+              <a:buClrTx/>
+              <a:buFont typeface="Arial" panose="020B0604020202020204" pitchFamily="34" charset="0"/>
+              <a:buChar char="•"/>
+              <a:defRPr/>
+            </a:pPr>
+            <a:r>
+              <a:rPr lang="de-DE" sz="2000" kern="0" dirty="0"/>
+              <a:t>Mithilfe in der Küche – Effekt ja / nein </a:t>
+            </a:r>
+          </a:p>
+          <a:p>
+            <a:pPr lvl="2" eaLnBrk="1" hangingPunct="1">
+              <a:spcAft>
+                <a:spcPts val="1200"/>
+              </a:spcAft>
+              <a:buClrTx/>
+              <a:buFont typeface="Arial" panose="020B0604020202020204" pitchFamily="34" charset="0"/>
+              <a:buChar char="•"/>
+              <a:defRPr/>
+            </a:pPr>
+            <a:r>
+              <a:rPr lang="de-DE" sz="2000" kern="0" dirty="0"/>
+              <a:t>Einkäufe erledigen – Effekt ja / nein</a:t>
+            </a:r>
+          </a:p>
+          <a:p>
+            <a:pPr eaLnBrk="1" hangingPunct="1">
+              <a:spcAft>
+                <a:spcPts val="1200"/>
+              </a:spcAft>
+              <a:buClrTx/>
+              <a:buFont typeface="Arial" panose="020B0604020202020204" pitchFamily="34" charset="0"/>
+              <a:buChar char="•"/>
               <a:defRPr/>
             </a:pPr>
             <a:endParaRPr lang="de-DE" sz="2200" kern="0" dirty="0"/>
@@ -12381,12 +13943,12 @@
           <a:bodyPr/>
           <a:lstStyle/>
           <a:p>
-            <a:pPr lvl="0">
+            <a:pPr>
               <a:defRPr/>
             </a:pPr>
             <a:r>
-              <a:rPr lang="de-DE" altLang="de-DE" dirty="0"/>
-              <a:t>27.01.2020</a:t>
+              <a:rPr lang="de-DE" dirty="0"/>
+              <a:t>09.12.2019</a:t>
             </a:r>
           </a:p>
         </p:txBody>
@@ -12424,7 +13986,7 @@
                   <a:srgbClr val="006229"/>
                 </a:solidFill>
               </a:rPr>
-              <a:t>4. Treatment-</a:t>
+              <a:t>3. </a:t>
             </a:r>
             <a:r>
               <a:rPr lang="en-US" altLang="de-DE" sz="2400" b="1" dirty="0" err="1">
@@ -12432,7 +13994,7 @@
                   <a:srgbClr val="006229"/>
                 </a:solidFill>
               </a:rPr>
-              <a:t>Analyse</a:t>
+              <a:t>Regressionsmodell</a:t>
             </a:r>
             <a:r>
               <a:rPr lang="en-US" altLang="de-DE" sz="2400" b="1" dirty="0">
@@ -12440,7 +14002,7 @@
                   <a:srgbClr val="006229"/>
                 </a:solidFill>
               </a:rPr>
-              <a:t>: </a:t>
+              <a:t> </a:t>
             </a:r>
             <a:r>
               <a:rPr lang="en-US" altLang="de-DE" sz="2400" b="1" dirty="0" err="1">
@@ -12448,7 +14010,7 @@
                   <a:srgbClr val="006229"/>
                 </a:solidFill>
               </a:rPr>
-              <a:t>Entdeckerfonds</a:t>
+              <a:t>Chancengleichheit</a:t>
             </a:r>
             <a:endParaRPr lang="de-DE" altLang="de-DE" sz="2400" b="1" dirty="0">
               <a:solidFill>
@@ -12474,8 +14036,8 @@
         </p:nvSpPr>
         <p:spPr bwMode="auto">
           <a:xfrm>
-            <a:off x="791902" y="1535069"/>
-            <a:ext cx="7560195" cy="4574784"/>
+            <a:off x="422015" y="1431898"/>
+            <a:ext cx="8614035" cy="4787927"/>
           </a:xfrm>
           <a:prstGeom prst="rect">
             <a:avLst/>
@@ -12669,55 +14231,44 @@
               <a:buClrTx/>
               <a:defRPr/>
             </a:pPr>
-            <a:r>
-              <a:rPr lang="de-DE" sz="2200" kern="0" dirty="0"/>
-              <a:t>Idee: </a:t>
-            </a:r>
-          </a:p>
-          <a:p>
-            <a:pPr lvl="0">
-              <a:buFontTx/>
-              <a:buChar char="-"/>
-            </a:pPr>
-            <a:r>
-              <a:rPr lang="de-DE" sz="2200" dirty="0"/>
-              <a:t>Treatmentgruppe: Einrichtungen mit Mittagstisch und Entdeckerfonds</a:t>
-            </a:r>
-          </a:p>
-          <a:p>
-            <a:pPr lvl="0">
-              <a:buFontTx/>
-              <a:buChar char="-"/>
-            </a:pPr>
-            <a:r>
-              <a:rPr lang="de-DE" sz="2200" kern="0" dirty="0"/>
-              <a:t>Kontrollgruppe: Einrichtungen mit Mittagstisch, aber ohne Entdeckerfonds</a:t>
-            </a:r>
-          </a:p>
-          <a:p>
-            <a:pPr marL="0" lvl="0" indent="0"/>
-            <a:endParaRPr lang="de-DE" sz="2200" kern="0" dirty="0"/>
-          </a:p>
-          <a:p>
-            <a:pPr lvl="0">
-              <a:buFontTx/>
-              <a:buChar char="-"/>
-            </a:pPr>
-            <a:r>
-              <a:rPr lang="de-DE" sz="2200" kern="0" dirty="0"/>
-              <a:t>Hypothese: Die Teilnahme einer Einrichtung am Entdeckerfonds beeinflusst die Alltagskompetenzen und das Selbstwertgefühl der Kinder</a:t>
-            </a:r>
-          </a:p>
-          <a:p>
-            <a:pPr marL="0" lvl="0" indent="0"/>
             <a:endParaRPr lang="de-DE" sz="2200" kern="0" dirty="0"/>
           </a:p>
         </p:txBody>
       </p:sp>
+      <p:pic>
+        <p:nvPicPr>
+          <p:cNvPr id="3" name="Grafik 2">
+            <a:extLst>
+              <a:ext uri="{FF2B5EF4-FFF2-40B4-BE49-F238E27FC236}">
+                <a16:creationId xmlns:a16="http://schemas.microsoft.com/office/drawing/2014/main" id="{356CF446-EFF8-4935-AAF6-F5F00C73AA6A}"/>
+              </a:ext>
+            </a:extLst>
+          </p:cNvPr>
+          <p:cNvPicPr>
+            <a:picLocks noChangeAspect="1"/>
+          </p:cNvPicPr>
+          <p:nvPr/>
+        </p:nvPicPr>
+        <p:blipFill>
+          <a:blip r:embed="rId2"/>
+          <a:stretch>
+            <a:fillRect/>
+          </a:stretch>
+        </p:blipFill>
+        <p:spPr>
+          <a:xfrm>
+            <a:off x="1685794" y="1348398"/>
+            <a:ext cx="6086475" cy="4954925"/>
+          </a:xfrm>
+          <a:prstGeom prst="rect">
+            <a:avLst/>
+          </a:prstGeom>
+        </p:spPr>
+      </p:pic>
     </p:spTree>
     <p:extLst>
       <p:ext uri="{BB962C8B-B14F-4D97-AF65-F5344CB8AC3E}">
-        <p14:creationId xmlns:p14="http://schemas.microsoft.com/office/powerpoint/2010/main" val="2469696528"/>
+        <p14:creationId xmlns:p14="http://schemas.microsoft.com/office/powerpoint/2010/main" val="2659071438"/>
       </p:ext>
     </p:extLst>
   </p:cSld>
@@ -12807,12 +14358,12 @@
           <a:bodyPr/>
           <a:lstStyle/>
           <a:p>
-            <a:pPr lvl="0">
+            <a:pPr>
               <a:defRPr/>
             </a:pPr>
             <a:r>
-              <a:rPr lang="de-DE" altLang="de-DE" dirty="0"/>
-              <a:t>27.01.2020</a:t>
+              <a:rPr lang="de-DE" dirty="0"/>
+              <a:t>09.12.2019</a:t>
             </a:r>
           </a:p>
         </p:txBody>
@@ -12850,7 +14401,7 @@
                   <a:srgbClr val="006229"/>
                 </a:solidFill>
               </a:rPr>
-              <a:t>4. Treatment-</a:t>
+              <a:t>3. </a:t>
             </a:r>
             <a:r>
               <a:rPr lang="en-US" altLang="de-DE" sz="2400" b="1" dirty="0" err="1">
@@ -12858,7 +14409,7 @@
                   <a:srgbClr val="006229"/>
                 </a:solidFill>
               </a:rPr>
-              <a:t>Analyse</a:t>
+              <a:t>Regressionsmodell</a:t>
             </a:r>
             <a:r>
               <a:rPr lang="en-US" altLang="de-DE" sz="2400" b="1" dirty="0">
@@ -12866,7 +14417,7 @@
                   <a:srgbClr val="006229"/>
                 </a:solidFill>
               </a:rPr>
-              <a:t>: </a:t>
+              <a:t> </a:t>
             </a:r>
             <a:r>
               <a:rPr lang="en-US" altLang="de-DE" sz="2400" b="1" dirty="0" err="1">
@@ -12874,7 +14425,7 @@
                   <a:srgbClr val="006229"/>
                 </a:solidFill>
               </a:rPr>
-              <a:t>Entdeckerfonds</a:t>
+              <a:t>Chancengleichheit</a:t>
             </a:r>
             <a:endParaRPr lang="de-DE" altLang="de-DE" sz="2400" b="1" dirty="0">
               <a:solidFill>
@@ -12900,8 +14451,8 @@
         </p:nvSpPr>
         <p:spPr bwMode="auto">
           <a:xfrm>
-            <a:off x="791902" y="1535069"/>
-            <a:ext cx="7560195" cy="4574784"/>
+            <a:off x="115627" y="1378931"/>
+            <a:ext cx="8920423" cy="5012344"/>
           </a:xfrm>
           <a:prstGeom prst="rect">
             <a:avLst/>
@@ -13088,17 +14639,23 @@
             </a:lvl9pPr>
           </a:lstStyle>
           <a:p>
-            <a:pPr marL="0" lvl="0" indent="0"/>
+            <a:pPr marL="0" indent="0" eaLnBrk="1" hangingPunct="1">
+              <a:spcAft>
+                <a:spcPts val="1200"/>
+              </a:spcAft>
+              <a:buClrTx/>
+              <a:defRPr/>
+            </a:pPr>
             <a:endParaRPr lang="de-DE" sz="2200" kern="0" dirty="0"/>
           </a:p>
         </p:txBody>
       </p:sp>
       <p:pic>
         <p:nvPicPr>
-          <p:cNvPr id="3" name="Grafik 2" descr="Ein Bild, das Text, Karte enthält.&#10;&#10;Automatisch generierte Beschreibung">
+          <p:cNvPr id="2" name="Grafik 1">
             <a:extLst>
               <a:ext uri="{FF2B5EF4-FFF2-40B4-BE49-F238E27FC236}">
-                <a16:creationId xmlns:a16="http://schemas.microsoft.com/office/drawing/2014/main" id="{44407B43-001B-324D-A50F-7DFC04977A24}"/>
+                <a16:creationId xmlns:a16="http://schemas.microsoft.com/office/drawing/2014/main" id="{EE753D89-3C6C-4488-A4C6-EAD97E261F45}"/>
               </a:ext>
             </a:extLst>
           </p:cNvPr>
@@ -13115,8 +14672,8 @@
         </p:blipFill>
         <p:spPr>
           <a:xfrm>
-            <a:off x="1496290" y="1488098"/>
-            <a:ext cx="6151418" cy="4689507"/>
+            <a:off x="1523999" y="1293206"/>
+            <a:ext cx="6353175" cy="5061999"/>
           </a:xfrm>
           <a:prstGeom prst="rect">
             <a:avLst/>
@@ -13126,7 +14683,7 @@
     </p:spTree>
     <p:extLst>
       <p:ext uri="{BB962C8B-B14F-4D97-AF65-F5344CB8AC3E}">
-        <p14:creationId xmlns:p14="http://schemas.microsoft.com/office/powerpoint/2010/main" val="2164406115"/>
+        <p14:creationId xmlns:p14="http://schemas.microsoft.com/office/powerpoint/2010/main" val="942488569"/>
       </p:ext>
     </p:extLst>
   </p:cSld>

--- a/CHILDREN/Zwischenkolloquien/2. Zwischentreffen Präsentation.pptx
+++ b/CHILDREN/Zwischenkolloquien/2. Zwischentreffen Präsentation.pptx
@@ -5389,37 +5389,6 @@
       </p:sp>
       <p:sp>
         <p:nvSpPr>
-          <p:cNvPr id="6" name="Fußzeilenplatzhalter 5">
-            <a:extLst>
-              <a:ext uri="{FF2B5EF4-FFF2-40B4-BE49-F238E27FC236}">
-                <a16:creationId xmlns:a16="http://schemas.microsoft.com/office/drawing/2014/main" id="{C73E2224-F2C7-41D4-89A1-77F2B68ED20F}"/>
-              </a:ext>
-            </a:extLst>
-          </p:cNvPr>
-          <p:cNvSpPr>
-            <a:spLocks noGrp="1"/>
-          </p:cNvSpPr>
-          <p:nvPr>
-            <p:ph type="ftr" sz="quarter" idx="12"/>
-          </p:nvPr>
-        </p:nvSpPr>
-        <p:spPr/>
-        <p:txBody>
-          <a:bodyPr/>
-          <a:lstStyle/>
-          <a:p>
-            <a:pPr>
-              <a:defRPr/>
-            </a:pPr>
-            <a:r>
-              <a:rPr lang="de-DE"/>
-              <a:t>Grundkurs IB: Moritz Weiß</a:t>
-            </a:r>
-          </a:p>
-        </p:txBody>
-      </p:sp>
-      <p:sp>
-        <p:nvSpPr>
           <p:cNvPr id="9" name="Rectangle 2">
             <a:extLst>
               <a:ext uri="{FF2B5EF4-FFF2-40B4-BE49-F238E27FC236}">
@@ -5770,37 +5739,6 @@
             <a:r>
               <a:rPr lang="de-DE"/>
               <a:t>2.5.2012</a:t>
-            </a:r>
-          </a:p>
-        </p:txBody>
-      </p:sp>
-      <p:sp>
-        <p:nvSpPr>
-          <p:cNvPr id="6" name="Fußzeilenplatzhalter 5">
-            <a:extLst>
-              <a:ext uri="{FF2B5EF4-FFF2-40B4-BE49-F238E27FC236}">
-                <a16:creationId xmlns:a16="http://schemas.microsoft.com/office/drawing/2014/main" id="{91A42B5C-9885-4FF1-9A5A-A92F64C0BD67}"/>
-              </a:ext>
-            </a:extLst>
-          </p:cNvPr>
-          <p:cNvSpPr>
-            <a:spLocks noGrp="1"/>
-          </p:cNvSpPr>
-          <p:nvPr>
-            <p:ph type="ftr" sz="quarter" idx="12"/>
-          </p:nvPr>
-        </p:nvSpPr>
-        <p:spPr/>
-        <p:txBody>
-          <a:bodyPr/>
-          <a:lstStyle/>
-          <a:p>
-            <a:pPr>
-              <a:defRPr/>
-            </a:pPr>
-            <a:r>
-              <a:rPr lang="de-DE"/>
-              <a:t>Grundkurs IB: Moritz Weiß</a:t>
             </a:r>
           </a:p>
         </p:txBody>
@@ -8193,37 +8131,6 @@
       </p:sp>
       <p:sp>
         <p:nvSpPr>
-          <p:cNvPr id="6" name="Fußzeilenplatzhalter 5">
-            <a:extLst>
-              <a:ext uri="{FF2B5EF4-FFF2-40B4-BE49-F238E27FC236}">
-                <a16:creationId xmlns:a16="http://schemas.microsoft.com/office/drawing/2014/main" id="{3E01DDA7-3BEA-4F6E-B79F-84D1850BEBE8}"/>
-              </a:ext>
-            </a:extLst>
-          </p:cNvPr>
-          <p:cNvSpPr>
-            <a:spLocks noGrp="1"/>
-          </p:cNvSpPr>
-          <p:nvPr>
-            <p:ph type="ftr" sz="quarter" idx="12"/>
-          </p:nvPr>
-        </p:nvSpPr>
-        <p:spPr/>
-        <p:txBody>
-          <a:bodyPr/>
-          <a:lstStyle/>
-          <a:p>
-            <a:pPr>
-              <a:defRPr/>
-            </a:pPr>
-            <a:r>
-              <a:rPr lang="de-DE"/>
-              <a:t>Grundkurs IB: Moritz Weiß</a:t>
-            </a:r>
-          </a:p>
-        </p:txBody>
-      </p:sp>
-      <p:sp>
-        <p:nvSpPr>
           <p:cNvPr id="8" name="Rectangle 2">
             <a:extLst>
               <a:ext uri="{FF2B5EF4-FFF2-40B4-BE49-F238E27FC236}">
@@ -9711,8 +9618,8 @@
         </p:nvSpPr>
         <p:spPr>
           <a:xfrm>
-            <a:off x="791902" y="1707005"/>
-            <a:ext cx="7560195" cy="4544858"/>
+            <a:off x="791902" y="1602230"/>
+            <a:ext cx="7560195" cy="4188970"/>
           </a:xfrm>
         </p:spPr>
         <p:txBody>
@@ -9750,53 +9657,35 @@
             </a:r>
             <a:r>
               <a:rPr lang="en-US" sz="2200" b="1" dirty="0"/>
+              <a:t> in € von 2015 </a:t>
+            </a:r>
+            <a:r>
+              <a:rPr lang="en-US" sz="2200" b="1" dirty="0" err="1"/>
+              <a:t>mit</a:t>
+            </a:r>
+            <a:r>
+              <a:rPr lang="en-US" sz="2200" b="1" dirty="0"/>
               <a:t> </a:t>
             </a:r>
             <a:r>
-              <a:rPr lang="en-US" sz="2200" dirty="0" err="1"/>
-              <a:t>für</a:t>
-            </a:r>
-            <a:r>
-              <a:rPr lang="en-US" sz="2200" dirty="0"/>
-              <a:t> den </a:t>
-            </a:r>
-            <a:r>
-              <a:rPr lang="en-US" sz="2200" dirty="0" err="1"/>
-              <a:t>Mittagstisch</a:t>
-            </a:r>
-            <a:r>
-              <a:rPr lang="en-US" sz="2200" dirty="0"/>
-              <a:t> und </a:t>
-            </a:r>
-            <a:r>
-              <a:rPr lang="en-US" sz="2200" dirty="0" err="1"/>
-              <a:t>für</a:t>
-            </a:r>
-            <a:r>
-              <a:rPr lang="en-US" sz="2200" dirty="0"/>
-              <a:t> den </a:t>
-            </a:r>
-            <a:r>
-              <a:rPr lang="en-US" sz="2200" dirty="0" err="1"/>
-              <a:t>Entdeckerfonds</a:t>
-            </a:r>
-            <a:r>
-              <a:rPr lang="en-US" sz="2200" dirty="0"/>
+              <a:rPr lang="en-US" sz="2200" b="1" dirty="0" err="1"/>
+              <a:t>verschiedenen</a:t>
+            </a:r>
+            <a:r>
+              <a:rPr lang="en-US" sz="2200" b="1" dirty="0"/>
               <a:t> </a:t>
             </a:r>
-          </a:p>
-          <a:p>
-            <a:pPr marL="0" indent="0" eaLnBrk="1" hangingPunct="1">
-              <a:spcAft>
-                <a:spcPts val="1200"/>
-              </a:spcAft>
-              <a:buClrTx/>
-              <a:defRPr/>
-            </a:pPr>
-            <a:endParaRPr lang="en-US" sz="2200" dirty="0"/>
-          </a:p>
-          <a:p>
-            <a:pPr eaLnBrk="1" hangingPunct="1">
+            <a:r>
+              <a:rPr lang="en-US" sz="2200" b="1" dirty="0" err="1"/>
+              <a:t>Preisindizes</a:t>
+            </a:r>
+            <a:r>
+              <a:rPr lang="en-US" sz="2200" b="1" dirty="0"/>
+              <a:t>:</a:t>
+            </a:r>
+          </a:p>
+          <a:p>
+            <a:pPr lvl="1" eaLnBrk="1" hangingPunct="1">
               <a:spcAft>
                 <a:spcPts val="1200"/>
               </a:spcAft>
@@ -9806,36 +9695,36 @@
               <a:defRPr/>
             </a:pPr>
             <a:r>
-              <a:rPr lang="en-US" sz="2200" b="1" dirty="0" err="1"/>
-              <a:t>Erstellen</a:t>
-            </a:r>
-            <a:r>
-              <a:rPr lang="en-US" sz="2200" b="1" dirty="0"/>
+              <a:rPr lang="en-US" dirty="0" err="1"/>
+              <a:t>Mittagstisch</a:t>
+            </a:r>
+            <a:r>
+              <a:rPr lang="en-US" dirty="0"/>
+              <a:t>: </a:t>
+            </a:r>
+            <a:r>
+              <a:rPr lang="en-US" dirty="0" err="1"/>
+              <a:t>Nahrungsmittel</a:t>
+            </a:r>
+            <a:r>
+              <a:rPr lang="en-US" dirty="0"/>
+              <a:t> &amp; </a:t>
+            </a:r>
+            <a:r>
+              <a:rPr lang="en-US" dirty="0" err="1"/>
+              <a:t>Alkoholfreie</a:t>
+            </a:r>
+            <a:r>
+              <a:rPr lang="en-US" dirty="0"/>
               <a:t> </a:t>
             </a:r>
             <a:r>
-              <a:rPr lang="en-US" sz="2200" b="1" dirty="0" err="1"/>
-              <a:t>neuer</a:t>
-            </a:r>
-            <a:r>
-              <a:rPr lang="en-US" sz="2200" b="1" dirty="0"/>
+              <a:rPr lang="en-US" dirty="0" err="1"/>
+              <a:t>Getränke</a:t>
+            </a:r>
+            <a:r>
+              <a:rPr lang="en-US" dirty="0"/>
               <a:t> </a:t>
-            </a:r>
-            <a:r>
-              <a:rPr lang="en-US" sz="2200" b="1" dirty="0" err="1"/>
-              <a:t>Variablen</a:t>
-            </a:r>
-            <a:r>
-              <a:rPr lang="en-US" sz="2200" b="1" dirty="0"/>
-              <a:t>, die von Interesse sein </a:t>
-            </a:r>
-            <a:r>
-              <a:rPr lang="en-US" sz="2200" b="1" dirty="0" err="1"/>
-              <a:t>könnten</a:t>
-            </a:r>
-            <a:r>
-              <a:rPr lang="en-US" sz="2200" b="1" dirty="0"/>
-              <a:t>:</a:t>
             </a:r>
           </a:p>
           <a:p>
@@ -9849,50 +9738,29 @@
               <a:defRPr/>
             </a:pPr>
             <a:r>
-              <a:rPr lang="en-US" sz="1800" dirty="0" err="1"/>
-              <a:t>Anzahl</a:t>
-            </a:r>
-            <a:r>
-              <a:rPr lang="en-US" sz="1800" dirty="0"/>
-              <a:t> an Jahren, </a:t>
-            </a:r>
-            <a:r>
-              <a:rPr lang="en-US" sz="1800" dirty="0" err="1"/>
-              <a:t>seitdem</a:t>
-            </a:r>
-            <a:r>
-              <a:rPr lang="en-US" sz="1800" dirty="0"/>
-              <a:t> </a:t>
-            </a:r>
-            <a:r>
-              <a:rPr lang="en-US" sz="1800" dirty="0" err="1"/>
-              <a:t>eine</a:t>
-            </a:r>
-            <a:r>
-              <a:rPr lang="en-US" sz="1800" dirty="0"/>
-              <a:t> </a:t>
-            </a:r>
-            <a:r>
-              <a:rPr lang="en-US" sz="1800" dirty="0" err="1"/>
-              <a:t>Einrichtung</a:t>
-            </a:r>
-            <a:r>
-              <a:rPr lang="en-US" sz="1800" dirty="0"/>
-              <a:t> </a:t>
-            </a:r>
-            <a:r>
-              <a:rPr lang="en-US" sz="1800" dirty="0" err="1"/>
-              <a:t>gefördert</a:t>
-            </a:r>
-            <a:r>
-              <a:rPr lang="en-US" sz="1800" dirty="0"/>
-              <a:t> </a:t>
-            </a:r>
-            <a:r>
-              <a:rPr lang="en-US" sz="1800" dirty="0" err="1"/>
-              <a:t>wird</a:t>
-            </a:r>
-            <a:endParaRPr lang="en-US" sz="1800" dirty="0"/>
+              <a:rPr lang="en-US" dirty="0" err="1"/>
+              <a:t>Entdeckerfonds</a:t>
+            </a:r>
+            <a:r>
+              <a:rPr lang="en-US" dirty="0"/>
+              <a:t>: </a:t>
+            </a:r>
+            <a:r>
+              <a:rPr lang="en-US" dirty="0" err="1"/>
+              <a:t>Freizeit</a:t>
+            </a:r>
+            <a:r>
+              <a:rPr lang="en-US" dirty="0"/>
+              <a:t>, </a:t>
+            </a:r>
+            <a:r>
+              <a:rPr lang="en-US" dirty="0" err="1"/>
+              <a:t>Unterhaltung</a:t>
+            </a:r>
+            <a:r>
+              <a:rPr lang="en-US" dirty="0"/>
+              <a:t> &amp; Kultur </a:t>
+            </a:r>
           </a:p>
           <a:p>
             <a:pPr lvl="1" eaLnBrk="1" hangingPunct="1">
@@ -9905,42 +9773,169 @@
               <a:defRPr/>
             </a:pPr>
             <a:r>
-              <a:rPr lang="en-US" sz="1800" dirty="0" err="1"/>
+              <a:rPr lang="en-US" dirty="0"/>
+              <a:t>Budget: </a:t>
+            </a:r>
+            <a:r>
+              <a:rPr lang="en-US" dirty="0" err="1"/>
+              <a:t>Allgemeiner</a:t>
+            </a:r>
+            <a:r>
+              <a:rPr lang="en-US" dirty="0"/>
+              <a:t> </a:t>
+            </a:r>
+            <a:r>
+              <a:rPr lang="en-US" dirty="0" err="1"/>
+              <a:t>Preisindex</a:t>
+            </a:r>
+            <a:endParaRPr lang="en-US" dirty="0"/>
+          </a:p>
+          <a:p>
+            <a:pPr eaLnBrk="1" hangingPunct="1">
+              <a:spcAft>
+                <a:spcPts val="1200"/>
+              </a:spcAft>
+              <a:buClrTx/>
+              <a:buFont typeface="Arial" panose="020B0604020202020204" pitchFamily="34" charset="0"/>
+              <a:buChar char="•"/>
+              <a:defRPr/>
+            </a:pPr>
+            <a:r>
+              <a:rPr lang="en-US" sz="2200" b="1" dirty="0" err="1"/>
+              <a:t>Erstellen</a:t>
+            </a:r>
+            <a:r>
+              <a:rPr lang="en-US" sz="2200" b="1" dirty="0"/>
+              <a:t> </a:t>
+            </a:r>
+            <a:r>
+              <a:rPr lang="en-US" sz="2200" b="1" dirty="0" err="1"/>
+              <a:t>neuer</a:t>
+            </a:r>
+            <a:r>
+              <a:rPr lang="en-US" sz="2200" b="1" dirty="0"/>
+              <a:t> </a:t>
+            </a:r>
+            <a:r>
+              <a:rPr lang="en-US" sz="2200" b="1" dirty="0" err="1"/>
+              <a:t>Variablen</a:t>
+            </a:r>
+            <a:r>
+              <a:rPr lang="en-US" sz="2200" b="1" dirty="0"/>
+              <a:t>, die von Interesse sein </a:t>
+            </a:r>
+            <a:r>
+              <a:rPr lang="en-US" sz="2200" b="1" dirty="0" err="1"/>
+              <a:t>könnten</a:t>
+            </a:r>
+            <a:r>
+              <a:rPr lang="en-US" sz="2200" b="1" dirty="0"/>
+              <a:t>:</a:t>
+            </a:r>
+          </a:p>
+          <a:p>
+            <a:pPr lvl="1" eaLnBrk="1" hangingPunct="1">
+              <a:spcAft>
+                <a:spcPts val="1200"/>
+              </a:spcAft>
+              <a:buClrTx/>
+              <a:buFont typeface="Arial" panose="020B0604020202020204" pitchFamily="34" charset="0"/>
+              <a:buChar char="•"/>
+              <a:defRPr/>
+            </a:pPr>
+            <a:r>
+              <a:rPr lang="en-US" dirty="0" err="1"/>
+              <a:t>Anzahl</a:t>
+            </a:r>
+            <a:r>
+              <a:rPr lang="en-US" dirty="0"/>
+              <a:t> an Jahren, </a:t>
+            </a:r>
+            <a:r>
+              <a:rPr lang="en-US" dirty="0" err="1"/>
+              <a:t>seitdem</a:t>
+            </a:r>
+            <a:r>
+              <a:rPr lang="en-US" dirty="0"/>
+              <a:t> </a:t>
+            </a:r>
+            <a:r>
+              <a:rPr lang="en-US" dirty="0" err="1"/>
+              <a:t>eine</a:t>
+            </a:r>
+            <a:r>
+              <a:rPr lang="en-US" dirty="0"/>
+              <a:t> </a:t>
+            </a:r>
+            <a:r>
+              <a:rPr lang="en-US" dirty="0" err="1"/>
+              <a:t>Einrichtung</a:t>
+            </a:r>
+            <a:r>
+              <a:rPr lang="en-US" dirty="0"/>
+              <a:t> </a:t>
+            </a:r>
+            <a:r>
+              <a:rPr lang="en-US" dirty="0" err="1"/>
+              <a:t>gefördert</a:t>
+            </a:r>
+            <a:r>
+              <a:rPr lang="en-US" dirty="0"/>
+              <a:t> </a:t>
+            </a:r>
+            <a:r>
+              <a:rPr lang="en-US" dirty="0" err="1"/>
+              <a:t>wird</a:t>
+            </a:r>
+            <a:endParaRPr lang="en-US" dirty="0"/>
+          </a:p>
+          <a:p>
+            <a:pPr lvl="1" eaLnBrk="1" hangingPunct="1">
+              <a:spcAft>
+                <a:spcPts val="1200"/>
+              </a:spcAft>
+              <a:buClrTx/>
+              <a:buFont typeface="Arial" panose="020B0604020202020204" pitchFamily="34" charset="0"/>
+              <a:buChar char="•"/>
+              <a:defRPr/>
+            </a:pPr>
+            <a:r>
+              <a:rPr lang="en-US" dirty="0" err="1"/>
               <a:t>Differenz</a:t>
             </a:r>
             <a:r>
-              <a:rPr lang="en-US" sz="1800" dirty="0"/>
+              <a:rPr lang="en-US" dirty="0"/>
               <a:t> </a:t>
             </a:r>
             <a:r>
-              <a:rPr lang="en-US" sz="1800" dirty="0" err="1"/>
+              <a:rPr lang="en-US" dirty="0" err="1"/>
               <a:t>zwischen</a:t>
             </a:r>
             <a:r>
-              <a:rPr lang="en-US" sz="1800" dirty="0"/>
+              <a:rPr lang="en-US" dirty="0"/>
               <a:t> </a:t>
             </a:r>
             <a:r>
-              <a:rPr lang="en-US" sz="1800" dirty="0" err="1"/>
+              <a:rPr lang="en-US" dirty="0" err="1"/>
               <a:t>angefragter</a:t>
             </a:r>
             <a:r>
-              <a:rPr lang="en-US" sz="1800" dirty="0"/>
+              <a:rPr lang="en-US" dirty="0"/>
               <a:t> und </a:t>
             </a:r>
             <a:r>
-              <a:rPr lang="en-US" sz="1800" dirty="0" err="1"/>
+              <a:rPr lang="en-US" dirty="0" err="1"/>
               <a:t>tatsächlicher</a:t>
             </a:r>
             <a:r>
-              <a:rPr lang="en-US" sz="1800" dirty="0"/>
+              <a:rPr lang="en-US" dirty="0"/>
               <a:t> </a:t>
             </a:r>
             <a:r>
-              <a:rPr lang="en-US" sz="1800" dirty="0" err="1"/>
+              <a:rPr lang="en-US" dirty="0" err="1"/>
               <a:t>Fördersumme</a:t>
             </a:r>
-            <a:endParaRPr lang="en-US" sz="1800" dirty="0"/>
+            <a:endParaRPr lang="en-US" dirty="0"/>
           </a:p>
           <a:p>
             <a:pPr marL="0" indent="0" eaLnBrk="1" hangingPunct="1">
@@ -14134,37 +14129,6 @@
       </p:sp>
       <p:sp>
         <p:nvSpPr>
-          <p:cNvPr id="6" name="Fußzeilenplatzhalter 5">
-            <a:extLst>
-              <a:ext uri="{FF2B5EF4-FFF2-40B4-BE49-F238E27FC236}">
-                <a16:creationId xmlns:a16="http://schemas.microsoft.com/office/drawing/2014/main" id="{409FA431-B0CE-4FB6-AE08-D5CDAF525297}"/>
-              </a:ext>
-            </a:extLst>
-          </p:cNvPr>
-          <p:cNvSpPr>
-            <a:spLocks noGrp="1"/>
-          </p:cNvSpPr>
-          <p:nvPr>
-            <p:ph type="ftr" sz="quarter" idx="12"/>
-          </p:nvPr>
-        </p:nvSpPr>
-        <p:spPr/>
-        <p:txBody>
-          <a:bodyPr/>
-          <a:lstStyle/>
-          <a:p>
-            <a:pPr>
-              <a:defRPr/>
-            </a:pPr>
-            <a:r>
-              <a:rPr lang="de-DE"/>
-              <a:t>Grundkurs IB: Moritz Weiß</a:t>
-            </a:r>
-          </a:p>
-        </p:txBody>
-      </p:sp>
-      <p:sp>
-        <p:nvSpPr>
           <p:cNvPr id="8" name="Rectangle 2">
             <a:extLst>
               <a:ext uri="{FF2B5EF4-FFF2-40B4-BE49-F238E27FC236}">
@@ -16110,6 +16074,10 @@
               <a:rPr lang="en-US" sz="2200" kern="0" dirty="0" err="1"/>
               <a:t>Variablen</a:t>
             </a:r>
+            <a:endParaRPr lang="en-US" sz="2200" kern="0" dirty="0"/>
+          </a:p>
+          <a:p>
+            <a:pPr marL="0" indent="0"/>
             <a:endParaRPr lang="en-US" sz="2200" kern="0" dirty="0"/>
           </a:p>
           <a:p>
@@ -16255,37 +16223,6 @@
       </p:sp>
       <p:sp>
         <p:nvSpPr>
-          <p:cNvPr id="6" name="Fußzeilenplatzhalter 5">
-            <a:extLst>
-              <a:ext uri="{FF2B5EF4-FFF2-40B4-BE49-F238E27FC236}">
-                <a16:creationId xmlns:a16="http://schemas.microsoft.com/office/drawing/2014/main" id="{CB8893B5-B28C-4F4B-8237-844B80CD7F7F}"/>
-              </a:ext>
-            </a:extLst>
-          </p:cNvPr>
-          <p:cNvSpPr>
-            <a:spLocks noGrp="1"/>
-          </p:cNvSpPr>
-          <p:nvPr>
-            <p:ph type="ftr" sz="quarter" idx="12"/>
-          </p:nvPr>
-        </p:nvSpPr>
-        <p:spPr/>
-        <p:txBody>
-          <a:bodyPr/>
-          <a:lstStyle/>
-          <a:p>
-            <a:pPr>
-              <a:defRPr/>
-            </a:pPr>
-            <a:r>
-              <a:rPr lang="de-DE"/>
-              <a:t>Grundkurs IB: Moritz Weiß</a:t>
-            </a:r>
-          </a:p>
-        </p:txBody>
-      </p:sp>
-      <p:sp>
-        <p:nvSpPr>
           <p:cNvPr id="7" name="Rectangle 2">
             <a:extLst>
               <a:ext uri="{FF2B5EF4-FFF2-40B4-BE49-F238E27FC236}">
@@ -16437,37 +16374,6 @@
             <a:r>
               <a:rPr lang="de-DE"/>
               <a:t>2.5.2012</a:t>
-            </a:r>
-          </a:p>
-        </p:txBody>
-      </p:sp>
-      <p:sp>
-        <p:nvSpPr>
-          <p:cNvPr id="6" name="Fußzeilenplatzhalter 5">
-            <a:extLst>
-              <a:ext uri="{FF2B5EF4-FFF2-40B4-BE49-F238E27FC236}">
-                <a16:creationId xmlns:a16="http://schemas.microsoft.com/office/drawing/2014/main" id="{D824411B-2AAF-4258-B2EF-64AFB0EEB7F9}"/>
-              </a:ext>
-            </a:extLst>
-          </p:cNvPr>
-          <p:cNvSpPr>
-            <a:spLocks noGrp="1"/>
-          </p:cNvSpPr>
-          <p:nvPr>
-            <p:ph type="ftr" sz="quarter" idx="12"/>
-          </p:nvPr>
-        </p:nvSpPr>
-        <p:spPr/>
-        <p:txBody>
-          <a:bodyPr/>
-          <a:lstStyle/>
-          <a:p>
-            <a:pPr>
-              <a:defRPr/>
-            </a:pPr>
-            <a:r>
-              <a:rPr lang="de-DE"/>
-              <a:t>Grundkurs IB: Moritz Weiß</a:t>
             </a:r>
           </a:p>
         </p:txBody>
@@ -16896,37 +16802,6 @@
       </p:sp>
       <p:sp>
         <p:nvSpPr>
-          <p:cNvPr id="6" name="Fußzeilenplatzhalter 5">
-            <a:extLst>
-              <a:ext uri="{FF2B5EF4-FFF2-40B4-BE49-F238E27FC236}">
-                <a16:creationId xmlns:a16="http://schemas.microsoft.com/office/drawing/2014/main" id="{28CE6F85-BC66-494A-928B-BF7137CAFB62}"/>
-              </a:ext>
-            </a:extLst>
-          </p:cNvPr>
-          <p:cNvSpPr>
-            <a:spLocks noGrp="1"/>
-          </p:cNvSpPr>
-          <p:nvPr>
-            <p:ph type="ftr" sz="quarter" idx="12"/>
-          </p:nvPr>
-        </p:nvSpPr>
-        <p:spPr/>
-        <p:txBody>
-          <a:bodyPr/>
-          <a:lstStyle/>
-          <a:p>
-            <a:pPr>
-              <a:defRPr/>
-            </a:pPr>
-            <a:r>
-              <a:rPr lang="de-DE"/>
-              <a:t>Grundkurs IB: Moritz Weiß</a:t>
-            </a:r>
-          </a:p>
-        </p:txBody>
-      </p:sp>
-      <p:sp>
-        <p:nvSpPr>
           <p:cNvPr id="7" name="Rectangle 2">
             <a:extLst>
               <a:ext uri="{FF2B5EF4-FFF2-40B4-BE49-F238E27FC236}">
@@ -17062,37 +16937,6 @@
             <a:r>
               <a:rPr lang="de-DE"/>
               <a:t>2.5.2012</a:t>
-            </a:r>
-          </a:p>
-        </p:txBody>
-      </p:sp>
-      <p:sp>
-        <p:nvSpPr>
-          <p:cNvPr id="6" name="Fußzeilenplatzhalter 5">
-            <a:extLst>
-              <a:ext uri="{FF2B5EF4-FFF2-40B4-BE49-F238E27FC236}">
-                <a16:creationId xmlns:a16="http://schemas.microsoft.com/office/drawing/2014/main" id="{C4AED4CE-3157-4356-A469-5F54DF565C5D}"/>
-              </a:ext>
-            </a:extLst>
-          </p:cNvPr>
-          <p:cNvSpPr>
-            <a:spLocks noGrp="1"/>
-          </p:cNvSpPr>
-          <p:nvPr>
-            <p:ph type="ftr" sz="quarter" idx="12"/>
-          </p:nvPr>
-        </p:nvSpPr>
-        <p:spPr/>
-        <p:txBody>
-          <a:bodyPr/>
-          <a:lstStyle/>
-          <a:p>
-            <a:pPr>
-              <a:defRPr/>
-            </a:pPr>
-            <a:r>
-              <a:rPr lang="de-DE"/>
-              <a:t>Grundkurs IB: Moritz Weiß</a:t>
             </a:r>
           </a:p>
         </p:txBody>
@@ -17276,37 +17120,6 @@
             <a:r>
               <a:rPr lang="de-DE"/>
               <a:t>2.5.2012</a:t>
-            </a:r>
-          </a:p>
-        </p:txBody>
-      </p:sp>
-      <p:sp>
-        <p:nvSpPr>
-          <p:cNvPr id="6" name="Fußzeilenplatzhalter 5">
-            <a:extLst>
-              <a:ext uri="{FF2B5EF4-FFF2-40B4-BE49-F238E27FC236}">
-                <a16:creationId xmlns:a16="http://schemas.microsoft.com/office/drawing/2014/main" id="{C4AED4CE-3157-4356-A469-5F54DF565C5D}"/>
-              </a:ext>
-            </a:extLst>
-          </p:cNvPr>
-          <p:cNvSpPr>
-            <a:spLocks noGrp="1"/>
-          </p:cNvSpPr>
-          <p:nvPr>
-            <p:ph type="ftr" sz="quarter" idx="12"/>
-          </p:nvPr>
-        </p:nvSpPr>
-        <p:spPr/>
-        <p:txBody>
-          <a:bodyPr/>
-          <a:lstStyle/>
-          <a:p>
-            <a:pPr>
-              <a:defRPr/>
-            </a:pPr>
-            <a:r>
-              <a:rPr lang="de-DE"/>
-              <a:t>Grundkurs IB: Moritz Weiß</a:t>
             </a:r>
           </a:p>
         </p:txBody>
@@ -17971,37 +17784,6 @@
             <a:r>
               <a:rPr lang="de-DE"/>
               <a:t>2.5.2012</a:t>
-            </a:r>
-          </a:p>
-        </p:txBody>
-      </p:sp>
-      <p:sp>
-        <p:nvSpPr>
-          <p:cNvPr id="6" name="Fußzeilenplatzhalter 5">
-            <a:extLst>
-              <a:ext uri="{FF2B5EF4-FFF2-40B4-BE49-F238E27FC236}">
-                <a16:creationId xmlns:a16="http://schemas.microsoft.com/office/drawing/2014/main" id="{B614FBF0-CD17-4640-95A5-1F8C5CC735D3}"/>
-              </a:ext>
-            </a:extLst>
-          </p:cNvPr>
-          <p:cNvSpPr>
-            <a:spLocks noGrp="1"/>
-          </p:cNvSpPr>
-          <p:nvPr>
-            <p:ph type="ftr" sz="quarter" idx="12"/>
-          </p:nvPr>
-        </p:nvSpPr>
-        <p:spPr/>
-        <p:txBody>
-          <a:bodyPr/>
-          <a:lstStyle/>
-          <a:p>
-            <a:pPr>
-              <a:defRPr/>
-            </a:pPr>
-            <a:r>
-              <a:rPr lang="de-DE"/>
-              <a:t>Grundkurs IB: Moritz Weiß</a:t>
             </a:r>
           </a:p>
         </p:txBody>

--- a/CHILDREN/Zwischenkolloquien/2. Zwischentreffen Präsentation.pptx
+++ b/CHILDREN/Zwischenkolloquien/2. Zwischentreffen Präsentation.pptx
@@ -7213,8 +7213,8 @@
           </a:p>
         </p:txBody>
       </p:sp>
-      <mc:AlternateContent xmlns:mc="http://schemas.openxmlformats.org/markup-compatibility/2006" xmlns:a14="http://schemas.microsoft.com/office/drawing/2010/main">
-        <mc:Choice Requires="a14">
+      <mc:AlternateContent xmlns:mc="http://schemas.openxmlformats.org/markup-compatibility/2006">
+        <mc:Choice xmlns:a14="http://schemas.microsoft.com/office/drawing/2010/main" Requires="a14">
           <p:sp>
             <p:nvSpPr>
               <p:cNvPr id="7" name="Rectangle 3">
@@ -7458,7 +7458,7 @@
                   <a:rPr lang="de-DE" sz="2200" kern="0" dirty="0">
                     <a:sym typeface="Wingdings" pitchFamily="2" charset="2"/>
                   </a:rPr>
-                  <a:t>: Proportional Odds Modell (auf alle Modelle die sich auf den Mittagstisch beziehen)</a:t>
+                  <a:t>: Proportional Odds Modell </a:t>
                 </a:r>
               </a:p>
               <a:p>
@@ -7912,13 +7912,13 @@
                   <a:rPr lang="de-DE" sz="2200" kern="0" dirty="0">
                     <a:sym typeface="Wingdings" pitchFamily="2" charset="2"/>
                   </a:rPr>
-                  <a:t>(0.29127) = 1.338125</a:t>
+                  <a:t>(-0.29127) = 0.75</a:t>
                 </a:r>
               </a:p>
             </p:txBody>
           </p:sp>
         </mc:Choice>
-        <mc:Fallback xmlns="">
+        <mc:Fallback>
           <p:sp>
             <p:nvSpPr>
               <p:cNvPr id="7" name="Rectangle 3">
@@ -17286,8 +17286,8 @@
           <a:chExt cx="0" cy="0"/>
         </a:xfrm>
       </p:grpSpPr>
-      <mc:AlternateContent xmlns:mc="http://schemas.openxmlformats.org/markup-compatibility/2006">
-        <mc:Choice xmlns:a14="http://schemas.microsoft.com/office/drawing/2010/main" Requires="a14">
+      <mc:AlternateContent xmlns:mc="http://schemas.openxmlformats.org/markup-compatibility/2006" xmlns:a14="http://schemas.microsoft.com/office/drawing/2010/main">
+        <mc:Choice Requires="a14">
           <p:sp>
             <p:nvSpPr>
               <p:cNvPr id="3" name="Inhaltsplatzhalter 2">
@@ -17674,7 +17674,7 @@
             </p:txBody>
           </p:sp>
         </mc:Choice>
-        <mc:Fallback>
+        <mc:Fallback xmlns="">
           <p:sp>
             <p:nvSpPr>
               <p:cNvPr id="3" name="Inhaltsplatzhalter 2">

--- a/CHILDREN/Zwischenkolloquien/2. Zwischentreffen Präsentation.pptx
+++ b/CHILDREN/Zwischenkolloquien/2. Zwischentreffen Präsentation.pptx
@@ -7458,7 +7458,7 @@
                   <a:rPr lang="de-DE" sz="2200" kern="0" dirty="0">
                     <a:sym typeface="Wingdings" pitchFamily="2" charset="2"/>
                   </a:rPr>
-                  <a:t>: Proportional Odds Modell </a:t>
+                  <a:t>: Proportional Odds Version des kumulativen Logit Modells </a:t>
                 </a:r>
               </a:p>
               <a:p>
@@ -8027,38 +8027,6 @@
           <a:chExt cx="0" cy="0"/>
         </a:xfrm>
       </p:grpSpPr>
-      <p:pic>
-        <p:nvPicPr>
-          <p:cNvPr id="7" name="Inhaltsplatzhalter 6">
-            <a:extLst>
-              <a:ext uri="{FF2B5EF4-FFF2-40B4-BE49-F238E27FC236}">
-                <a16:creationId xmlns:a16="http://schemas.microsoft.com/office/drawing/2014/main" id="{E7CF03ED-F2D3-46C9-9804-3B9CC78CDF3D}"/>
-              </a:ext>
-            </a:extLst>
-          </p:cNvPr>
-          <p:cNvPicPr>
-            <a:picLocks noGrp="1" noChangeAspect="1"/>
-          </p:cNvPicPr>
-          <p:nvPr>
-            <p:ph idx="1"/>
-          </p:nvPr>
-        </p:nvPicPr>
-        <p:blipFill>
-          <a:blip r:embed="rId2"/>
-          <a:stretch>
-            <a:fillRect/>
-          </a:stretch>
-        </p:blipFill>
-        <p:spPr>
-          <a:xfrm>
-            <a:off x="1388708" y="1378743"/>
-            <a:ext cx="6804957" cy="4917281"/>
-          </a:xfrm>
-          <a:prstGeom prst="rect">
-            <a:avLst/>
-          </a:prstGeom>
-        </p:spPr>
-      </p:pic>
       <p:sp>
         <p:nvSpPr>
           <p:cNvPr id="4" name="Foliennummernplatzhalter 3">
@@ -8345,6 +8313,38 @@
           </a:p>
         </p:txBody>
       </p:sp>
+      <p:pic>
+        <p:nvPicPr>
+          <p:cNvPr id="3" name="Inhaltsplatzhalter 2">
+            <a:extLst>
+              <a:ext uri="{FF2B5EF4-FFF2-40B4-BE49-F238E27FC236}">
+                <a16:creationId xmlns:a16="http://schemas.microsoft.com/office/drawing/2014/main" id="{81202ABE-22E5-48D1-8CC7-2EF50B02A9E6}"/>
+              </a:ext>
+            </a:extLst>
+          </p:cNvPr>
+          <p:cNvPicPr>
+            <a:picLocks noGrp="1" noChangeAspect="1"/>
+          </p:cNvPicPr>
+          <p:nvPr>
+            <p:ph idx="1"/>
+          </p:nvPr>
+        </p:nvPicPr>
+        <p:blipFill>
+          <a:blip r:embed="rId2"/>
+          <a:stretch>
+            <a:fillRect/>
+          </a:stretch>
+        </p:blipFill>
+        <p:spPr>
+          <a:xfrm>
+            <a:off x="1252965" y="1361272"/>
+            <a:ext cx="6638069" cy="4963327"/>
+          </a:xfrm>
+          <a:prstGeom prst="rect">
+            <a:avLst/>
+          </a:prstGeom>
+        </p:spPr>
+      </p:pic>
     </p:spTree>
     <p:extLst>
       <p:ext uri="{BB962C8B-B14F-4D97-AF65-F5344CB8AC3E}">
@@ -8544,10 +8544,10 @@
       </p:sp>
       <p:pic>
         <p:nvPicPr>
-          <p:cNvPr id="3" name="Grafik 2">
+          <p:cNvPr id="6" name="Grafik 5">
             <a:extLst>
               <a:ext uri="{FF2B5EF4-FFF2-40B4-BE49-F238E27FC236}">
-                <a16:creationId xmlns:a16="http://schemas.microsoft.com/office/drawing/2014/main" id="{75A05EBB-7E90-45C4-B4D3-E5D232B20597}"/>
+                <a16:creationId xmlns:a16="http://schemas.microsoft.com/office/drawing/2014/main" id="{D16DD930-74D4-4DD9-B5CC-F3212F5565EE}"/>
               </a:ext>
             </a:extLst>
           </p:cNvPr>
@@ -8564,8 +8564,8 @@
         </p:blipFill>
         <p:spPr>
           <a:xfrm>
-            <a:off x="1225550" y="1287255"/>
-            <a:ext cx="6838950" cy="4950242"/>
+            <a:off x="1326356" y="1290822"/>
+            <a:ext cx="6811962" cy="5093419"/>
           </a:xfrm>
           <a:prstGeom prst="rect">
             <a:avLst/>
@@ -8771,10 +8771,10 @@
       </p:sp>
       <p:pic>
         <p:nvPicPr>
-          <p:cNvPr id="6" name="Grafik 5">
+          <p:cNvPr id="3" name="Grafik 2">
             <a:extLst>
               <a:ext uri="{FF2B5EF4-FFF2-40B4-BE49-F238E27FC236}">
-                <a16:creationId xmlns:a16="http://schemas.microsoft.com/office/drawing/2014/main" id="{B4CD050B-11CB-455B-B7EC-272E8BBCAA7D}"/>
+                <a16:creationId xmlns:a16="http://schemas.microsoft.com/office/drawing/2014/main" id="{CBE3B9BC-F61C-4151-8623-21899BF3140B}"/>
               </a:ext>
             </a:extLst>
           </p:cNvPr>
@@ -8791,8 +8791,8 @@
         </p:blipFill>
         <p:spPr>
           <a:xfrm>
-            <a:off x="1141413" y="1273293"/>
-            <a:ext cx="7104062" cy="5137033"/>
+            <a:off x="965201" y="1225045"/>
+            <a:ext cx="7280274" cy="5234509"/>
           </a:xfrm>
           <a:prstGeom prst="rect">
             <a:avLst/>
@@ -9014,10 +9014,10 @@
       </p:sp>
       <p:pic>
         <p:nvPicPr>
-          <p:cNvPr id="3" name="Grafik 2">
+          <p:cNvPr id="6" name="Grafik 5">
             <a:extLst>
               <a:ext uri="{FF2B5EF4-FFF2-40B4-BE49-F238E27FC236}">
-                <a16:creationId xmlns:a16="http://schemas.microsoft.com/office/drawing/2014/main" id="{58FF3010-A692-4A5A-BB11-287E048F8943}"/>
+                <a16:creationId xmlns:a16="http://schemas.microsoft.com/office/drawing/2014/main" id="{EE7314BF-98F3-4B53-B0C2-6CDB639D8D14}"/>
               </a:ext>
             </a:extLst>
           </p:cNvPr>
@@ -9034,8 +9034,8 @@
         </p:blipFill>
         <p:spPr>
           <a:xfrm>
-            <a:off x="801686" y="2230273"/>
-            <a:ext cx="7639050" cy="733425"/>
+            <a:off x="747712" y="2133600"/>
+            <a:ext cx="7648575" cy="685800"/>
           </a:xfrm>
           <a:prstGeom prst="rect">
             <a:avLst/>
@@ -9044,10 +9044,10 @@
       </p:pic>
       <p:pic>
         <p:nvPicPr>
-          <p:cNvPr id="7" name="Grafik 6">
+          <p:cNvPr id="9" name="Grafik 8">
             <a:extLst>
               <a:ext uri="{FF2B5EF4-FFF2-40B4-BE49-F238E27FC236}">
-                <a16:creationId xmlns:a16="http://schemas.microsoft.com/office/drawing/2014/main" id="{E4C9E616-AC4B-41F1-B2C0-725F9A265A3C}"/>
+                <a16:creationId xmlns:a16="http://schemas.microsoft.com/office/drawing/2014/main" id="{9FEB96E1-9DD2-4235-9861-EFA839F7D4A7}"/>
               </a:ext>
             </a:extLst>
           </p:cNvPr>
@@ -9064,8 +9064,8 @@
         </p:blipFill>
         <p:spPr>
           <a:xfrm>
-            <a:off x="206374" y="3216110"/>
-            <a:ext cx="8829675" cy="2036927"/>
+            <a:off x="95250" y="3287217"/>
+            <a:ext cx="8953500" cy="2018207"/>
           </a:xfrm>
           <a:prstGeom prst="rect">
             <a:avLst/>
@@ -10645,10 +10645,10 @@
       </p:sp>
       <p:pic>
         <p:nvPicPr>
-          <p:cNvPr id="2" name="Grafik 1">
+          <p:cNvPr id="3" name="Grafik 2">
             <a:extLst>
               <a:ext uri="{FF2B5EF4-FFF2-40B4-BE49-F238E27FC236}">
-                <a16:creationId xmlns:a16="http://schemas.microsoft.com/office/drawing/2014/main" id="{B3597418-BBD9-4583-97D3-54A94B2939A2}"/>
+                <a16:creationId xmlns:a16="http://schemas.microsoft.com/office/drawing/2014/main" id="{52E83948-3FB3-46B8-AC7F-DA4FD9C303FB}"/>
               </a:ext>
             </a:extLst>
           </p:cNvPr>
@@ -10665,8 +10665,8 @@
         </p:blipFill>
         <p:spPr>
           <a:xfrm>
-            <a:off x="1268413" y="1319256"/>
-            <a:ext cx="7029450" cy="5062494"/>
+            <a:off x="1239838" y="1255381"/>
+            <a:ext cx="6824662" cy="5093031"/>
           </a:xfrm>
           <a:prstGeom prst="rect">
             <a:avLst/>
@@ -11060,10 +11060,10 @@
       </p:sp>
       <p:pic>
         <p:nvPicPr>
-          <p:cNvPr id="3" name="Grafik 2">
+          <p:cNvPr id="2" name="Grafik 1">
             <a:extLst>
               <a:ext uri="{FF2B5EF4-FFF2-40B4-BE49-F238E27FC236}">
-                <a16:creationId xmlns:a16="http://schemas.microsoft.com/office/drawing/2014/main" id="{92387D29-DA68-4D68-92CE-9737ED219654}"/>
+                <a16:creationId xmlns:a16="http://schemas.microsoft.com/office/drawing/2014/main" id="{DC368E16-CD98-4F70-B9B9-522F7184F862}"/>
               </a:ext>
             </a:extLst>
           </p:cNvPr>
@@ -11080,8 +11080,8 @@
         </p:blipFill>
         <p:spPr>
           <a:xfrm>
-            <a:off x="1336675" y="1293206"/>
-            <a:ext cx="6908800" cy="4962769"/>
+            <a:off x="1250950" y="1288849"/>
+            <a:ext cx="6813550" cy="5098415"/>
           </a:xfrm>
           <a:prstGeom prst="rect">
             <a:avLst/>
